--- a/yourtour/documents/business/YourTour BP 3.0-合作.pptx
+++ b/yourtour/documents/business/YourTour BP 3.0-合作.pptx
@@ -16,16 +16,22 @@
     <p:sldId id="263" r:id="rId10"/>
     <p:sldId id="269" r:id="rId11"/>
     <p:sldId id="270" r:id="rId12"/>
-    <p:sldId id="278" r:id="rId13"/>
-    <p:sldId id="271" r:id="rId14"/>
-    <p:sldId id="279" r:id="rId15"/>
-    <p:sldId id="281" r:id="rId16"/>
-    <p:sldId id="282" r:id="rId17"/>
-    <p:sldId id="268" r:id="rId18"/>
-    <p:sldId id="266" r:id="rId19"/>
-    <p:sldId id="265" r:id="rId20"/>
-    <p:sldId id="272" r:id="rId21"/>
-    <p:sldId id="275" r:id="rId22"/>
+    <p:sldId id="283" r:id="rId13"/>
+    <p:sldId id="278" r:id="rId14"/>
+    <p:sldId id="271" r:id="rId15"/>
+    <p:sldId id="279" r:id="rId16"/>
+    <p:sldId id="281" r:id="rId17"/>
+    <p:sldId id="282" r:id="rId18"/>
+    <p:sldId id="268" r:id="rId19"/>
+    <p:sldId id="266" r:id="rId20"/>
+    <p:sldId id="265" r:id="rId21"/>
+    <p:sldId id="284" r:id="rId22"/>
+    <p:sldId id="272" r:id="rId23"/>
+    <p:sldId id="285" r:id="rId24"/>
+    <p:sldId id="286" r:id="rId25"/>
+    <p:sldId id="287" r:id="rId26"/>
+    <p:sldId id="288" r:id="rId27"/>
+    <p:sldId id="289" r:id="rId28"/>
   </p:sldIdLst>
   <p:sldSz cx="9144000" cy="6858000" type="screen4x3"/>
   <p:notesSz cx="6858000" cy="9144000"/>
@@ -308,7 +314,7 @@
           <a:p>
             <a:fld id="{530820CF-B880-4189-942D-D702A7CBA730}" type="datetimeFigureOut">
               <a:rPr lang="zh-CN" altLang="en-US" smtClean="0"/>
-              <a:t>2016/3/24</a:t>
+              <a:t>2016/3/30</a:t>
             </a:fld>
             <a:endParaRPr lang="zh-CN" altLang="en-US"/>
           </a:p>
@@ -473,7 +479,7 @@
           <a:p>
             <a:fld id="{530820CF-B880-4189-942D-D702A7CBA730}" type="datetimeFigureOut">
               <a:rPr lang="zh-CN" altLang="en-US" smtClean="0"/>
-              <a:t>2016/3/24</a:t>
+              <a:t>2016/3/30</a:t>
             </a:fld>
             <a:endParaRPr lang="zh-CN" altLang="en-US"/>
           </a:p>
@@ -648,7 +654,7 @@
           <a:p>
             <a:fld id="{530820CF-B880-4189-942D-D702A7CBA730}" type="datetimeFigureOut">
               <a:rPr lang="zh-CN" altLang="en-US" smtClean="0"/>
-              <a:t>2016/3/24</a:t>
+              <a:t>2016/3/30</a:t>
             </a:fld>
             <a:endParaRPr lang="zh-CN" altLang="en-US"/>
           </a:p>
@@ -813,7 +819,7 @@
           <a:p>
             <a:fld id="{530820CF-B880-4189-942D-D702A7CBA730}" type="datetimeFigureOut">
               <a:rPr lang="zh-CN" altLang="en-US" smtClean="0"/>
-              <a:t>2016/3/24</a:t>
+              <a:t>2016/3/30</a:t>
             </a:fld>
             <a:endParaRPr lang="zh-CN" altLang="en-US"/>
           </a:p>
@@ -1054,7 +1060,7 @@
           <a:p>
             <a:fld id="{530820CF-B880-4189-942D-D702A7CBA730}" type="datetimeFigureOut">
               <a:rPr lang="zh-CN" altLang="en-US" smtClean="0"/>
-              <a:t>2016/3/24</a:t>
+              <a:t>2016/3/30</a:t>
             </a:fld>
             <a:endParaRPr lang="zh-CN" altLang="en-US"/>
           </a:p>
@@ -1337,7 +1343,7 @@
           <a:p>
             <a:fld id="{530820CF-B880-4189-942D-D702A7CBA730}" type="datetimeFigureOut">
               <a:rPr lang="zh-CN" altLang="en-US" smtClean="0"/>
-              <a:t>2016/3/24</a:t>
+              <a:t>2016/3/30</a:t>
             </a:fld>
             <a:endParaRPr lang="zh-CN" altLang="en-US"/>
           </a:p>
@@ -1754,7 +1760,7 @@
           <a:p>
             <a:fld id="{530820CF-B880-4189-942D-D702A7CBA730}" type="datetimeFigureOut">
               <a:rPr lang="zh-CN" altLang="en-US" smtClean="0"/>
-              <a:t>2016/3/24</a:t>
+              <a:t>2016/3/30</a:t>
             </a:fld>
             <a:endParaRPr lang="zh-CN" altLang="en-US"/>
           </a:p>
@@ -1867,7 +1873,7 @@
           <a:p>
             <a:fld id="{530820CF-B880-4189-942D-D702A7CBA730}" type="datetimeFigureOut">
               <a:rPr lang="zh-CN" altLang="en-US" smtClean="0"/>
-              <a:t>2016/3/24</a:t>
+              <a:t>2016/3/30</a:t>
             </a:fld>
             <a:endParaRPr lang="zh-CN" altLang="en-US"/>
           </a:p>
@@ -1957,7 +1963,7 @@
           <a:p>
             <a:fld id="{530820CF-B880-4189-942D-D702A7CBA730}" type="datetimeFigureOut">
               <a:rPr lang="zh-CN" altLang="en-US" smtClean="0"/>
-              <a:t>2016/3/24</a:t>
+              <a:t>2016/3/30</a:t>
             </a:fld>
             <a:endParaRPr lang="zh-CN" altLang="en-US"/>
           </a:p>
@@ -2229,7 +2235,7 @@
           <a:p>
             <a:fld id="{530820CF-B880-4189-942D-D702A7CBA730}" type="datetimeFigureOut">
               <a:rPr lang="zh-CN" altLang="en-US" smtClean="0"/>
-              <a:t>2016/3/24</a:t>
+              <a:t>2016/3/30</a:t>
             </a:fld>
             <a:endParaRPr lang="zh-CN" altLang="en-US"/>
           </a:p>
@@ -2477,7 +2483,7 @@
           <a:p>
             <a:fld id="{530820CF-B880-4189-942D-D702A7CBA730}" type="datetimeFigureOut">
               <a:rPr lang="zh-CN" altLang="en-US" smtClean="0"/>
-              <a:t>2016/3/24</a:t>
+              <a:t>2016/3/30</a:t>
             </a:fld>
             <a:endParaRPr lang="zh-CN" altLang="en-US"/>
           </a:p>
@@ -2685,7 +2691,7 @@
           <a:p>
             <a:fld id="{530820CF-B880-4189-942D-D702A7CBA730}" type="datetimeFigureOut">
               <a:rPr lang="zh-CN" altLang="en-US" smtClean="0"/>
-              <a:t>2016/3/24</a:t>
+              <a:t>2016/3/30</a:t>
             </a:fld>
             <a:endParaRPr lang="zh-CN" altLang="en-US"/>
           </a:p>
@@ -3270,17 +3276,12 @@
             </a:r>
             <a:r>
               <a:rPr lang="zh-CN" altLang="en-US" dirty="0" smtClean="0"/>
-              <a:t>市场</a:t>
-            </a:r>
-            <a:r>
-              <a:rPr lang="zh-CN" altLang="en-US" dirty="0" smtClean="0"/>
-              <a:t>的</a:t>
+              <a:t>市场的</a:t>
             </a:r>
             <a:r>
               <a:rPr lang="zh-CN" altLang="en-US" dirty="0"/>
               <a:t>规模</a:t>
             </a:r>
-            <a:endParaRPr lang="zh-CN" altLang="en-US" dirty="0"/>
           </a:p>
         </p:txBody>
       </p:sp>
@@ -3431,7 +3432,7 @@
           <a:p>
             <a:r>
               <a:rPr lang="zh-CN" altLang="en-US" dirty="0" smtClean="0"/>
-              <a:t>市场在进一步细分</a:t>
+              <a:t>一些旅游的问题探讨</a:t>
             </a:r>
             <a:endParaRPr lang="zh-CN" altLang="en-US" dirty="0"/>
           </a:p>
@@ -3449,52 +3450,50 @@
         </p:nvSpPr>
         <p:spPr/>
         <p:txBody>
-          <a:bodyPr/>
-          <a:lstStyle/>
-          <a:p>
-            <a:r>
-              <a:rPr lang="zh-CN" altLang="en-US" dirty="0" smtClean="0"/>
-              <a:t>末端</a:t>
-            </a:r>
-            <a:r>
-              <a:rPr lang="en-US" altLang="zh-CN" dirty="0" smtClean="0"/>
-              <a:t>IP</a:t>
-            </a:r>
-            <a:r>
-              <a:rPr lang="zh-CN" altLang="en-US" dirty="0" smtClean="0"/>
-              <a:t>化</a:t>
-            </a:r>
-            <a:endParaRPr lang="en-US" altLang="zh-CN" dirty="0" smtClean="0"/>
-          </a:p>
-          <a:p>
-            <a:r>
-              <a:rPr lang="zh-CN" altLang="en-US" dirty="0" smtClean="0"/>
-              <a:t>户外成为热点</a:t>
+          <a:bodyPr>
+            <a:normAutofit fontScale="92500" lnSpcReduction="20000"/>
+          </a:bodyPr>
+          <a:lstStyle/>
+          <a:p>
+            <a:r>
+              <a:rPr lang="zh-CN" altLang="en-US" dirty="0" smtClean="0"/>
+              <a:t>简单的内容堆砌，用户不知道如何决策，成为一个个比价的软件，为低价团提供温床</a:t>
+            </a:r>
+            <a:endParaRPr lang="en-US" altLang="zh-CN" dirty="0" smtClean="0"/>
+          </a:p>
+          <a:p>
+            <a:r>
+              <a:rPr lang="zh-CN" altLang="en-US" dirty="0" smtClean="0"/>
+              <a:t>景点内容缺乏吸引力，景区争相评级，赚的却只有门票的钱</a:t>
             </a:r>
             <a:endParaRPr lang="en-US" altLang="zh-CN" dirty="0" smtClean="0"/>
           </a:p>
           <a:p>
             <a:r>
               <a:rPr lang="zh-CN" altLang="en-US" dirty="0"/>
-              <a:t>乡村</a:t>
-            </a:r>
-            <a:r>
-              <a:rPr lang="zh-CN" altLang="en-US" dirty="0" smtClean="0"/>
-              <a:t>旅游投资加大</a:t>
-            </a:r>
-            <a:endParaRPr lang="en-US" altLang="zh-CN" dirty="0" smtClean="0"/>
-          </a:p>
-          <a:p>
-            <a:r>
-              <a:rPr lang="zh-CN" altLang="en-US" dirty="0" smtClean="0"/>
-              <a:t>目的地的基础设施建设趋于饱和</a:t>
-            </a:r>
-            <a:endParaRPr lang="en-US" altLang="zh-CN" dirty="0" smtClean="0"/>
-          </a:p>
-          <a:p>
-            <a:r>
-              <a:rPr lang="zh-CN" altLang="en-US" dirty="0" smtClean="0"/>
-              <a:t>可是：游客还是不知道怎么玩</a:t>
+              <a:t>景区</a:t>
+            </a:r>
+            <a:r>
+              <a:rPr lang="zh-CN" altLang="en-US" dirty="0" smtClean="0"/>
+              <a:t>之间没有形成良好的有机组合，线路的组合缺乏内容的主线</a:t>
+            </a:r>
+            <a:endParaRPr lang="en-US" altLang="zh-CN" dirty="0" smtClean="0"/>
+          </a:p>
+          <a:p>
+            <a:r>
+              <a:rPr lang="zh-CN" altLang="en-US" dirty="0" smtClean="0"/>
+              <a:t>景区的原住民资源没有推介的渠道，他们的利益没有最大化</a:t>
+            </a:r>
+            <a:endParaRPr lang="en-US" altLang="zh-CN" dirty="0" smtClean="0"/>
+          </a:p>
+          <a:p>
+            <a:r>
+              <a:rPr lang="zh-CN" altLang="en-US" dirty="0"/>
+              <a:t>从国际</a:t>
+            </a:r>
+            <a:r>
+              <a:rPr lang="zh-CN" altLang="en-US" dirty="0" smtClean="0"/>
+              <a:t>趋势来看，景区票价的下降甚至免除是未来的趋势，那么目的地旅游靠什么挣钱？</a:t>
             </a:r>
             <a:endParaRPr lang="zh-CN" altLang="en-US" dirty="0"/>
           </a:p>
@@ -3503,7 +3502,7 @@
     </p:spTree>
     <p:extLst>
       <p:ext uri="{BB962C8B-B14F-4D97-AF65-F5344CB8AC3E}">
-        <p14:creationId xmlns:p14="http://schemas.microsoft.com/office/powerpoint/2010/main" val="705033769"/>
+        <p14:creationId xmlns:p14="http://schemas.microsoft.com/office/powerpoint/2010/main" val="2199302162"/>
       </p:ext>
     </p:extLst>
   </p:cSld>
@@ -3547,7 +3546,7 @@
           <a:p>
             <a:r>
               <a:rPr lang="zh-CN" altLang="en-US" dirty="0" smtClean="0"/>
-              <a:t>新兴市场的机会</a:t>
+              <a:t>市场在进一步细分</a:t>
             </a:r>
             <a:endParaRPr lang="zh-CN" altLang="en-US" dirty="0"/>
           </a:p>
@@ -3565,179 +3564,12 @@
         </p:nvSpPr>
         <p:spPr/>
         <p:txBody>
-          <a:bodyPr>
-            <a:normAutofit fontScale="55000" lnSpcReduction="20000"/>
-          </a:bodyPr>
-          <a:lstStyle/>
-          <a:p>
-            <a:r>
-              <a:rPr lang="zh-CN" altLang="en-US" dirty="0" smtClean="0"/>
-              <a:t>自助游的</a:t>
-            </a:r>
-            <a:r>
-              <a:rPr lang="en-US" altLang="zh-CN" dirty="0" smtClean="0"/>
-              <a:t>OTA</a:t>
-            </a:r>
-            <a:r>
-              <a:rPr lang="zh-CN" altLang="en-US" dirty="0" smtClean="0"/>
-              <a:t>，主要还是卖线路，将游客卖给当地的地接社，换汤不换药</a:t>
-            </a:r>
-            <a:endParaRPr lang="en-US" altLang="zh-CN" dirty="0" smtClean="0"/>
-          </a:p>
-          <a:p>
-            <a:pPr lvl="1"/>
-            <a:r>
-              <a:rPr lang="zh-CN" altLang="en-US" dirty="0" smtClean="0"/>
-              <a:t>线路模式：指定线路</a:t>
-            </a:r>
-            <a:r>
-              <a:rPr lang="en-US" altLang="zh-CN" dirty="0" smtClean="0"/>
-              <a:t>-》</a:t>
-            </a:r>
-            <a:r>
-              <a:rPr lang="zh-CN" altLang="en-US" dirty="0" smtClean="0"/>
-              <a:t>用户选择商品</a:t>
-            </a:r>
-            <a:r>
-              <a:rPr lang="en-US" altLang="zh-CN" dirty="0" smtClean="0"/>
-              <a:t>-》</a:t>
-            </a:r>
-            <a:r>
-              <a:rPr lang="zh-CN" altLang="en-US" dirty="0" smtClean="0"/>
-              <a:t>人满就走，不满不走</a:t>
-            </a:r>
-            <a:r>
-              <a:rPr lang="en-US" altLang="zh-CN" dirty="0" smtClean="0"/>
-              <a:t>-》</a:t>
-            </a:r>
-            <a:r>
-              <a:rPr lang="zh-CN" altLang="en-US" dirty="0" smtClean="0"/>
-              <a:t>上车睡觉，景点拍照</a:t>
-            </a:r>
-            <a:endParaRPr lang="en-US" altLang="zh-CN" dirty="0" smtClean="0"/>
-          </a:p>
-          <a:p>
-            <a:pPr lvl="1"/>
-            <a:r>
-              <a:rPr lang="zh-CN" altLang="en-US" dirty="0" smtClean="0"/>
-              <a:t>用户没有自主权，决定什么时候出行（受开团的限制）、玩什么（景点固定）、怎么玩（到点出发，按时集合）、和谁玩（都是陌生人）</a:t>
-            </a:r>
-            <a:endParaRPr lang="en-US" altLang="zh-CN" dirty="0" smtClean="0"/>
-          </a:p>
-          <a:p>
-            <a:r>
-              <a:rPr lang="zh-CN" altLang="en-US" dirty="0" smtClean="0"/>
-              <a:t>一些以游记起家的</a:t>
-            </a:r>
-            <a:r>
-              <a:rPr lang="en-US" altLang="zh-CN" dirty="0" smtClean="0"/>
-              <a:t>OTA</a:t>
-            </a:r>
-            <a:r>
-              <a:rPr lang="zh-CN" altLang="en-US" dirty="0" smtClean="0"/>
-              <a:t>，没有盈利模式，也转向了卖线路</a:t>
-            </a:r>
-            <a:endParaRPr lang="en-US" altLang="zh-CN" dirty="0" smtClean="0"/>
-          </a:p>
-          <a:p>
-            <a:pPr lvl="1"/>
-            <a:r>
-              <a:rPr lang="zh-CN" altLang="en-US" dirty="0" smtClean="0"/>
-              <a:t>用户看游记</a:t>
-            </a:r>
-            <a:r>
-              <a:rPr lang="en-US" altLang="zh-CN" dirty="0" smtClean="0"/>
-              <a:t>-》</a:t>
-            </a:r>
-            <a:r>
-              <a:rPr lang="zh-CN" altLang="en-US" dirty="0" smtClean="0"/>
-              <a:t>自己制定行程，或者</a:t>
-            </a:r>
-            <a:r>
-              <a:rPr lang="en-US" altLang="zh-CN" dirty="0" smtClean="0"/>
-              <a:t>-》</a:t>
-            </a:r>
-            <a:r>
-              <a:rPr lang="zh-CN" altLang="en-US" dirty="0" smtClean="0"/>
-              <a:t>购买行程，与自助游</a:t>
-            </a:r>
-            <a:r>
-              <a:rPr lang="en-US" altLang="zh-CN" dirty="0" smtClean="0"/>
-              <a:t>OTA</a:t>
-            </a:r>
-            <a:r>
-              <a:rPr lang="zh-CN" altLang="en-US" dirty="0" smtClean="0"/>
-              <a:t>没差</a:t>
-            </a:r>
-            <a:endParaRPr lang="en-US" altLang="zh-CN" dirty="0" smtClean="0"/>
-          </a:p>
-          <a:p>
-            <a:r>
-              <a:rPr lang="zh-CN" altLang="en-US" dirty="0" smtClean="0"/>
-              <a:t>当地人逐渐成为热点，但是：</a:t>
-            </a:r>
-            <a:endParaRPr lang="en-US" altLang="zh-CN" dirty="0" smtClean="0"/>
-          </a:p>
-          <a:p>
-            <a:pPr lvl="1"/>
-            <a:r>
-              <a:rPr lang="zh-CN" altLang="en-US" dirty="0" smtClean="0"/>
-              <a:t>没有监管机制，服务好不好看运气</a:t>
-            </a:r>
-            <a:endParaRPr lang="en-US" altLang="zh-CN" dirty="0" smtClean="0"/>
-          </a:p>
-          <a:p>
-            <a:pPr lvl="1"/>
-            <a:r>
-              <a:rPr lang="zh-CN" altLang="en-US" dirty="0"/>
-              <a:t>简单</a:t>
-            </a:r>
-            <a:r>
-              <a:rPr lang="zh-CN" altLang="en-US" dirty="0" smtClean="0"/>
-              <a:t>地磋商，没有类似</a:t>
-            </a:r>
-            <a:r>
-              <a:rPr lang="en-US" altLang="zh-CN" dirty="0" smtClean="0"/>
-              <a:t>UBER</a:t>
-            </a:r>
-            <a:r>
-              <a:rPr lang="zh-CN" altLang="en-US" dirty="0" smtClean="0"/>
-              <a:t>一样的行程展示</a:t>
-            </a:r>
-            <a:endParaRPr lang="en-US" altLang="zh-CN" dirty="0" smtClean="0"/>
-          </a:p>
-          <a:p>
-            <a:pPr lvl="1"/>
-            <a:r>
-              <a:rPr lang="zh-CN" altLang="en-US" dirty="0" smtClean="0"/>
-              <a:t>部分有制定行程功能，但是也没有事后跟踪</a:t>
-            </a:r>
-            <a:endParaRPr lang="en-US" altLang="zh-CN" dirty="0" smtClean="0"/>
-          </a:p>
-          <a:p>
-            <a:pPr lvl="1"/>
-            <a:r>
-              <a:rPr lang="zh-CN" altLang="en-US" dirty="0" smtClean="0"/>
-              <a:t>还是主要做一些境外游，一些对当地文化一知半解的留学生捞外快，不是当地人在服务</a:t>
-            </a:r>
-            <a:endParaRPr lang="en-US" altLang="zh-CN" dirty="0" smtClean="0"/>
-          </a:p>
-          <a:p>
-            <a:r>
-              <a:rPr lang="zh-CN" altLang="en-US" dirty="0"/>
-              <a:t>垂直</a:t>
-            </a:r>
-            <a:r>
-              <a:rPr lang="zh-CN" altLang="en-US" dirty="0" smtClean="0"/>
-              <a:t>类的</a:t>
-            </a:r>
-            <a:r>
-              <a:rPr lang="en-US" altLang="zh-CN" dirty="0" smtClean="0"/>
-              <a:t>OTA</a:t>
-            </a:r>
-            <a:r>
-              <a:rPr lang="zh-CN" altLang="en-US" dirty="0" smtClean="0"/>
-              <a:t>，逐渐在</a:t>
+          <a:bodyPr/>
+          <a:lstStyle/>
+          <a:p>
+            <a:r>
+              <a:rPr lang="zh-CN" altLang="en-US" dirty="0" smtClean="0"/>
+              <a:t>末端</a:t>
             </a:r>
             <a:r>
               <a:rPr lang="en-US" altLang="zh-CN" dirty="0" smtClean="0"/>
@@ -3750,35 +3582,43 @@
             <a:endParaRPr lang="en-US" altLang="zh-CN" dirty="0" smtClean="0"/>
           </a:p>
           <a:p>
-            <a:pPr lvl="1"/>
-            <a:r>
-              <a:rPr lang="zh-CN" altLang="en-US" dirty="0" smtClean="0"/>
-              <a:t>达人才是最好的</a:t>
-            </a:r>
-            <a:r>
-              <a:rPr lang="en-US" altLang="zh-CN" dirty="0" smtClean="0"/>
-              <a:t>IP</a:t>
-            </a:r>
-            <a:r>
-              <a:rPr lang="zh-CN" altLang="en-US" dirty="0" smtClean="0"/>
-              <a:t>聚合体</a:t>
-            </a:r>
-            <a:endParaRPr lang="en-US" altLang="zh-CN" dirty="0" smtClean="0"/>
-          </a:p>
-          <a:p>
-            <a:pPr lvl="1"/>
-            <a:r>
-              <a:rPr lang="zh-CN" altLang="en-US" dirty="0" smtClean="0"/>
-              <a:t>目的地需要人文化的推广</a:t>
-            </a:r>
-            <a:endParaRPr lang="en-US" altLang="zh-CN" dirty="0" smtClean="0"/>
+            <a:r>
+              <a:rPr lang="zh-CN" altLang="en-US" dirty="0" smtClean="0"/>
+              <a:t>户外成为热点</a:t>
+            </a:r>
+            <a:endParaRPr lang="en-US" altLang="zh-CN" dirty="0" smtClean="0"/>
+          </a:p>
+          <a:p>
+            <a:r>
+              <a:rPr lang="zh-CN" altLang="en-US" dirty="0"/>
+              <a:t>乡村</a:t>
+            </a:r>
+            <a:r>
+              <a:rPr lang="zh-CN" altLang="en-US" dirty="0" smtClean="0"/>
+              <a:t>旅游投资加大</a:t>
+            </a:r>
+            <a:endParaRPr lang="en-US" altLang="zh-CN" dirty="0" smtClean="0"/>
+          </a:p>
+          <a:p>
+            <a:r>
+              <a:rPr lang="zh-CN" altLang="en-US" dirty="0" smtClean="0"/>
+              <a:t>目的地的基础设施建设趋于饱和</a:t>
+            </a:r>
+            <a:endParaRPr lang="en-US" altLang="zh-CN" dirty="0" smtClean="0"/>
+          </a:p>
+          <a:p>
+            <a:r>
+              <a:rPr lang="zh-CN" altLang="en-US" dirty="0" smtClean="0"/>
+              <a:t>可是：游客还是不知道怎么玩</a:t>
+            </a:r>
+            <a:endParaRPr lang="zh-CN" altLang="en-US" dirty="0"/>
           </a:p>
         </p:txBody>
       </p:sp>
     </p:spTree>
     <p:extLst>
       <p:ext uri="{BB962C8B-B14F-4D97-AF65-F5344CB8AC3E}">
-        <p14:creationId xmlns:p14="http://schemas.microsoft.com/office/powerpoint/2010/main" val="1642191626"/>
+        <p14:creationId xmlns:p14="http://schemas.microsoft.com/office/powerpoint/2010/main" val="705033769"/>
       </p:ext>
     </p:extLst>
   </p:cSld>
@@ -3821,88 +3661,155 @@
           <a:lstStyle/>
           <a:p>
             <a:r>
+              <a:rPr lang="zh-CN" altLang="en-US" dirty="0" smtClean="0"/>
+              <a:t>新兴市场的机会</a:t>
+            </a:r>
+            <a:endParaRPr lang="zh-CN" altLang="en-US" dirty="0"/>
+          </a:p>
+        </p:txBody>
+      </p:sp>
+      <p:sp>
+        <p:nvSpPr>
+          <p:cNvPr id="3" name="内容占位符 2"/>
+          <p:cNvSpPr>
+            <a:spLocks noGrp="1"/>
+          </p:cNvSpPr>
+          <p:nvPr>
+            <p:ph idx="1"/>
+          </p:nvPr>
+        </p:nvSpPr>
+        <p:spPr/>
+        <p:txBody>
+          <a:bodyPr>
+            <a:normAutofit fontScale="55000" lnSpcReduction="20000"/>
+          </a:bodyPr>
+          <a:lstStyle/>
+          <a:p>
+            <a:r>
+              <a:rPr lang="zh-CN" altLang="en-US" dirty="0" smtClean="0"/>
+              <a:t>自助游的</a:t>
+            </a:r>
+            <a:r>
+              <a:rPr lang="en-US" altLang="zh-CN" dirty="0" smtClean="0"/>
+              <a:t>OTA</a:t>
+            </a:r>
+            <a:r>
+              <a:rPr lang="zh-CN" altLang="en-US" dirty="0" smtClean="0"/>
+              <a:t>，主要还是卖线路，将游客卖给当地的地接社，换汤不换药</a:t>
+            </a:r>
+            <a:endParaRPr lang="en-US" altLang="zh-CN" dirty="0" smtClean="0"/>
+          </a:p>
+          <a:p>
+            <a:pPr lvl="1"/>
+            <a:r>
+              <a:rPr lang="zh-CN" altLang="en-US" dirty="0" smtClean="0"/>
+              <a:t>线路模式：指定线路</a:t>
+            </a:r>
+            <a:r>
+              <a:rPr lang="en-US" altLang="zh-CN" dirty="0" smtClean="0"/>
+              <a:t>-》</a:t>
+            </a:r>
+            <a:r>
+              <a:rPr lang="zh-CN" altLang="en-US" dirty="0" smtClean="0"/>
+              <a:t>用户选择商品</a:t>
+            </a:r>
+            <a:r>
+              <a:rPr lang="en-US" altLang="zh-CN" dirty="0" smtClean="0"/>
+              <a:t>-》</a:t>
+            </a:r>
+            <a:r>
+              <a:rPr lang="zh-CN" altLang="en-US" dirty="0" smtClean="0"/>
+              <a:t>人满就走，不满不走</a:t>
+            </a:r>
+            <a:r>
+              <a:rPr lang="en-US" altLang="zh-CN" dirty="0" smtClean="0"/>
+              <a:t>-》</a:t>
+            </a:r>
+            <a:r>
+              <a:rPr lang="zh-CN" altLang="en-US" dirty="0" smtClean="0"/>
+              <a:t>上车睡觉，景点拍照</a:t>
+            </a:r>
+            <a:endParaRPr lang="en-US" altLang="zh-CN" dirty="0" smtClean="0"/>
+          </a:p>
+          <a:p>
+            <a:pPr lvl="1"/>
+            <a:r>
+              <a:rPr lang="zh-CN" altLang="en-US" dirty="0" smtClean="0"/>
+              <a:t>用户没有自主权，决定什么时候出行（受开团的限制）、玩什么（景点固定）、怎么玩（到点出发，按时集合）、和谁玩（都是陌生人）</a:t>
+            </a:r>
+            <a:endParaRPr lang="en-US" altLang="zh-CN" dirty="0" smtClean="0"/>
+          </a:p>
+          <a:p>
+            <a:r>
+              <a:rPr lang="zh-CN" altLang="en-US" dirty="0" smtClean="0"/>
+              <a:t>一些以游记起家的</a:t>
+            </a:r>
+            <a:r>
+              <a:rPr lang="en-US" altLang="zh-CN" dirty="0" smtClean="0"/>
+              <a:t>OTA</a:t>
+            </a:r>
+            <a:r>
+              <a:rPr lang="zh-CN" altLang="en-US" dirty="0" smtClean="0"/>
+              <a:t>，没有盈利模式，也转向了卖线路</a:t>
+            </a:r>
+            <a:endParaRPr lang="en-US" altLang="zh-CN" dirty="0" smtClean="0"/>
+          </a:p>
+          <a:p>
+            <a:pPr lvl="1"/>
+            <a:r>
+              <a:rPr lang="zh-CN" altLang="en-US" dirty="0" smtClean="0"/>
+              <a:t>用户看游记</a:t>
+            </a:r>
+            <a:r>
+              <a:rPr lang="en-US" altLang="zh-CN" dirty="0" smtClean="0"/>
+              <a:t>-》</a:t>
+            </a:r>
+            <a:r>
+              <a:rPr lang="zh-CN" altLang="en-US" dirty="0" smtClean="0"/>
+              <a:t>自己制定行程，或者</a:t>
+            </a:r>
+            <a:r>
+              <a:rPr lang="en-US" altLang="zh-CN" dirty="0" smtClean="0"/>
+              <a:t>-》</a:t>
+            </a:r>
+            <a:r>
+              <a:rPr lang="zh-CN" altLang="en-US" dirty="0" smtClean="0"/>
+              <a:t>购买行程，与自助游</a:t>
+            </a:r>
+            <a:r>
+              <a:rPr lang="en-US" altLang="zh-CN" dirty="0" smtClean="0"/>
+              <a:t>OTA</a:t>
+            </a:r>
+            <a:r>
+              <a:rPr lang="zh-CN" altLang="en-US" dirty="0" smtClean="0"/>
+              <a:t>没差</a:t>
+            </a:r>
+            <a:endParaRPr lang="en-US" altLang="zh-CN" dirty="0" smtClean="0"/>
+          </a:p>
+          <a:p>
+            <a:r>
+              <a:rPr lang="zh-CN" altLang="en-US" dirty="0" smtClean="0"/>
+              <a:t>当地人逐渐成为热点，但是：</a:t>
+            </a:r>
+            <a:endParaRPr lang="en-US" altLang="zh-CN" dirty="0" smtClean="0"/>
+          </a:p>
+          <a:p>
+            <a:pPr lvl="1"/>
+            <a:r>
+              <a:rPr lang="zh-CN" altLang="en-US" dirty="0" smtClean="0"/>
+              <a:t>没有监管机制，服务好不好看运气</a:t>
+            </a:r>
+            <a:endParaRPr lang="en-US" altLang="zh-CN" dirty="0" smtClean="0"/>
+          </a:p>
+          <a:p>
+            <a:pPr lvl="1"/>
+            <a:r>
               <a:rPr lang="zh-CN" altLang="en-US" dirty="0"/>
-              <a:t>旅游各</a:t>
-            </a:r>
-            <a:r>
-              <a:rPr lang="zh-CN" altLang="en-US" dirty="0" smtClean="0"/>
-              <a:t>要素面临的挑战</a:t>
-            </a:r>
-            <a:endParaRPr lang="zh-CN" altLang="en-US" dirty="0"/>
-          </a:p>
-        </p:txBody>
-      </p:sp>
-      <p:sp>
-        <p:nvSpPr>
-          <p:cNvPr id="3" name="内容占位符 2"/>
-          <p:cNvSpPr>
-            <a:spLocks noGrp="1"/>
-          </p:cNvSpPr>
-          <p:nvPr>
-            <p:ph idx="1"/>
-          </p:nvPr>
-        </p:nvSpPr>
-        <p:spPr/>
-        <p:txBody>
-          <a:bodyPr>
-            <a:normAutofit fontScale="47500" lnSpcReduction="20000"/>
-          </a:bodyPr>
-          <a:lstStyle/>
-          <a:p>
-            <a:r>
-              <a:rPr lang="zh-CN" altLang="en-US" dirty="0" smtClean="0"/>
-              <a:t>吃</a:t>
-            </a:r>
-            <a:endParaRPr lang="en-US" altLang="zh-CN" dirty="0" smtClean="0"/>
-          </a:p>
-          <a:p>
-            <a:pPr lvl="1"/>
-            <a:r>
-              <a:rPr lang="zh-CN" altLang="en-US" dirty="0"/>
-              <a:t>团</a:t>
-            </a:r>
-            <a:r>
-              <a:rPr lang="zh-CN" altLang="en-US" dirty="0" smtClean="0"/>
-              <a:t>餐不是游客所期待的，果腹而已</a:t>
-            </a:r>
-            <a:endParaRPr lang="en-US" altLang="zh-CN" dirty="0" smtClean="0"/>
-          </a:p>
-          <a:p>
-            <a:pPr lvl="1"/>
-            <a:r>
-              <a:rPr lang="zh-CN" altLang="en-US" dirty="0" smtClean="0"/>
-              <a:t>某评、某团商业化气息越来愈浓，本地人到底吃什么只有作为本地人的达人知道，所谓吃货达人</a:t>
-            </a:r>
-            <a:endParaRPr lang="en-US" altLang="zh-CN" dirty="0" smtClean="0"/>
-          </a:p>
-          <a:p>
-            <a:pPr lvl="1"/>
-            <a:r>
-              <a:rPr lang="zh-CN" altLang="en-US" dirty="0" smtClean="0"/>
-              <a:t>一些美食的传承，当地人才知道，例如徽菜的厨师以“胡姓”为佳，你知道吗？下次你去那些所谓正宗徽菜的饭店，可以大叫一声：“请问大厨贵姓？”</a:t>
-            </a:r>
-            <a:endParaRPr lang="en-US" altLang="zh-CN" dirty="0" smtClean="0"/>
-          </a:p>
-          <a:p>
-            <a:pPr lvl="1"/>
-            <a:r>
-              <a:rPr lang="zh-CN" altLang="en-US" dirty="0" smtClean="0"/>
-              <a:t>“舌尖上的中国”说的是饮食，但是大多数时间都是在说食材的获取，那些珍贵的食材的获取，你想不想体验一把？</a:t>
-            </a:r>
-            <a:endParaRPr lang="en-US" altLang="zh-CN" dirty="0" smtClean="0"/>
-          </a:p>
-          <a:p>
-            <a:r>
-              <a:rPr lang="zh-CN" altLang="en-US" dirty="0" smtClean="0"/>
-              <a:t>行</a:t>
-            </a:r>
-            <a:endParaRPr lang="en-US" altLang="zh-CN" dirty="0" smtClean="0"/>
-          </a:p>
-          <a:p>
-            <a:pPr lvl="1"/>
-            <a:r>
-              <a:rPr lang="zh-CN" altLang="en-US" dirty="0" smtClean="0"/>
-              <a:t>机票、火车票、长途客运价格透明，可是到了本地怎么办，本地出租车普遍斩客现象严重，</a:t>
+              <a:t>简单</a:t>
+            </a:r>
+            <a:r>
+              <a:rPr lang="zh-CN" altLang="en-US" dirty="0" smtClean="0"/>
+              <a:t>地磋商，没有类似</a:t>
             </a:r>
             <a:r>
               <a:rPr lang="en-US" altLang="zh-CN" dirty="0" smtClean="0"/>
@@ -3910,7 +3817,7 @@
             </a:r>
             <a:r>
               <a:rPr lang="zh-CN" altLang="en-US" dirty="0" smtClean="0"/>
-              <a:t>只覆盖了一二级城市，达人可以来接送，一站式搞定</a:t>
+              <a:t>一样的行程展示</a:t>
             </a:r>
             <a:endParaRPr lang="en-US" altLang="zh-CN" dirty="0" smtClean="0"/>
           </a:p>
@@ -3918,14 +3825,7 @@
             <a:pPr lvl="1"/>
             <a:r>
               <a:rPr lang="zh-CN" altLang="en-US" dirty="0" smtClean="0"/>
-              <a:t>即时游客喜欢享受驾驶的乐趣，但是本地的部分道路，部分只有熟悉本地情况的司机才能胜任</a:t>
-            </a:r>
-            <a:endParaRPr lang="en-US" altLang="zh-CN" dirty="0" smtClean="0"/>
-          </a:p>
-          <a:p>
-            <a:r>
-              <a:rPr lang="zh-CN" altLang="en-US" dirty="0" smtClean="0"/>
-              <a:t>住</a:t>
+              <a:t>部分有制定行程功能，但是也没有事后跟踪</a:t>
             </a:r>
             <a:endParaRPr lang="en-US" altLang="zh-CN" dirty="0" smtClean="0"/>
           </a:p>
@@ -3933,57 +3833,50 @@
             <a:pPr lvl="1"/>
             <a:r>
               <a:rPr lang="zh-CN" altLang="en-US" dirty="0" smtClean="0"/>
-              <a:t>酒店已经扁平化，但是在线预订无法满足个性化的需求，例如为节省时间提前开房，但是前一批游客经常还未退房；加床、</a:t>
+              <a:t>还是主要做一些境外游，一些对当地文化一知半解的留学生捞外快，不是当地人在服务</a:t>
+            </a:r>
+            <a:endParaRPr lang="en-US" altLang="zh-CN" dirty="0" smtClean="0"/>
+          </a:p>
+          <a:p>
+            <a:r>
+              <a:rPr lang="zh-CN" altLang="en-US" dirty="0"/>
+              <a:t>垂直</a:t>
+            </a:r>
+            <a:r>
+              <a:rPr lang="zh-CN" altLang="en-US" dirty="0" smtClean="0"/>
+              <a:t>类的</a:t>
             </a:r>
             <a:r>
               <a:rPr lang="en-US" altLang="zh-CN" dirty="0" smtClean="0"/>
-              <a:t>View</a:t>
-            </a:r>
-            <a:r>
-              <a:rPr lang="zh-CN" altLang="en-US" dirty="0" smtClean="0"/>
-              <a:t>、无烟层、</a:t>
+              <a:t>OTA</a:t>
+            </a:r>
+            <a:r>
+              <a:rPr lang="zh-CN" altLang="en-US" dirty="0" smtClean="0"/>
+              <a:t>，逐渐在</a:t>
             </a:r>
             <a:r>
               <a:rPr lang="en-US" altLang="zh-CN" dirty="0" smtClean="0"/>
-              <a:t>King-size</a:t>
-            </a:r>
-            <a:r>
-              <a:rPr lang="zh-CN" altLang="en-US" dirty="0" smtClean="0"/>
-              <a:t>，还有一些非常特殊的订房需求，达人可以提前预先帮你搞定</a:t>
-            </a:r>
-            <a:endParaRPr lang="en-US" altLang="zh-CN" dirty="0" smtClean="0"/>
-          </a:p>
-          <a:p>
-            <a:r>
-              <a:rPr lang="zh-CN" altLang="en-US" dirty="0" smtClean="0"/>
-              <a:t>玩</a:t>
+              <a:t>IP</a:t>
+            </a:r>
+            <a:r>
+              <a:rPr lang="zh-CN" altLang="en-US" dirty="0" smtClean="0"/>
+              <a:t>化</a:t>
             </a:r>
             <a:endParaRPr lang="en-US" altLang="zh-CN" dirty="0" smtClean="0"/>
           </a:p>
           <a:p>
             <a:pPr lvl="1"/>
             <a:r>
+              <a:rPr lang="zh-CN" altLang="en-US" dirty="0" smtClean="0"/>
+              <a:t>达人才是最好的</a:t>
+            </a:r>
+            <a:r>
               <a:rPr lang="en-US" altLang="zh-CN" dirty="0" smtClean="0"/>
-              <a:t>4A</a:t>
-            </a:r>
-            <a:r>
-              <a:rPr lang="zh-CN" altLang="en-US" dirty="0" smtClean="0"/>
-              <a:t>、</a:t>
-            </a:r>
-            <a:r>
-              <a:rPr lang="en-US" altLang="zh-CN" dirty="0" smtClean="0"/>
-              <a:t>5A</a:t>
-            </a:r>
-            <a:r>
-              <a:rPr lang="zh-CN" altLang="en-US" dirty="0" smtClean="0"/>
-              <a:t>只是有些财团包装了一下的景点而已，资深游客才知道，其实更多的好玩的地方在民间，达人可以带你去，跟你说说那些地方老八辈的故事和传说</a:t>
-            </a:r>
-            <a:endParaRPr lang="en-US" altLang="zh-CN" dirty="0" smtClean="0"/>
-          </a:p>
-          <a:p>
-            <a:r>
-              <a:rPr lang="zh-CN" altLang="en-US" dirty="0" smtClean="0"/>
-              <a:t>特产</a:t>
+              <a:t>IP</a:t>
+            </a:r>
+            <a:r>
+              <a:rPr lang="zh-CN" altLang="en-US" dirty="0" smtClean="0"/>
+              <a:t>聚合体</a:t>
             </a:r>
             <a:endParaRPr lang="en-US" altLang="zh-CN" dirty="0" smtClean="0"/>
           </a:p>
@@ -3991,46 +3884,16 @@
             <a:pPr lvl="1"/>
             <a:r>
               <a:rPr lang="zh-CN" altLang="en-US" dirty="0" smtClean="0"/>
-              <a:t>那些从当地卖到你居住的城市的东西真的就是特产吗？一些好东西你不去当地是看不到的。例如问政山的笋，比安吉的更白更嫩；歙县的新鲜甘蔗口感比广东和湖南的要好；遂昌有种食品叫黄米果你知道怎么做的吗？</a:t>
-            </a:r>
-            <a:endParaRPr lang="en-US" altLang="zh-CN" dirty="0" smtClean="0"/>
-          </a:p>
-          <a:p>
-            <a:pPr marL="0" indent="0" algn="ctr">
-              <a:buNone/>
-            </a:pPr>
-            <a:r>
-              <a:rPr lang="zh-CN" altLang="en-US" sz="3800" b="1" dirty="0">
-                <a:solidFill>
-                  <a:srgbClr val="FF0000"/>
-                </a:solidFill>
-              </a:rPr>
-              <a:t>这</a:t>
-            </a:r>
-            <a:r>
-              <a:rPr lang="zh-CN" altLang="en-US" sz="3800" b="1" dirty="0" smtClean="0">
-                <a:solidFill>
-                  <a:srgbClr val="FF0000"/>
-                </a:solidFill>
-              </a:rPr>
-              <a:t>才是像当地人一样生活</a:t>
-            </a:r>
-            <a:endParaRPr lang="en-US" altLang="zh-CN" sz="3800" b="1" dirty="0" smtClean="0">
-              <a:solidFill>
-                <a:srgbClr val="FF0000"/>
-              </a:solidFill>
-            </a:endParaRPr>
-          </a:p>
-          <a:p>
-            <a:pPr lvl="1"/>
-            <a:endParaRPr lang="zh-CN" altLang="en-US" dirty="0"/>
+              <a:t>目的地需要人文化的推广</a:t>
+            </a:r>
+            <a:endParaRPr lang="en-US" altLang="zh-CN" dirty="0" smtClean="0"/>
           </a:p>
         </p:txBody>
       </p:sp>
     </p:spTree>
     <p:extLst>
       <p:ext uri="{BB962C8B-B14F-4D97-AF65-F5344CB8AC3E}">
-        <p14:creationId xmlns:p14="http://schemas.microsoft.com/office/powerpoint/2010/main" val="3136019531"/>
+        <p14:creationId xmlns:p14="http://schemas.microsoft.com/office/powerpoint/2010/main" val="1642191626"/>
       </p:ext>
     </p:extLst>
   </p:cSld>
@@ -4073,16 +3936,12 @@
           <a:lstStyle/>
           <a:p>
             <a:r>
-              <a:rPr lang="zh-CN" altLang="en-US" dirty="0" smtClean="0"/>
-              <a:t>游徒要做的（</a:t>
-            </a:r>
-            <a:r>
-              <a:rPr lang="en-US" altLang="zh-CN" dirty="0"/>
-              <a:t>1</a:t>
-            </a:r>
-            <a:r>
-              <a:rPr lang="zh-CN" altLang="en-US" dirty="0" smtClean="0"/>
-              <a:t>）</a:t>
+              <a:rPr lang="zh-CN" altLang="en-US" dirty="0"/>
+              <a:t>旅游各</a:t>
+            </a:r>
+            <a:r>
+              <a:rPr lang="zh-CN" altLang="en-US" dirty="0" smtClean="0"/>
+              <a:t>要素面临的挑战</a:t>
             </a:r>
             <a:endParaRPr lang="zh-CN" altLang="en-US" dirty="0"/>
           </a:p>
@@ -4101,61 +3960,192 @@
         <p:spPr/>
         <p:txBody>
           <a:bodyPr>
-            <a:normAutofit fontScale="85000" lnSpcReduction="20000"/>
+            <a:normAutofit fontScale="47500" lnSpcReduction="20000"/>
           </a:bodyPr>
           <a:lstStyle/>
           <a:p>
             <a:r>
               <a:rPr lang="zh-CN" altLang="en-US" dirty="0" smtClean="0"/>
-              <a:t>以内容（活动）驱动行程</a:t>
-            </a:r>
-            <a:endParaRPr lang="en-US" altLang="zh-CN" dirty="0" smtClean="0"/>
-          </a:p>
-          <a:p>
-            <a:r>
-              <a:rPr lang="zh-CN" altLang="en-US" dirty="0" smtClean="0"/>
-              <a:t>改变景点式的旅游，至玩点，一切可玩，食材的获取（采摘、捕鱼、海钓、打猎），出行方式的改变（侉子），兴趣爱好（画画、摄影、沙龙），各种新颖的方式带动出游，使得旅游更具驱动力</a:t>
-            </a:r>
-            <a:endParaRPr lang="en-US" altLang="zh-CN" dirty="0" smtClean="0"/>
-          </a:p>
-          <a:p>
-            <a:r>
-              <a:rPr lang="zh-CN" altLang="en-US" dirty="0" smtClean="0"/>
-              <a:t>以可定制（有限）让游客随心所以</a:t>
-            </a:r>
-            <a:endParaRPr lang="en-US" altLang="zh-CN" dirty="0" smtClean="0"/>
-          </a:p>
-          <a:p>
+              <a:t>吃</a:t>
+            </a:r>
+            <a:endParaRPr lang="en-US" altLang="zh-CN" dirty="0" smtClean="0"/>
+          </a:p>
+          <a:p>
+            <a:pPr lvl="1"/>
             <a:r>
               <a:rPr lang="zh-CN" altLang="en-US" dirty="0"/>
-              <a:t>以</a:t>
-            </a:r>
-            <a:r>
-              <a:rPr lang="zh-CN" altLang="en-US" dirty="0" smtClean="0"/>
-              <a:t>达人提供贴身优质服务，改变冷冰冰的货架式旅游产品买卖模式</a:t>
-            </a:r>
-            <a:endParaRPr lang="en-US" altLang="zh-CN" dirty="0" smtClean="0"/>
-          </a:p>
-          <a:p>
-            <a:r>
-              <a:rPr lang="zh-CN" altLang="en-US" dirty="0" smtClean="0"/>
-              <a:t>滚动式的热点事件、热门人物驱动</a:t>
-            </a:r>
-            <a:endParaRPr lang="en-US" altLang="zh-CN" dirty="0" smtClean="0"/>
-          </a:p>
-          <a:p>
-            <a:r>
-              <a:rPr lang="zh-CN" altLang="en-US" dirty="0" smtClean="0"/>
-              <a:t>以明星、历史文化、当季景色、特色食材等不同的角度，炒作成奇货可居的具有短时饥饿式的内容营销</a:t>
-            </a:r>
-            <a:endParaRPr lang="en-US" altLang="zh-CN" dirty="0" smtClean="0"/>
+              <a:t>团</a:t>
+            </a:r>
+            <a:r>
+              <a:rPr lang="zh-CN" altLang="en-US" dirty="0" smtClean="0"/>
+              <a:t>餐不是游客所期待的，果腹而已</a:t>
+            </a:r>
+            <a:endParaRPr lang="en-US" altLang="zh-CN" dirty="0" smtClean="0"/>
+          </a:p>
+          <a:p>
+            <a:pPr lvl="1"/>
+            <a:r>
+              <a:rPr lang="zh-CN" altLang="en-US" dirty="0" smtClean="0"/>
+              <a:t>某评、某团商业化气息越来愈浓，本地人到底吃什么只有作为本地人的达人知道，所谓吃货达人</a:t>
+            </a:r>
+            <a:endParaRPr lang="en-US" altLang="zh-CN" dirty="0" smtClean="0"/>
+          </a:p>
+          <a:p>
+            <a:pPr lvl="1"/>
+            <a:r>
+              <a:rPr lang="zh-CN" altLang="en-US" dirty="0" smtClean="0"/>
+              <a:t>一些美食的传承，当地人才知道，例如徽菜的厨师以“胡姓”为佳，你知道吗？下次你去那些所谓正宗徽菜的饭店，可以大叫一声：“请问大厨贵姓？”</a:t>
+            </a:r>
+            <a:endParaRPr lang="en-US" altLang="zh-CN" dirty="0" smtClean="0"/>
+          </a:p>
+          <a:p>
+            <a:pPr lvl="1"/>
+            <a:r>
+              <a:rPr lang="zh-CN" altLang="en-US" dirty="0" smtClean="0"/>
+              <a:t>“舌尖上的中国”说的是饮食，但是大多数时间都是在说食材的获取，那些珍贵的食材的获取，你想不想体验一把？</a:t>
+            </a:r>
+            <a:endParaRPr lang="en-US" altLang="zh-CN" dirty="0" smtClean="0"/>
+          </a:p>
+          <a:p>
+            <a:r>
+              <a:rPr lang="zh-CN" altLang="en-US" dirty="0" smtClean="0"/>
+              <a:t>行</a:t>
+            </a:r>
+            <a:endParaRPr lang="en-US" altLang="zh-CN" dirty="0" smtClean="0"/>
+          </a:p>
+          <a:p>
+            <a:pPr lvl="1"/>
+            <a:r>
+              <a:rPr lang="zh-CN" altLang="en-US" dirty="0" smtClean="0"/>
+              <a:t>机票、火车票、长途客运价格透明，可是到了本地怎么办，本地出租车普遍斩客现象严重，</a:t>
+            </a:r>
+            <a:r>
+              <a:rPr lang="en-US" altLang="zh-CN" dirty="0" smtClean="0"/>
+              <a:t>UBER</a:t>
+            </a:r>
+            <a:r>
+              <a:rPr lang="zh-CN" altLang="en-US" dirty="0" smtClean="0"/>
+              <a:t>只覆盖了一二级城市，达人可以来接送，一站式搞定</a:t>
+            </a:r>
+            <a:endParaRPr lang="en-US" altLang="zh-CN" dirty="0" smtClean="0"/>
+          </a:p>
+          <a:p>
+            <a:pPr lvl="1"/>
+            <a:r>
+              <a:rPr lang="zh-CN" altLang="en-US" dirty="0" smtClean="0"/>
+              <a:t>即时游客喜欢享受驾驶的乐趣，但是本地的部分道路，部分只有熟悉本地情况的司机才能胜任</a:t>
+            </a:r>
+            <a:endParaRPr lang="en-US" altLang="zh-CN" dirty="0" smtClean="0"/>
+          </a:p>
+          <a:p>
+            <a:r>
+              <a:rPr lang="zh-CN" altLang="en-US" dirty="0" smtClean="0"/>
+              <a:t>住</a:t>
+            </a:r>
+            <a:endParaRPr lang="en-US" altLang="zh-CN" dirty="0" smtClean="0"/>
+          </a:p>
+          <a:p>
+            <a:pPr lvl="1"/>
+            <a:r>
+              <a:rPr lang="zh-CN" altLang="en-US" dirty="0" smtClean="0"/>
+              <a:t>酒店已经扁平化，但是在线预订无法满足个性化的需求，例如为节省时间提前开房，但是前一批游客经常还未退房；加床、</a:t>
+            </a:r>
+            <a:r>
+              <a:rPr lang="en-US" altLang="zh-CN" dirty="0" smtClean="0"/>
+              <a:t>View</a:t>
+            </a:r>
+            <a:r>
+              <a:rPr lang="zh-CN" altLang="en-US" dirty="0" smtClean="0"/>
+              <a:t>、无烟层、</a:t>
+            </a:r>
+            <a:r>
+              <a:rPr lang="en-US" altLang="zh-CN" dirty="0" smtClean="0"/>
+              <a:t>King-size</a:t>
+            </a:r>
+            <a:r>
+              <a:rPr lang="zh-CN" altLang="en-US" dirty="0" smtClean="0"/>
+              <a:t>，还有一些非常特殊的订房需求，达人可以提前预先帮你搞定</a:t>
+            </a:r>
+            <a:endParaRPr lang="en-US" altLang="zh-CN" dirty="0" smtClean="0"/>
+          </a:p>
+          <a:p>
+            <a:r>
+              <a:rPr lang="zh-CN" altLang="en-US" dirty="0" smtClean="0"/>
+              <a:t>玩</a:t>
+            </a:r>
+            <a:endParaRPr lang="en-US" altLang="zh-CN" dirty="0" smtClean="0"/>
+          </a:p>
+          <a:p>
+            <a:pPr lvl="1"/>
+            <a:r>
+              <a:rPr lang="en-US" altLang="zh-CN" dirty="0" smtClean="0"/>
+              <a:t>4A</a:t>
+            </a:r>
+            <a:r>
+              <a:rPr lang="zh-CN" altLang="en-US" dirty="0" smtClean="0"/>
+              <a:t>、</a:t>
+            </a:r>
+            <a:r>
+              <a:rPr lang="en-US" altLang="zh-CN" dirty="0" smtClean="0"/>
+              <a:t>5A</a:t>
+            </a:r>
+            <a:r>
+              <a:rPr lang="zh-CN" altLang="en-US" dirty="0" smtClean="0"/>
+              <a:t>只是有些财团包装了一下的景点而已，资深游客才知道，其实更多的好玩的地方在民间，达人可以带你去，跟你说说那些地方老八辈的故事和传说</a:t>
+            </a:r>
+            <a:endParaRPr lang="en-US" altLang="zh-CN" dirty="0" smtClean="0"/>
+          </a:p>
+          <a:p>
+            <a:r>
+              <a:rPr lang="zh-CN" altLang="en-US" dirty="0" smtClean="0"/>
+              <a:t>特产</a:t>
+            </a:r>
+            <a:endParaRPr lang="en-US" altLang="zh-CN" dirty="0" smtClean="0"/>
+          </a:p>
+          <a:p>
+            <a:pPr lvl="1"/>
+            <a:r>
+              <a:rPr lang="zh-CN" altLang="en-US" dirty="0" smtClean="0"/>
+              <a:t>那些从当地卖到你居住的城市的东西真的就是特产吗？一些好东西你不去当地是看不到的。例如问政山的笋，比安吉的更白更嫩；歙县的新鲜甘蔗口感比广东和湖南的要好；遂昌有种食品叫黄米果你知道怎么做的吗？</a:t>
+            </a:r>
+            <a:endParaRPr lang="en-US" altLang="zh-CN" dirty="0" smtClean="0"/>
+          </a:p>
+          <a:p>
+            <a:pPr marL="0" indent="0" algn="ctr">
+              <a:buNone/>
+            </a:pPr>
+            <a:r>
+              <a:rPr lang="zh-CN" altLang="en-US" sz="3800" b="1" dirty="0">
+                <a:solidFill>
+                  <a:srgbClr val="FF0000"/>
+                </a:solidFill>
+              </a:rPr>
+              <a:t>这</a:t>
+            </a:r>
+            <a:r>
+              <a:rPr lang="zh-CN" altLang="en-US" sz="3800" b="1" dirty="0" smtClean="0">
+                <a:solidFill>
+                  <a:srgbClr val="FF0000"/>
+                </a:solidFill>
+              </a:rPr>
+              <a:t>才是像当地人一样生活</a:t>
+            </a:r>
+            <a:endParaRPr lang="en-US" altLang="zh-CN" sz="3800" b="1" dirty="0" smtClean="0">
+              <a:solidFill>
+                <a:srgbClr val="FF0000"/>
+              </a:solidFill>
+            </a:endParaRPr>
+          </a:p>
+          <a:p>
+            <a:pPr lvl="1"/>
+            <a:endParaRPr lang="zh-CN" altLang="en-US" dirty="0"/>
           </a:p>
         </p:txBody>
       </p:sp>
     </p:spTree>
     <p:extLst>
       <p:ext uri="{BB962C8B-B14F-4D97-AF65-F5344CB8AC3E}">
-        <p14:creationId xmlns:p14="http://schemas.microsoft.com/office/powerpoint/2010/main" val="2473250974"/>
+        <p14:creationId xmlns:p14="http://schemas.microsoft.com/office/powerpoint/2010/main" val="3136019531"/>
       </p:ext>
     </p:extLst>
   </p:cSld>
@@ -4198,74 +4188,93 @@
           <a:lstStyle/>
           <a:p>
             <a:r>
+              <a:rPr lang="zh-CN" altLang="en-US" dirty="0" smtClean="0"/>
+              <a:t>游徒要做的（</a:t>
+            </a:r>
+            <a:r>
+              <a:rPr lang="en-US" altLang="zh-CN" dirty="0"/>
+              <a:t>1</a:t>
+            </a:r>
+            <a:r>
+              <a:rPr lang="zh-CN" altLang="en-US" dirty="0" smtClean="0"/>
+              <a:t>）</a:t>
+            </a:r>
+            <a:endParaRPr lang="zh-CN" altLang="en-US" dirty="0"/>
+          </a:p>
+        </p:txBody>
+      </p:sp>
+      <p:sp>
+        <p:nvSpPr>
+          <p:cNvPr id="3" name="内容占位符 2"/>
+          <p:cNvSpPr>
+            <a:spLocks noGrp="1"/>
+          </p:cNvSpPr>
+          <p:nvPr>
+            <p:ph idx="1"/>
+          </p:nvPr>
+        </p:nvSpPr>
+        <p:spPr/>
+        <p:txBody>
+          <a:bodyPr>
+            <a:normAutofit fontScale="85000" lnSpcReduction="20000"/>
+          </a:bodyPr>
+          <a:lstStyle/>
+          <a:p>
+            <a:r>
+              <a:rPr lang="zh-CN" altLang="en-US" dirty="0" smtClean="0"/>
+              <a:t>以内容（活动）驱动</a:t>
+            </a:r>
+            <a:r>
+              <a:rPr lang="zh-CN" altLang="en-US" dirty="0" smtClean="0"/>
+              <a:t>行程</a:t>
+            </a:r>
+            <a:endParaRPr lang="en-US" altLang="zh-CN" dirty="0" smtClean="0"/>
+          </a:p>
+          <a:p>
+            <a:r>
+              <a:rPr lang="zh-CN" altLang="en-US" dirty="0" smtClean="0"/>
+              <a:t>改变景点式的旅游，至玩点，一切可玩，食材的获取（采摘、捕鱼、海钓、打猎），出行方式的改变（侉子），兴趣爱好（画画、摄影、沙龙），各种新颖的方式带动出游，使得旅游更具驱动力</a:t>
+            </a:r>
+            <a:endParaRPr lang="en-US" altLang="zh-CN" dirty="0" smtClean="0"/>
+          </a:p>
+          <a:p>
+            <a:r>
+              <a:rPr lang="zh-CN" altLang="en-US" dirty="0" smtClean="0"/>
+              <a:t>以可定制（有限）让游客随心所以</a:t>
+            </a:r>
+            <a:endParaRPr lang="en-US" altLang="zh-CN" dirty="0" smtClean="0"/>
+          </a:p>
+          <a:p>
+            <a:r>
               <a:rPr lang="zh-CN" altLang="en-US" dirty="0"/>
-              <a:t>游徒要做的</a:t>
-            </a:r>
-            <a:r>
-              <a:rPr lang="zh-CN" altLang="en-US" dirty="0" smtClean="0"/>
-              <a:t>（</a:t>
-            </a:r>
-            <a:r>
-              <a:rPr lang="en-US" altLang="zh-CN" dirty="0" smtClean="0"/>
-              <a:t>2</a:t>
-            </a:r>
-            <a:r>
-              <a:rPr lang="zh-CN" altLang="en-US" dirty="0" smtClean="0"/>
-              <a:t>）</a:t>
-            </a:r>
-            <a:endParaRPr lang="zh-CN" altLang="en-US" dirty="0"/>
-          </a:p>
-        </p:txBody>
-      </p:sp>
-      <p:sp>
-        <p:nvSpPr>
-          <p:cNvPr id="3" name="内容占位符 2"/>
-          <p:cNvSpPr>
-            <a:spLocks noGrp="1"/>
-          </p:cNvSpPr>
-          <p:nvPr>
-            <p:ph idx="1"/>
-          </p:nvPr>
-        </p:nvSpPr>
-        <p:spPr/>
-        <p:txBody>
-          <a:bodyPr/>
-          <a:lstStyle/>
-          <a:p>
-            <a:r>
-              <a:rPr lang="zh-CN" altLang="en-US" dirty="0"/>
-              <a:t>不做低价团，各类费用明码标价</a:t>
-            </a:r>
-            <a:r>
-              <a:rPr lang="zh-CN" altLang="en-US" dirty="0" smtClean="0"/>
-              <a:t>，费用日日清</a:t>
-            </a:r>
-            <a:endParaRPr lang="zh-CN" altLang="en-US" dirty="0"/>
-          </a:p>
-          <a:p>
-            <a:r>
-              <a:rPr lang="zh-CN" altLang="en-US" dirty="0" smtClean="0"/>
-              <a:t>达人不以回扣为盈利手段，养成游客支付旅游服务费的习惯</a:t>
-            </a:r>
-            <a:endParaRPr lang="en-US" altLang="zh-CN" dirty="0" smtClean="0"/>
-          </a:p>
-          <a:p>
-            <a:r>
-              <a:rPr lang="zh-CN" altLang="en-US" dirty="0"/>
-              <a:t>各类</a:t>
-            </a:r>
-            <a:r>
-              <a:rPr lang="zh-CN" altLang="en-US" dirty="0" smtClean="0"/>
-              <a:t>达人有自己的标签，自己的独特资源，通过优质的游客和同样优秀的达人，提高平台的品质，具有高端的逼格</a:t>
-            </a:r>
-            <a:endParaRPr lang="zh-CN" altLang="en-US" dirty="0"/>
+              <a:t>以</a:t>
+            </a:r>
+            <a:r>
+              <a:rPr lang="zh-CN" altLang="en-US" dirty="0" smtClean="0"/>
+              <a:t>达人提供贴身优质服务，改变冷冰冰的货架式旅游产品买卖模式</a:t>
+            </a:r>
+            <a:endParaRPr lang="en-US" altLang="zh-CN" dirty="0" smtClean="0"/>
+          </a:p>
+          <a:p>
+            <a:r>
+              <a:rPr lang="zh-CN" altLang="en-US" dirty="0" smtClean="0"/>
+              <a:t>滚动式的热点事件、热门人物驱动</a:t>
+            </a:r>
+            <a:endParaRPr lang="en-US" altLang="zh-CN" dirty="0" smtClean="0"/>
+          </a:p>
+          <a:p>
+            <a:r>
+              <a:rPr lang="zh-CN" altLang="en-US" dirty="0" smtClean="0"/>
+              <a:t>以明星、历史文化、当季景色、特色食材等不同的角度，炒作成奇货可居的具有短时饥饿式的内容营销</a:t>
+            </a:r>
+            <a:endParaRPr lang="en-US" altLang="zh-CN" dirty="0" smtClean="0"/>
           </a:p>
         </p:txBody>
       </p:sp>
     </p:spTree>
     <p:extLst>
       <p:ext uri="{BB962C8B-B14F-4D97-AF65-F5344CB8AC3E}">
-        <p14:creationId xmlns:p14="http://schemas.microsoft.com/office/powerpoint/2010/main" val="2550276877"/>
+        <p14:creationId xmlns:p14="http://schemas.microsoft.com/office/powerpoint/2010/main" val="2473250974"/>
       </p:ext>
     </p:extLst>
   </p:cSld>
@@ -4304,22 +4313,24 @@
         </p:nvSpPr>
         <p:spPr/>
         <p:txBody>
-          <a:bodyPr>
-            <a:normAutofit/>
-          </a:bodyPr>
-          <a:lstStyle/>
-          <a:p>
-            <a:r>
-              <a:rPr lang="zh-CN" altLang="en-US" dirty="0" smtClean="0"/>
-              <a:t>部分功能说明</a:t>
+          <a:bodyPr/>
+          <a:lstStyle/>
+          <a:p>
+            <a:r>
+              <a:rPr lang="zh-CN" altLang="en-US" dirty="0"/>
+              <a:t>游徒要做的</a:t>
+            </a:r>
+            <a:r>
+              <a:rPr lang="zh-CN" altLang="en-US" dirty="0" smtClean="0"/>
+              <a:t>（</a:t>
             </a:r>
             <a:r>
               <a:rPr lang="en-US" altLang="zh-CN" dirty="0" smtClean="0"/>
-              <a:t>-</a:t>
-            </a:r>
-            <a:r>
-              <a:rPr lang="zh-CN" altLang="en-US" dirty="0" smtClean="0"/>
-              <a:t>旅行车</a:t>
+              <a:t>2</a:t>
+            </a:r>
+            <a:r>
+              <a:rPr lang="zh-CN" altLang="en-US" dirty="0" smtClean="0"/>
+              <a:t>）</a:t>
             </a:r>
             <a:endParaRPr lang="zh-CN" altLang="en-US" dirty="0"/>
           </a:p>
@@ -4341,15 +4352,30 @@
           <a:lstStyle/>
           <a:p>
             <a:r>
-              <a:rPr lang="zh-CN" altLang="en-US" dirty="0" smtClean="0"/>
-              <a:t>游客出行一般是先确定一个目的地，但是对于在目的地玩什么往往是盲目的</a:t>
-            </a:r>
-            <a:endParaRPr lang="en-US" altLang="zh-CN" dirty="0" smtClean="0"/>
-          </a:p>
-          <a:p>
-            <a:r>
-              <a:rPr lang="zh-CN" altLang="en-US" dirty="0" smtClean="0"/>
-              <a:t>游客可以把浏览过程中感兴趣的玩点、达人、服务标注“想玩”，或者直接加入旅行车，用户点击行程开始后，自动进行智能行程匹配、服务预定</a:t>
+              <a:rPr lang="zh-CN" altLang="en-US" dirty="0"/>
+              <a:t>不做低价团，各类费用明码标价</a:t>
+            </a:r>
+            <a:r>
+              <a:rPr lang="zh-CN" altLang="en-US" dirty="0" smtClean="0"/>
+              <a:t>，费用日日清</a:t>
+            </a:r>
+            <a:endParaRPr lang="zh-CN" altLang="en-US" dirty="0"/>
+          </a:p>
+          <a:p>
+            <a:r>
+              <a:rPr lang="zh-CN" altLang="en-US" dirty="0" smtClean="0"/>
+              <a:t>达人不以回扣为盈利手段，养成游客支付旅游服务费的习惯</a:t>
+            </a:r>
+            <a:endParaRPr lang="en-US" altLang="zh-CN" dirty="0" smtClean="0"/>
+          </a:p>
+          <a:p>
+            <a:r>
+              <a:rPr lang="zh-CN" altLang="en-US" dirty="0"/>
+              <a:t>各类</a:t>
+            </a:r>
+            <a:r>
+              <a:rPr lang="zh-CN" altLang="en-US" dirty="0" smtClean="0"/>
+              <a:t>达人有自己的标签，自己的独特资源，通过优质的游客和同样优秀的达人，提高平台的品质，具有高端的逼格</a:t>
             </a:r>
             <a:endParaRPr lang="zh-CN" altLang="en-US" dirty="0"/>
           </a:p>
@@ -4358,7 +4384,7 @@
     </p:spTree>
     <p:extLst>
       <p:ext uri="{BB962C8B-B14F-4D97-AF65-F5344CB8AC3E}">
-        <p14:creationId xmlns:p14="http://schemas.microsoft.com/office/powerpoint/2010/main" val="3653845960"/>
+        <p14:creationId xmlns:p14="http://schemas.microsoft.com/office/powerpoint/2010/main" val="2550276877"/>
       </p:ext>
     </p:extLst>
   </p:cSld>
@@ -4397,12 +4423,14 @@
         </p:nvSpPr>
         <p:spPr/>
         <p:txBody>
-          <a:bodyPr/>
-          <a:lstStyle/>
-          <a:p>
-            <a:r>
-              <a:rPr lang="zh-CN" altLang="en-US" dirty="0" smtClean="0"/>
-              <a:t>达人</a:t>
+          <a:bodyPr>
+            <a:normAutofit/>
+          </a:bodyPr>
+          <a:lstStyle/>
+          <a:p>
+            <a:r>
+              <a:rPr lang="zh-CN" altLang="en-US" dirty="0" smtClean="0"/>
+              <a:t>旅行车</a:t>
             </a:r>
             <a:endParaRPr lang="zh-CN" altLang="en-US" dirty="0"/>
           </a:p>
@@ -4420,138 +4448,28 @@
         </p:nvSpPr>
         <p:spPr/>
         <p:txBody>
-          <a:bodyPr>
-            <a:normAutofit fontScale="70000" lnSpcReduction="20000"/>
-          </a:bodyPr>
-          <a:lstStyle/>
-          <a:p>
-            <a:r>
-              <a:rPr lang="zh-CN" altLang="en-US" dirty="0" smtClean="0"/>
-              <a:t>达人圈</a:t>
-            </a:r>
-            <a:endParaRPr lang="en-US" altLang="zh-CN" dirty="0" smtClean="0"/>
-          </a:p>
-          <a:p>
-            <a:pPr lvl="1"/>
-            <a:r>
-              <a:rPr lang="zh-CN" altLang="en-US" dirty="0" smtClean="0"/>
-              <a:t>用户的行程可能未必一个达人就能搞定，需要达人之间互相帮助，或者多个达人为他量身定做</a:t>
-            </a:r>
-            <a:endParaRPr lang="en-US" altLang="zh-CN" dirty="0" smtClean="0"/>
-          </a:p>
-          <a:p>
-            <a:pPr lvl="1"/>
-            <a:r>
-              <a:rPr lang="zh-CN" altLang="en-US" dirty="0" smtClean="0"/>
-              <a:t>达人之间都是渠道，可以分成</a:t>
-            </a:r>
-            <a:endParaRPr lang="en-US" altLang="zh-CN" dirty="0" smtClean="0"/>
-          </a:p>
-          <a:p>
-            <a:r>
-              <a:rPr lang="zh-CN" altLang="en-US" dirty="0" smtClean="0"/>
-              <a:t>达人服务是个闭环的过程，服务</a:t>
-            </a:r>
-            <a:r>
-              <a:rPr lang="zh-CN" altLang="en-US" dirty="0" smtClean="0"/>
-              <a:t>制定</a:t>
-            </a:r>
-            <a:r>
-              <a:rPr lang="en-US" altLang="zh-CN" dirty="0" smtClean="0"/>
-              <a:t>-》</a:t>
-            </a:r>
-            <a:r>
-              <a:rPr lang="zh-CN" altLang="en-US" dirty="0" smtClean="0"/>
-              <a:t>接单</a:t>
-            </a:r>
-            <a:r>
-              <a:rPr lang="en-US" altLang="zh-CN" dirty="0" smtClean="0"/>
-              <a:t>-》</a:t>
-            </a:r>
-            <a:r>
-              <a:rPr lang="zh-CN" altLang="en-US" dirty="0" smtClean="0"/>
-              <a:t>服务过程</a:t>
-            </a:r>
-            <a:r>
-              <a:rPr lang="en-US" altLang="zh-CN" dirty="0" smtClean="0"/>
-              <a:t>-》</a:t>
-            </a:r>
-            <a:r>
-              <a:rPr lang="zh-CN" altLang="en-US" dirty="0" smtClean="0"/>
-              <a:t>服务结束</a:t>
-            </a:r>
-            <a:r>
-              <a:rPr lang="en-US" altLang="zh-CN" dirty="0" smtClean="0"/>
-              <a:t>-》</a:t>
-            </a:r>
-            <a:r>
-              <a:rPr lang="zh-CN" altLang="en-US" dirty="0" smtClean="0"/>
-              <a:t>评价</a:t>
-            </a:r>
-            <a:endParaRPr lang="en-US" altLang="zh-CN" dirty="0" smtClean="0"/>
-          </a:p>
-          <a:p>
-            <a:r>
-              <a:rPr lang="zh-CN" altLang="en-US" dirty="0"/>
-              <a:t>达</a:t>
-            </a:r>
-            <a:r>
-              <a:rPr lang="zh-CN" altLang="en-US" dirty="0" smtClean="0"/>
-              <a:t>人提供的服务可以是千变万化的，可以是衣食住行的其中一类，可以是全程陪同</a:t>
-            </a:r>
-            <a:endParaRPr lang="en-US" altLang="zh-CN" dirty="0" smtClean="0"/>
-          </a:p>
-          <a:p>
-            <a:r>
-              <a:rPr lang="zh-CN" altLang="en-US" dirty="0" smtClean="0"/>
-              <a:t>明码标价，各取所需</a:t>
-            </a:r>
-            <a:endParaRPr lang="en-US" altLang="zh-CN" dirty="0" smtClean="0"/>
-          </a:p>
-          <a:p>
-            <a:r>
-              <a:rPr lang="zh-CN" altLang="en-US" dirty="0"/>
-              <a:t>达</a:t>
-            </a:r>
-            <a:r>
-              <a:rPr lang="zh-CN" altLang="en-US" dirty="0" smtClean="0"/>
-              <a:t>人可以打上不同的标签：</a:t>
-            </a:r>
-            <a:endParaRPr lang="en-US" altLang="zh-CN" dirty="0" smtClean="0"/>
-          </a:p>
-          <a:p>
-            <a:pPr lvl="1"/>
-            <a:r>
-              <a:rPr lang="zh-CN" altLang="en-US" dirty="0"/>
-              <a:t>历史达</a:t>
-            </a:r>
-            <a:r>
-              <a:rPr lang="zh-CN" altLang="en-US" dirty="0" smtClean="0"/>
-              <a:t>人、美女达人、当地大叔、逗孩子</a:t>
-            </a:r>
-            <a:r>
-              <a:rPr lang="zh-CN" altLang="en-US" dirty="0" smtClean="0"/>
-              <a:t>乐、摄影爱好者、垂钓高手。。。。。</a:t>
-            </a:r>
-            <a:endParaRPr lang="en-US" altLang="zh-CN" dirty="0"/>
-          </a:p>
-          <a:p>
-            <a:r>
-              <a:rPr lang="zh-CN" altLang="en-US" dirty="0"/>
-              <a:t>达人</a:t>
-            </a:r>
-            <a:r>
-              <a:rPr lang="zh-CN" altLang="en-US" dirty="0" smtClean="0"/>
-              <a:t>的评价不仅来自平台的数据分析，更重要的是用户的评价，星级的不同决定了他的收入</a:t>
-            </a:r>
-            <a:endParaRPr lang="en-US" altLang="zh-CN" dirty="0" smtClean="0"/>
+          <a:bodyPr/>
+          <a:lstStyle/>
+          <a:p>
+            <a:r>
+              <a:rPr lang="zh-CN" altLang="en-US" dirty="0" smtClean="0"/>
+              <a:t>游客出行一般是先确定一个目的地，但是对于在目的地玩什么往往是盲目的</a:t>
+            </a:r>
+            <a:endParaRPr lang="en-US" altLang="zh-CN" dirty="0" smtClean="0"/>
+          </a:p>
+          <a:p>
+            <a:r>
+              <a:rPr lang="zh-CN" altLang="en-US" dirty="0" smtClean="0"/>
+              <a:t>游客可以把浏览过程中感兴趣的玩点、达人、服务标注“想玩”，或者直接加入旅行车，用户点击行程开始后，自动进行智能行程匹配、服务预定</a:t>
+            </a:r>
+            <a:endParaRPr lang="zh-CN" altLang="en-US" dirty="0"/>
           </a:p>
         </p:txBody>
       </p:sp>
     </p:spTree>
     <p:extLst>
       <p:ext uri="{BB962C8B-B14F-4D97-AF65-F5344CB8AC3E}">
-        <p14:creationId xmlns:p14="http://schemas.microsoft.com/office/powerpoint/2010/main" val="3560296070"/>
+        <p14:creationId xmlns:p14="http://schemas.microsoft.com/office/powerpoint/2010/main" val="3653845960"/>
       </p:ext>
     </p:extLst>
   </p:cSld>
@@ -4594,37 +4512,117 @@
           <a:lstStyle/>
           <a:p>
             <a:r>
+              <a:rPr lang="zh-CN" altLang="en-US" dirty="0" smtClean="0"/>
+              <a:t>达人</a:t>
+            </a:r>
+            <a:endParaRPr lang="zh-CN" altLang="en-US" dirty="0"/>
+          </a:p>
+        </p:txBody>
+      </p:sp>
+      <p:sp>
+        <p:nvSpPr>
+          <p:cNvPr id="3" name="内容占位符 2"/>
+          <p:cNvSpPr>
+            <a:spLocks noGrp="1"/>
+          </p:cNvSpPr>
+          <p:nvPr>
+            <p:ph idx="1"/>
+          </p:nvPr>
+        </p:nvSpPr>
+        <p:spPr/>
+        <p:txBody>
+          <a:bodyPr>
+            <a:normAutofit fontScale="70000" lnSpcReduction="20000"/>
+          </a:bodyPr>
+          <a:lstStyle/>
+          <a:p>
+            <a:r>
+              <a:rPr lang="zh-CN" altLang="en-US" dirty="0" smtClean="0"/>
+              <a:t>达人圈</a:t>
+            </a:r>
+            <a:endParaRPr lang="en-US" altLang="zh-CN" dirty="0" smtClean="0"/>
+          </a:p>
+          <a:p>
+            <a:pPr lvl="1"/>
+            <a:r>
+              <a:rPr lang="zh-CN" altLang="en-US" dirty="0" smtClean="0"/>
+              <a:t>用户的行程可能未必一个达人就能搞定，需要达人之间互相帮助，或者多个达人为他量身定做</a:t>
+            </a:r>
+            <a:endParaRPr lang="en-US" altLang="zh-CN" dirty="0" smtClean="0"/>
+          </a:p>
+          <a:p>
+            <a:pPr lvl="1"/>
+            <a:r>
+              <a:rPr lang="zh-CN" altLang="en-US" dirty="0" smtClean="0"/>
+              <a:t>达人之间都是渠道，可以分成</a:t>
+            </a:r>
+            <a:endParaRPr lang="en-US" altLang="zh-CN" dirty="0" smtClean="0"/>
+          </a:p>
+          <a:p>
+            <a:r>
+              <a:rPr lang="zh-CN" altLang="en-US" dirty="0" smtClean="0"/>
+              <a:t>达人服务是个闭环的过程，服务制定</a:t>
+            </a:r>
+            <a:r>
+              <a:rPr lang="en-US" altLang="zh-CN" dirty="0" smtClean="0"/>
+              <a:t>-》</a:t>
+            </a:r>
+            <a:r>
+              <a:rPr lang="zh-CN" altLang="en-US" dirty="0" smtClean="0"/>
+              <a:t>接单</a:t>
+            </a:r>
+            <a:r>
+              <a:rPr lang="en-US" altLang="zh-CN" dirty="0" smtClean="0"/>
+              <a:t>-》</a:t>
+            </a:r>
+            <a:r>
+              <a:rPr lang="zh-CN" altLang="en-US" dirty="0" smtClean="0"/>
+              <a:t>服务过程</a:t>
+            </a:r>
+            <a:r>
+              <a:rPr lang="en-US" altLang="zh-CN" dirty="0" smtClean="0"/>
+              <a:t>-》</a:t>
+            </a:r>
+            <a:r>
+              <a:rPr lang="zh-CN" altLang="en-US" dirty="0" smtClean="0"/>
+              <a:t>服务结束</a:t>
+            </a:r>
+            <a:r>
+              <a:rPr lang="en-US" altLang="zh-CN" dirty="0" smtClean="0"/>
+              <a:t>-》</a:t>
+            </a:r>
+            <a:r>
+              <a:rPr lang="zh-CN" altLang="en-US" dirty="0" smtClean="0"/>
+              <a:t>评价</a:t>
+            </a:r>
+            <a:endParaRPr lang="en-US" altLang="zh-CN" dirty="0" smtClean="0"/>
+          </a:p>
+          <a:p>
+            <a:r>
               <a:rPr lang="zh-CN" altLang="en-US" dirty="0"/>
-              <a:t>盈利</a:t>
-            </a:r>
-            <a:r>
-              <a:rPr lang="zh-CN" altLang="en-US" dirty="0" smtClean="0"/>
-              <a:t>模式</a:t>
-            </a:r>
-            <a:endParaRPr lang="zh-CN" altLang="en-US" dirty="0"/>
-          </a:p>
-        </p:txBody>
-      </p:sp>
-      <p:sp>
-        <p:nvSpPr>
-          <p:cNvPr id="3" name="内容占位符 2"/>
-          <p:cNvSpPr>
-            <a:spLocks noGrp="1"/>
-          </p:cNvSpPr>
-          <p:nvPr>
-            <p:ph idx="1"/>
-          </p:nvPr>
-        </p:nvSpPr>
-        <p:spPr/>
-        <p:txBody>
-          <a:bodyPr>
-            <a:normAutofit fontScale="92500" lnSpcReduction="20000"/>
-          </a:bodyPr>
-          <a:lstStyle/>
-          <a:p>
-            <a:r>
-              <a:rPr lang="zh-CN" altLang="en-US" dirty="0" smtClean="0"/>
-              <a:t>游客可以预定的服务包括：</a:t>
+              <a:t>达</a:t>
+            </a:r>
+            <a:r>
+              <a:rPr lang="zh-CN" altLang="en-US" dirty="0" smtClean="0"/>
+              <a:t>人提供的服务可以是千变万化的，可以是衣食住行的其中一类，可以是全程陪同</a:t>
+            </a:r>
+            <a:endParaRPr lang="en-US" altLang="zh-CN" dirty="0" smtClean="0"/>
+          </a:p>
+          <a:p>
+            <a:r>
+              <a:rPr lang="zh-CN" altLang="en-US" dirty="0" smtClean="0"/>
+              <a:t>明码标价，各取所需</a:t>
+            </a:r>
+            <a:endParaRPr lang="en-US" altLang="zh-CN" dirty="0" smtClean="0"/>
+          </a:p>
+          <a:p>
+            <a:r>
+              <a:rPr lang="zh-CN" altLang="en-US" dirty="0"/>
+              <a:t>达</a:t>
+            </a:r>
+            <a:r>
+              <a:rPr lang="zh-CN" altLang="en-US" dirty="0" smtClean="0"/>
+              <a:t>人可以打上不同的标签：</a:t>
             </a:r>
             <a:endParaRPr lang="en-US" altLang="zh-CN" dirty="0" smtClean="0"/>
           </a:p>
@@ -4632,86 +4630,31 @@
             <a:pPr lvl="1"/>
             <a:r>
               <a:rPr lang="zh-CN" altLang="en-US" dirty="0"/>
-              <a:t>行程</a:t>
-            </a:r>
-            <a:r>
-              <a:rPr lang="zh-CN" altLang="en-US" dirty="0" smtClean="0"/>
-              <a:t>制定、代订、包车等简单服务</a:t>
-            </a:r>
-            <a:endParaRPr lang="en-US" altLang="zh-CN" dirty="0" smtClean="0"/>
-          </a:p>
-          <a:p>
-            <a:pPr lvl="1"/>
-            <a:r>
-              <a:rPr lang="zh-CN" altLang="en-US" dirty="0" smtClean="0"/>
-              <a:t>全程导游</a:t>
-            </a:r>
-            <a:endParaRPr lang="en-US" altLang="zh-CN" dirty="0" smtClean="0"/>
-          </a:p>
-          <a:p>
-            <a:r>
-              <a:rPr lang="zh-CN" altLang="en-US" dirty="0" smtClean="0"/>
-              <a:t>游徒预收费（预售一笔旅游基金，每日费用日日清</a:t>
-            </a:r>
-            <a:r>
-              <a:rPr lang="zh-CN" altLang="en-US" dirty="0" smtClean="0"/>
-              <a:t>）</a:t>
-            </a:r>
-            <a:endParaRPr lang="en-US" altLang="zh-CN" dirty="0" smtClean="0"/>
-          </a:p>
-          <a:p>
-            <a:r>
-              <a:rPr lang="zh-CN" altLang="en-US" dirty="0" smtClean="0"/>
-              <a:t>旅游服务费，服务结束后根据评价支付给达人</a:t>
-            </a:r>
-            <a:endParaRPr lang="en-US" altLang="zh-CN" dirty="0" smtClean="0"/>
+              <a:t>历史达</a:t>
+            </a:r>
+            <a:r>
+              <a:rPr lang="zh-CN" altLang="en-US" dirty="0" smtClean="0"/>
+              <a:t>人、美女达人、当地大叔、逗孩子乐、摄影爱好者、垂钓高手。。。。。</a:t>
+            </a:r>
+            <a:endParaRPr lang="en-US" altLang="zh-CN" dirty="0"/>
           </a:p>
           <a:p>
             <a:r>
               <a:rPr lang="zh-CN" altLang="en-US" dirty="0"/>
-              <a:t>代</a:t>
-            </a:r>
-            <a:r>
-              <a:rPr lang="zh-CN" altLang="en-US" dirty="0" smtClean="0"/>
-              <a:t>收费，代为预订机票、酒店、饭店等</a:t>
-            </a:r>
-            <a:endParaRPr lang="en-US" altLang="zh-CN" dirty="0" smtClean="0"/>
-          </a:p>
-          <a:p>
-            <a:r>
-              <a:rPr lang="zh-CN" altLang="en-US" dirty="0" smtClean="0"/>
-              <a:t>旅游金融，提供短期旅游</a:t>
-            </a:r>
-            <a:r>
-              <a:rPr lang="zh-CN" altLang="en-US" dirty="0" smtClean="0"/>
-              <a:t>贷款</a:t>
-            </a:r>
-            <a:endParaRPr lang="en-US" altLang="zh-CN" dirty="0" smtClean="0"/>
-          </a:p>
-          <a:p>
-            <a:r>
-              <a:rPr lang="zh-CN" altLang="en-US" dirty="0"/>
-              <a:t>旅游</a:t>
-            </a:r>
-            <a:r>
-              <a:rPr lang="zh-CN" altLang="en-US" dirty="0" smtClean="0"/>
-              <a:t>目的地的推介</a:t>
-            </a:r>
-            <a:endParaRPr lang="en-US" altLang="zh-CN" dirty="0" smtClean="0"/>
-          </a:p>
-          <a:p>
-            <a:r>
-              <a:rPr lang="zh-CN" altLang="en-US" dirty="0" smtClean="0"/>
-              <a:t>游徒积分兑换</a:t>
-            </a:r>
-            <a:endParaRPr lang="zh-CN" altLang="en-US" dirty="0"/>
+              <a:t>达人</a:t>
+            </a:r>
+            <a:r>
+              <a:rPr lang="zh-CN" altLang="en-US" dirty="0" smtClean="0"/>
+              <a:t>的评价不仅来自平台的数据分析，更重要的是用户的评价，星级的不同决定了他的收入</a:t>
+            </a:r>
+            <a:endParaRPr lang="en-US" altLang="zh-CN" dirty="0" smtClean="0"/>
           </a:p>
         </p:txBody>
       </p:sp>
     </p:spTree>
     <p:extLst>
       <p:ext uri="{BB962C8B-B14F-4D97-AF65-F5344CB8AC3E}">
-        <p14:creationId xmlns:p14="http://schemas.microsoft.com/office/powerpoint/2010/main" val="1083630717"/>
+        <p14:creationId xmlns:p14="http://schemas.microsoft.com/office/powerpoint/2010/main" val="3560296070"/>
       </p:ext>
     </p:extLst>
   </p:cSld>
@@ -4780,19 +4723,7 @@
           <a:p>
             <a:r>
               <a:rPr lang="zh-CN" altLang="en-US" dirty="0" smtClean="0"/>
-              <a:t>我们行进在旅游的途中，寻找自己内心深处那份不一样的东西，情感寄托的圣地</a:t>
-            </a:r>
-            <a:r>
-              <a:rPr lang="zh-CN" altLang="en-US" dirty="0" smtClean="0"/>
-              <a:t>。是</a:t>
-            </a:r>
-            <a:r>
-              <a:rPr lang="zh-CN" altLang="en-US" dirty="0" smtClean="0"/>
-              <a:t>文艺</a:t>
-            </a:r>
-            <a:r>
-              <a:rPr lang="zh-CN" altLang="en-US" dirty="0" smtClean="0"/>
-              <a:t>，</a:t>
+              <a:t>我们行进在旅游的途中，寻找自己内心深处那份不一样的东西，情感寄托的圣地。是文艺，</a:t>
             </a:r>
             <a:r>
               <a:rPr lang="zh-CN" altLang="en-US" dirty="0"/>
@@ -4800,31 +4731,7 @@
             </a:r>
             <a:r>
               <a:rPr lang="zh-CN" altLang="en-US" dirty="0" smtClean="0"/>
-              <a:t>是</a:t>
-            </a:r>
-            <a:r>
-              <a:rPr lang="zh-CN" altLang="en-US" dirty="0" smtClean="0"/>
-              <a:t>孤独</a:t>
-            </a:r>
-            <a:r>
-              <a:rPr lang="zh-CN" altLang="en-US" dirty="0" smtClean="0"/>
-              <a:t>，或许只是</a:t>
-            </a:r>
-            <a:r>
-              <a:rPr lang="zh-CN" altLang="en-US" dirty="0" smtClean="0"/>
-              <a:t>装</a:t>
-            </a:r>
-            <a:r>
-              <a:rPr lang="zh-CN" altLang="en-US" dirty="0" smtClean="0"/>
-              <a:t>逼，也许只是</a:t>
-            </a:r>
-            <a:r>
-              <a:rPr lang="zh-CN" altLang="en-US" dirty="0" smtClean="0"/>
-              <a:t>在陌生的地方的那种肆无忌惮</a:t>
-            </a:r>
-            <a:r>
-              <a:rPr lang="zh-CN" altLang="en-US" dirty="0" smtClean="0"/>
-              <a:t>！</a:t>
+              <a:t>是孤独，或许只是装逼，也许只是在陌生的地方的那种肆无忌惮！</a:t>
             </a:r>
             <a:endParaRPr lang="en-US" altLang="zh-CN" dirty="0" smtClean="0"/>
           </a:p>
@@ -4842,11 +4749,7 @@
           <a:p>
             <a:r>
               <a:rPr lang="zh-CN" altLang="en-US" dirty="0" smtClean="0"/>
-              <a:t>在基督教的教义中</a:t>
-            </a:r>
-            <a:r>
-              <a:rPr lang="zh-CN" altLang="en-US" dirty="0" smtClean="0"/>
-              <a:t>，</a:t>
+              <a:t>在基督教的教义中，</a:t>
             </a:r>
             <a:r>
               <a:rPr lang="zh-CN" altLang="en-US" dirty="0"/>
@@ -4854,11 +4757,7 @@
             </a:r>
             <a:r>
               <a:rPr lang="zh-CN" altLang="en-US" dirty="0" smtClean="0"/>
-              <a:t>徒</a:t>
-            </a:r>
-            <a:r>
-              <a:rPr lang="zh-CN" altLang="en-US" dirty="0" smtClean="0"/>
-              <a:t>可以通过对圣地</a:t>
+              <a:t>徒可以通过对圣地</a:t>
             </a:r>
             <a:r>
               <a:rPr lang="en-US" altLang="zh-CN" dirty="0" smtClean="0"/>
@@ -4873,15 +4772,7 @@
           <a:p>
             <a:r>
               <a:rPr lang="zh-CN" altLang="en-US" dirty="0" smtClean="0"/>
-              <a:t>旅游是</a:t>
-            </a:r>
-            <a:r>
-              <a:rPr lang="zh-CN" altLang="en-US" dirty="0" smtClean="0"/>
-              <a:t>一种解脱，一种忏悔，将你从平日芸芸众生般的生活中解脱出来，忏悔你过去在世俗中所浪费的青春，追寻自我，找到你心中的圣地</a:t>
-            </a:r>
-            <a:r>
-              <a:rPr lang="zh-CN" altLang="en-US" dirty="0" smtClean="0"/>
-              <a:t>。</a:t>
+              <a:t>旅游是一种解脱，一种忏悔，将你从平日芸芸众生般的生活中解脱出来，忏悔你过去在世俗中所浪费的青春，追寻自我，找到你心中的圣地。</a:t>
             </a:r>
             <a:endParaRPr lang="en-US" altLang="zh-CN" dirty="0" smtClean="0"/>
           </a:p>
@@ -4964,8 +4855,12 @@
           <a:lstStyle/>
           <a:p>
             <a:r>
-              <a:rPr lang="zh-CN" altLang="en-US" dirty="0" smtClean="0"/>
-              <a:t>我们的特点</a:t>
+              <a:rPr lang="zh-CN" altLang="en-US" dirty="0"/>
+              <a:t>盈利</a:t>
+            </a:r>
+            <a:r>
+              <a:rPr lang="zh-CN" altLang="en-US" dirty="0" smtClean="0"/>
+              <a:t>模式</a:t>
             </a:r>
             <a:endParaRPr lang="zh-CN" altLang="en-US" dirty="0"/>
           </a:p>
@@ -4984,21 +4879,13 @@
         <p:spPr/>
         <p:txBody>
           <a:bodyPr>
-            <a:normAutofit fontScale="55000" lnSpcReduction="20000"/>
+            <a:normAutofit fontScale="92500" lnSpcReduction="20000"/>
           </a:bodyPr>
           <a:lstStyle/>
           <a:p>
             <a:r>
               <a:rPr lang="zh-CN" altLang="en-US" dirty="0" smtClean="0"/>
-              <a:t>景点</a:t>
-            </a:r>
-            <a:r>
-              <a:rPr lang="en-US" altLang="zh-CN" dirty="0" smtClean="0"/>
-              <a:t>-》</a:t>
-            </a:r>
-            <a:r>
-              <a:rPr lang="zh-CN" altLang="en-US" dirty="0" smtClean="0"/>
-              <a:t>玩点</a:t>
+              <a:t>游客可以预定的服务包括：</a:t>
             </a:r>
             <a:endParaRPr lang="en-US" altLang="zh-CN" dirty="0" smtClean="0"/>
           </a:p>
@@ -5006,186 +4893,78 @@
             <a:pPr lvl="1"/>
             <a:r>
               <a:rPr lang="zh-CN" altLang="en-US" dirty="0"/>
-              <a:t>像</a:t>
-            </a:r>
-            <a:r>
-              <a:rPr lang="zh-CN" altLang="en-US" dirty="0" smtClean="0"/>
-              <a:t>当地人一样生活</a:t>
+              <a:t>行程</a:t>
+            </a:r>
+            <a:r>
+              <a:rPr lang="zh-CN" altLang="en-US" dirty="0" smtClean="0"/>
+              <a:t>制定、代订、包车等简单服务</a:t>
             </a:r>
             <a:endParaRPr lang="en-US" altLang="zh-CN" dirty="0" smtClean="0"/>
           </a:p>
           <a:p>
             <a:pPr lvl="1"/>
             <a:r>
-              <a:rPr lang="en-US" altLang="zh-CN" dirty="0" smtClean="0"/>
-              <a:t>5A</a:t>
-            </a:r>
-            <a:r>
-              <a:rPr lang="zh-CN" altLang="en-US" dirty="0" smtClean="0"/>
-              <a:t>、</a:t>
-            </a:r>
-            <a:r>
-              <a:rPr lang="en-US" altLang="zh-CN" dirty="0" smtClean="0"/>
-              <a:t>4A</a:t>
-            </a:r>
-            <a:r>
-              <a:rPr lang="zh-CN" altLang="en-US" dirty="0" smtClean="0"/>
-              <a:t>门票贵，要玩一些有参与感的活动</a:t>
-            </a:r>
-            <a:endParaRPr lang="en-US" altLang="zh-CN" dirty="0" smtClean="0"/>
-          </a:p>
-          <a:p>
-            <a:pPr lvl="1"/>
-            <a:r>
-              <a:rPr lang="zh-CN" altLang="en-US" dirty="0" smtClean="0"/>
-              <a:t>远离拥挤，爬野山，看祠堂，听故事</a:t>
-            </a:r>
-            <a:endParaRPr lang="en-US" altLang="zh-CN" dirty="0" smtClean="0"/>
-          </a:p>
-          <a:p>
-            <a:pPr lvl="1"/>
-            <a:r>
-              <a:rPr lang="zh-CN" altLang="en-US" dirty="0" smtClean="0"/>
-              <a:t>社戏、音乐节、庙会、赶集，体验原</a:t>
-            </a:r>
-            <a:r>
-              <a:rPr lang="zh-CN" altLang="en-US" dirty="0" smtClean="0"/>
-              <a:t>生态</a:t>
-            </a:r>
-            <a:endParaRPr lang="en-US" altLang="zh-CN" dirty="0" smtClean="0"/>
-          </a:p>
-          <a:p>
-            <a:pPr lvl="1"/>
+              <a:rPr lang="zh-CN" altLang="en-US" dirty="0" smtClean="0"/>
+              <a:t>全程导游</a:t>
+            </a:r>
+            <a:endParaRPr lang="en-US" altLang="zh-CN" dirty="0" smtClean="0"/>
+          </a:p>
+          <a:p>
+            <a:r>
+              <a:rPr lang="zh-CN" altLang="en-US" dirty="0" smtClean="0"/>
+              <a:t>游徒预收费（预售一笔旅游基金，每日费用日日清）</a:t>
+            </a:r>
+            <a:endParaRPr lang="en-US" altLang="zh-CN" dirty="0" smtClean="0"/>
+          </a:p>
+          <a:p>
+            <a:r>
+              <a:rPr lang="zh-CN" altLang="en-US" dirty="0" smtClean="0"/>
+              <a:t>旅游服务费，服务结束后根据评价支付给达人</a:t>
+            </a:r>
+            <a:endParaRPr lang="en-US" altLang="zh-CN" dirty="0" smtClean="0"/>
+          </a:p>
+          <a:p>
             <a:r>
               <a:rPr lang="zh-CN" altLang="en-US" dirty="0"/>
-              <a:t>当季</a:t>
-            </a:r>
-            <a:r>
-              <a:rPr lang="zh-CN" altLang="en-US" dirty="0" smtClean="0"/>
-              <a:t>热点娱乐节目的举办地，明星去过的地方，热播剧的拍摄地和历史背景地</a:t>
-            </a:r>
-            <a:endParaRPr lang="en-US" altLang="zh-CN" dirty="0" smtClean="0"/>
-          </a:p>
-          <a:p>
-            <a:pPr lvl="1"/>
+              <a:t>代</a:t>
+            </a:r>
+            <a:r>
+              <a:rPr lang="zh-CN" altLang="en-US" dirty="0" smtClean="0"/>
+              <a:t>收费，代为预订机票、酒店、饭店等</a:t>
+            </a:r>
+            <a:endParaRPr lang="en-US" altLang="zh-CN" dirty="0" smtClean="0"/>
+          </a:p>
+          <a:p>
+            <a:r>
+              <a:rPr lang="zh-CN" altLang="en-US" dirty="0" smtClean="0"/>
+              <a:t>旅游金融，提供短期旅游贷款</a:t>
+            </a:r>
+            <a:endParaRPr lang="en-US" altLang="zh-CN" dirty="0" smtClean="0"/>
+          </a:p>
+          <a:p>
             <a:r>
               <a:rPr lang="zh-CN" altLang="en-US" dirty="0"/>
-              <a:t>原始</a:t>
-            </a:r>
-            <a:r>
-              <a:rPr lang="zh-CN" altLang="en-US" dirty="0" smtClean="0"/>
-              <a:t>食材的获得和烹制，舌尖上的旅行</a:t>
-            </a:r>
-            <a:endParaRPr lang="en-US" altLang="zh-CN" dirty="0" smtClean="0"/>
-          </a:p>
-          <a:p>
-            <a:r>
-              <a:rPr lang="zh-CN" altLang="en-US" dirty="0" smtClean="0"/>
-              <a:t>贴身的服务</a:t>
-            </a:r>
-            <a:endParaRPr lang="en-US" altLang="zh-CN" dirty="0" smtClean="0"/>
-          </a:p>
-          <a:p>
-            <a:pPr lvl="1"/>
-            <a:r>
-              <a:rPr lang="zh-CN" altLang="en-US" dirty="0" smtClean="0"/>
-              <a:t>可选服务内容，加入购物车，一站式搞定</a:t>
-            </a:r>
-            <a:endParaRPr lang="en-US" altLang="zh-CN" dirty="0" smtClean="0"/>
-          </a:p>
-          <a:p>
-            <a:pPr lvl="1"/>
-            <a:r>
-              <a:rPr lang="zh-CN" altLang="en-US" dirty="0" smtClean="0"/>
-              <a:t>互相评分，让无德游客和服务不好的达人无所遁形</a:t>
-            </a:r>
-            <a:endParaRPr lang="en-US" altLang="zh-CN" dirty="0" smtClean="0"/>
-          </a:p>
-          <a:p>
-            <a:pPr lvl="1"/>
-            <a:r>
-              <a:rPr lang="zh-CN" altLang="en-US" dirty="0" smtClean="0"/>
-              <a:t>行程定制</a:t>
-            </a:r>
-            <a:endParaRPr lang="en-US" altLang="zh-CN" dirty="0" smtClean="0"/>
-          </a:p>
-          <a:p>
-            <a:pPr lvl="1"/>
-            <a:r>
-              <a:rPr lang="zh-CN" altLang="en-US" dirty="0" smtClean="0"/>
-              <a:t>费用透明</a:t>
-            </a:r>
-            <a:endParaRPr lang="en-US" altLang="zh-CN" dirty="0" smtClean="0"/>
-          </a:p>
-          <a:p>
-            <a:pPr lvl="1"/>
-            <a:r>
-              <a:rPr lang="zh-CN" altLang="en-US" dirty="0" smtClean="0"/>
-              <a:t>全程陪游</a:t>
-            </a:r>
-            <a:endParaRPr lang="en-US" altLang="zh-CN" dirty="0" smtClean="0"/>
-          </a:p>
-          <a:p>
-            <a:pPr lvl="1"/>
-            <a:r>
-              <a:rPr lang="zh-CN" altLang="en-US" dirty="0"/>
-              <a:t>最重要的</a:t>
-            </a:r>
-            <a:r>
-              <a:rPr lang="zh-CN" altLang="en-US" dirty="0" smtClean="0"/>
-              <a:t>是一种面对面的人文关怀，让游客像当地人一样生活</a:t>
-            </a:r>
-            <a:endParaRPr lang="en-US" altLang="zh-CN" dirty="0" smtClean="0"/>
-          </a:p>
-          <a:p>
-            <a:pPr marL="514350" indent="-457200"/>
-            <a:r>
-              <a:rPr lang="zh-CN" altLang="en-US" dirty="0"/>
-              <a:t>游</a:t>
-            </a:r>
-            <a:r>
-              <a:rPr lang="zh-CN" altLang="en-US" dirty="0" smtClean="0"/>
-              <a:t>徒社区</a:t>
-            </a:r>
-            <a:endParaRPr lang="en-US" altLang="zh-CN" dirty="0" smtClean="0"/>
-          </a:p>
-          <a:p>
-            <a:pPr marL="914400" lvl="1" indent="-457200"/>
-            <a:r>
-              <a:rPr lang="zh-CN" altLang="en-US" dirty="0"/>
-              <a:t>各类</a:t>
-            </a:r>
-            <a:r>
-              <a:rPr lang="zh-CN" altLang="en-US" dirty="0" smtClean="0"/>
-              <a:t>问题的沟通，可以勘误，有参与感</a:t>
-            </a:r>
-            <a:endParaRPr lang="en-US" altLang="zh-CN" dirty="0" smtClean="0"/>
-          </a:p>
-          <a:p>
-            <a:pPr marL="914400" lvl="1" indent="-457200"/>
-            <a:r>
-              <a:rPr lang="zh-CN" altLang="en-US" dirty="0" smtClean="0"/>
-              <a:t>足迹、晒一晒，带你装逼带你玩</a:t>
-            </a:r>
-            <a:endParaRPr lang="en-US" altLang="zh-CN" dirty="0" smtClean="0"/>
-          </a:p>
-          <a:p>
-            <a:pPr marL="914400" lvl="1" indent="-457200"/>
-            <a:r>
-              <a:rPr lang="zh-CN" altLang="en-US" dirty="0"/>
-              <a:t>达人圈，扩展自己的</a:t>
-            </a:r>
-            <a:r>
-              <a:rPr lang="zh-CN" altLang="en-US" dirty="0" smtClean="0"/>
-              <a:t>旅游资源</a:t>
-            </a:r>
+              <a:t>旅游</a:t>
+            </a:r>
+            <a:r>
+              <a:rPr lang="zh-CN" altLang="en-US" dirty="0" smtClean="0"/>
+              <a:t>目的地的推介</a:t>
+            </a:r>
+            <a:endParaRPr lang="en-US" altLang="zh-CN" dirty="0" smtClean="0"/>
+          </a:p>
+          <a:p>
+            <a:r>
+              <a:rPr lang="zh-CN" altLang="en-US" dirty="0" smtClean="0"/>
+              <a:t>游徒积分兑换</a:t>
+            </a:r>
+            <a:endParaRPr lang="zh-CN" altLang="en-US" dirty="0"/>
           </a:p>
         </p:txBody>
       </p:sp>
     </p:spTree>
     <p:extLst>
       <p:ext uri="{BB962C8B-B14F-4D97-AF65-F5344CB8AC3E}">
-        <p14:creationId xmlns:p14="http://schemas.microsoft.com/office/powerpoint/2010/main" val="2419744921"/>
+        <p14:creationId xmlns:p14="http://schemas.microsoft.com/office/powerpoint/2010/main" val="1083630717"/>
       </p:ext>
     </p:extLst>
   </p:cSld>
@@ -5229,7 +5008,7 @@
           <a:p>
             <a:r>
               <a:rPr lang="zh-CN" altLang="en-US" dirty="0" smtClean="0"/>
-              <a:t>我们的社会效应</a:t>
+              <a:t>收费模式</a:t>
             </a:r>
             <a:endParaRPr lang="zh-CN" altLang="en-US" dirty="0"/>
           </a:p>
@@ -5248,46 +5027,52 @@
         <p:spPr/>
         <p:txBody>
           <a:bodyPr>
-            <a:normAutofit fontScale="85000" lnSpcReduction="10000"/>
+            <a:normAutofit fontScale="77500" lnSpcReduction="20000"/>
           </a:bodyPr>
           <a:lstStyle/>
           <a:p>
             <a:r>
               <a:rPr lang="zh-CN" altLang="en-US" dirty="0" smtClean="0"/>
-              <a:t>中国五千年的历史，但是旅游相关产业在</a:t>
-            </a:r>
-            <a:r>
-              <a:rPr lang="en-US" altLang="zh-CN" dirty="0" smtClean="0"/>
-              <a:t>GDP</a:t>
-            </a:r>
-            <a:r>
-              <a:rPr lang="zh-CN" altLang="en-US" dirty="0" smtClean="0"/>
-              <a:t>中的比例还不如埃及，旅游从一定的程度上是一种文化的推介，我们希望通过平台把中国悠久的文化让大众所知道</a:t>
-            </a:r>
-            <a:endParaRPr lang="en-US" altLang="zh-CN" dirty="0" smtClean="0"/>
-          </a:p>
-          <a:p>
-            <a:r>
-              <a:rPr lang="zh-CN" altLang="en-US" dirty="0" smtClean="0"/>
-              <a:t>目的地的推介，需要达人的言传口授，玩的是情操，达人能把文化、饮食等各元素串在一起，进行综合的推广，特色推介，让当地的文化得到充分的</a:t>
-            </a:r>
-            <a:r>
-              <a:rPr lang="zh-CN" altLang="en-US" dirty="0" smtClean="0"/>
-              <a:t>体现</a:t>
-            </a:r>
-            <a:endParaRPr lang="en-US" altLang="zh-CN" dirty="0" smtClean="0"/>
-          </a:p>
-          <a:p>
-            <a:r>
-              <a:rPr lang="zh-CN" altLang="en-US" dirty="0" smtClean="0"/>
-              <a:t>通过良好的达人管理体系，内容经营体系，区隔于一般的旅游线路销售，带领旅游行业走出信任危机</a:t>
-            </a:r>
-            <a:endParaRPr lang="en-US" altLang="zh-CN" dirty="0" smtClean="0"/>
-          </a:p>
-          <a:p>
-            <a:r>
-              <a:rPr lang="zh-CN" altLang="en-US" dirty="0" smtClean="0"/>
-              <a:t>我们为达人创造了一个就业的机会，为达人和游客之间创造一个磋商的平台，我们是旅游界的</a:t>
+              <a:t>按照每天收取服务费（不包括固定的费用，如门票、住宿、机票、火车票）</a:t>
+            </a:r>
+            <a:endParaRPr lang="en-US" altLang="zh-CN" dirty="0" smtClean="0"/>
+          </a:p>
+          <a:p>
+            <a:r>
+              <a:rPr lang="zh-CN" altLang="en-US" dirty="0"/>
+              <a:t>也</a:t>
+            </a:r>
+            <a:r>
+              <a:rPr lang="zh-CN" altLang="en-US" dirty="0" smtClean="0"/>
+              <a:t>可以打包收取，但是这些固定的费用都以明细的方式告知游客</a:t>
+            </a:r>
+            <a:endParaRPr lang="en-US" altLang="zh-CN" dirty="0" smtClean="0"/>
+          </a:p>
+          <a:p>
+            <a:r>
+              <a:rPr lang="zh-CN" altLang="en-US" dirty="0" smtClean="0"/>
+              <a:t>把原来打闷包的收费模式打开，把利润体现在服务费中</a:t>
+            </a:r>
+            <a:endParaRPr lang="en-US" altLang="zh-CN" dirty="0" smtClean="0"/>
+          </a:p>
+          <a:p>
+            <a:r>
+              <a:rPr lang="zh-CN" altLang="en-US" dirty="0" smtClean="0"/>
+              <a:t>达人根据星级收费的基数不同</a:t>
+            </a:r>
+            <a:endParaRPr lang="en-US" altLang="zh-CN" dirty="0" smtClean="0"/>
+          </a:p>
+          <a:p>
+            <a:r>
+              <a:rPr lang="zh-CN" altLang="en-US" dirty="0" smtClean="0"/>
+              <a:t>收费的上限由平台制定</a:t>
+            </a:r>
+            <a:endParaRPr lang="en-US" altLang="zh-CN" dirty="0" smtClean="0"/>
+          </a:p>
+          <a:p>
+            <a:r>
+              <a:rPr lang="zh-CN" altLang="en-US" dirty="0" smtClean="0"/>
+              <a:t>一些单项的服务费用，景点代游、景点之间交通等服务可以参考</a:t>
             </a:r>
             <a:r>
               <a:rPr lang="en-US" altLang="zh-CN" dirty="0" smtClean="0"/>
@@ -5295,16 +5080,1013 @@
             </a:r>
             <a:r>
               <a:rPr lang="zh-CN" altLang="en-US" dirty="0" smtClean="0"/>
-              <a:t>。</a:t>
-            </a:r>
-            <a:endParaRPr lang="en-US" altLang="zh-CN" dirty="0" smtClean="0"/>
+              <a:t>的抢单模式，资源紧张时可以加价，也可以与</a:t>
+            </a:r>
+            <a:r>
+              <a:rPr lang="en-US" altLang="zh-CN" dirty="0" smtClean="0"/>
+              <a:t>UBER</a:t>
+            </a:r>
+            <a:r>
+              <a:rPr lang="zh-CN" altLang="en-US" dirty="0" smtClean="0"/>
+              <a:t>合作分成</a:t>
+            </a:r>
+            <a:endParaRPr lang="en-US" altLang="zh-CN" dirty="0" smtClean="0"/>
+          </a:p>
+          <a:p>
+            <a:r>
+              <a:rPr lang="zh-CN" altLang="en-US" dirty="0"/>
+              <a:t>服务完成</a:t>
+            </a:r>
+            <a:r>
+              <a:rPr lang="zh-CN" altLang="en-US" dirty="0" smtClean="0"/>
+              <a:t>后，允许用户小额打赏，打赏可以采用小额圈存的方式，或者直接支付</a:t>
+            </a:r>
+            <a:endParaRPr lang="zh-CN" altLang="en-US" dirty="0"/>
           </a:p>
         </p:txBody>
       </p:sp>
     </p:spTree>
     <p:extLst>
       <p:ext uri="{BB962C8B-B14F-4D97-AF65-F5344CB8AC3E}">
-        <p14:creationId xmlns:p14="http://schemas.microsoft.com/office/powerpoint/2010/main" val="4058753682"/>
+        <p14:creationId xmlns:p14="http://schemas.microsoft.com/office/powerpoint/2010/main" val="4017453487"/>
+      </p:ext>
+    </p:extLst>
+  </p:cSld>
+  <p:clrMapOvr>
+    <a:masterClrMapping/>
+  </p:clrMapOvr>
+</p:sld>
+</file>
+
+<file path=ppt/slides/slide22.xml><?xml version="1.0" encoding="utf-8"?>
+<p:sld xmlns:a="http://schemas.openxmlformats.org/drawingml/2006/main" xmlns:r="http://schemas.openxmlformats.org/officeDocument/2006/relationships" xmlns:p="http://schemas.openxmlformats.org/presentationml/2006/main">
+  <p:cSld>
+    <p:spTree>
+      <p:nvGrpSpPr>
+        <p:cNvPr id="1" name=""/>
+        <p:cNvGrpSpPr/>
+        <p:nvPr/>
+      </p:nvGrpSpPr>
+      <p:grpSpPr>
+        <a:xfrm>
+          <a:off x="0" y="0"/>
+          <a:ext cx="0" cy="0"/>
+          <a:chOff x="0" y="0"/>
+          <a:chExt cx="0" cy="0"/>
+        </a:xfrm>
+      </p:grpSpPr>
+      <p:sp>
+        <p:nvSpPr>
+          <p:cNvPr id="2" name="标题 1"/>
+          <p:cNvSpPr>
+            <a:spLocks noGrp="1"/>
+          </p:cNvSpPr>
+          <p:nvPr>
+            <p:ph type="title"/>
+          </p:nvPr>
+        </p:nvSpPr>
+        <p:spPr/>
+        <p:txBody>
+          <a:bodyPr/>
+          <a:lstStyle/>
+          <a:p>
+            <a:r>
+              <a:rPr lang="zh-CN" altLang="en-US" dirty="0" smtClean="0"/>
+              <a:t>我们的特点</a:t>
+            </a:r>
+            <a:endParaRPr lang="zh-CN" altLang="en-US" dirty="0"/>
+          </a:p>
+        </p:txBody>
+      </p:sp>
+      <p:sp>
+        <p:nvSpPr>
+          <p:cNvPr id="3" name="内容占位符 2"/>
+          <p:cNvSpPr>
+            <a:spLocks noGrp="1"/>
+          </p:cNvSpPr>
+          <p:nvPr>
+            <p:ph idx="1"/>
+          </p:nvPr>
+        </p:nvSpPr>
+        <p:spPr>
+          <a:xfrm>
+            <a:off x="457200" y="1600200"/>
+            <a:ext cx="8579296" cy="4997152"/>
+          </a:xfrm>
+        </p:spPr>
+        <p:txBody>
+          <a:bodyPr>
+            <a:normAutofit fontScale="55000" lnSpcReduction="20000"/>
+          </a:bodyPr>
+          <a:lstStyle/>
+          <a:p>
+            <a:r>
+              <a:rPr lang="zh-CN" altLang="en-US" dirty="0" smtClean="0"/>
+              <a:t>景点</a:t>
+            </a:r>
+            <a:r>
+              <a:rPr lang="en-US" altLang="zh-CN" dirty="0" smtClean="0"/>
+              <a:t>-》</a:t>
+            </a:r>
+            <a:r>
+              <a:rPr lang="zh-CN" altLang="en-US" dirty="0" smtClean="0"/>
+              <a:t>玩点</a:t>
+            </a:r>
+            <a:endParaRPr lang="en-US" altLang="zh-CN" dirty="0" smtClean="0"/>
+          </a:p>
+          <a:p>
+            <a:pPr lvl="1"/>
+            <a:r>
+              <a:rPr lang="zh-CN" altLang="en-US" dirty="0"/>
+              <a:t>像</a:t>
+            </a:r>
+            <a:r>
+              <a:rPr lang="zh-CN" altLang="en-US" dirty="0" smtClean="0"/>
+              <a:t>当地人一样生活</a:t>
+            </a:r>
+            <a:endParaRPr lang="en-US" altLang="zh-CN" dirty="0" smtClean="0"/>
+          </a:p>
+          <a:p>
+            <a:pPr lvl="1"/>
+            <a:r>
+              <a:rPr lang="en-US" altLang="zh-CN" dirty="0" smtClean="0"/>
+              <a:t>5A</a:t>
+            </a:r>
+            <a:r>
+              <a:rPr lang="zh-CN" altLang="en-US" dirty="0" smtClean="0"/>
+              <a:t>、</a:t>
+            </a:r>
+            <a:r>
+              <a:rPr lang="en-US" altLang="zh-CN" dirty="0" smtClean="0"/>
+              <a:t>4A</a:t>
+            </a:r>
+            <a:r>
+              <a:rPr lang="zh-CN" altLang="en-US" dirty="0" smtClean="0"/>
+              <a:t>门票不好玩，</a:t>
+            </a:r>
+            <a:r>
+              <a:rPr lang="zh-CN" altLang="en-US" dirty="0" smtClean="0"/>
+              <a:t>要玩一些有参与感的活动</a:t>
+            </a:r>
+            <a:endParaRPr lang="en-US" altLang="zh-CN" dirty="0" smtClean="0"/>
+          </a:p>
+          <a:p>
+            <a:pPr lvl="1"/>
+            <a:r>
+              <a:rPr lang="zh-CN" altLang="en-US" dirty="0" smtClean="0"/>
+              <a:t>远离拥挤，爬野山，看祠堂，听故事</a:t>
+            </a:r>
+            <a:endParaRPr lang="en-US" altLang="zh-CN" dirty="0" smtClean="0"/>
+          </a:p>
+          <a:p>
+            <a:pPr lvl="1"/>
+            <a:r>
+              <a:rPr lang="zh-CN" altLang="en-US" dirty="0" smtClean="0"/>
+              <a:t>社戏、音乐节、庙会、赶集，体验原生态</a:t>
+            </a:r>
+            <a:endParaRPr lang="en-US" altLang="zh-CN" dirty="0" smtClean="0"/>
+          </a:p>
+          <a:p>
+            <a:pPr lvl="1"/>
+            <a:r>
+              <a:rPr lang="zh-CN" altLang="en-US" dirty="0"/>
+              <a:t>当季</a:t>
+            </a:r>
+            <a:r>
+              <a:rPr lang="zh-CN" altLang="en-US" dirty="0" smtClean="0"/>
+              <a:t>热点娱乐节目的举办地，明星去过的</a:t>
+            </a:r>
+            <a:r>
+              <a:rPr lang="zh-CN" altLang="en-US" dirty="0" smtClean="0"/>
+              <a:t>地方</a:t>
+            </a:r>
+            <a:endParaRPr lang="en-US" altLang="zh-CN" dirty="0" smtClean="0"/>
+          </a:p>
+          <a:p>
+            <a:pPr lvl="1"/>
+            <a:r>
+              <a:rPr lang="zh-CN" altLang="en-US" dirty="0" smtClean="0"/>
+              <a:t>热</a:t>
+            </a:r>
+            <a:r>
+              <a:rPr lang="zh-CN" altLang="en-US" dirty="0" smtClean="0"/>
+              <a:t>播剧的拍摄地和历史背景</a:t>
+            </a:r>
+            <a:r>
+              <a:rPr lang="zh-CN" altLang="en-US" dirty="0" smtClean="0"/>
+              <a:t>地</a:t>
+            </a:r>
+            <a:endParaRPr lang="en-US" altLang="zh-CN" dirty="0" smtClean="0"/>
+          </a:p>
+          <a:p>
+            <a:pPr lvl="1"/>
+            <a:r>
+              <a:rPr lang="zh-CN" altLang="en-US" dirty="0"/>
+              <a:t>书本</a:t>
+            </a:r>
+            <a:r>
+              <a:rPr lang="zh-CN" altLang="en-US" dirty="0" smtClean="0"/>
+              <a:t>中看到过的名人轶事，民间故事的发生地</a:t>
+            </a:r>
+            <a:endParaRPr lang="en-US" altLang="zh-CN" dirty="0" smtClean="0"/>
+          </a:p>
+          <a:p>
+            <a:pPr lvl="1"/>
+            <a:r>
+              <a:rPr lang="zh-CN" altLang="en-US" dirty="0"/>
+              <a:t>原始</a:t>
+            </a:r>
+            <a:r>
+              <a:rPr lang="zh-CN" altLang="en-US" dirty="0" smtClean="0"/>
+              <a:t>食材的获得和烹制，舌尖上的旅行</a:t>
+            </a:r>
+            <a:endParaRPr lang="en-US" altLang="zh-CN" dirty="0" smtClean="0"/>
+          </a:p>
+          <a:p>
+            <a:r>
+              <a:rPr lang="zh-CN" altLang="en-US" dirty="0" smtClean="0"/>
+              <a:t>贴身的服务</a:t>
+            </a:r>
+            <a:endParaRPr lang="en-US" altLang="zh-CN" dirty="0" smtClean="0"/>
+          </a:p>
+          <a:p>
+            <a:pPr lvl="1"/>
+            <a:r>
+              <a:rPr lang="zh-CN" altLang="en-US" dirty="0" smtClean="0"/>
+              <a:t>可选服务内容，加入购物车，一站式搞定</a:t>
+            </a:r>
+            <a:endParaRPr lang="en-US" altLang="zh-CN" dirty="0" smtClean="0"/>
+          </a:p>
+          <a:p>
+            <a:pPr lvl="1"/>
+            <a:r>
+              <a:rPr lang="zh-CN" altLang="en-US" dirty="0" smtClean="0"/>
+              <a:t>互相评分，让无德游客和服务不好的达人无所遁形</a:t>
+            </a:r>
+            <a:endParaRPr lang="en-US" altLang="zh-CN" dirty="0" smtClean="0"/>
+          </a:p>
+          <a:p>
+            <a:pPr lvl="1"/>
+            <a:r>
+              <a:rPr lang="zh-CN" altLang="en-US" dirty="0" smtClean="0"/>
+              <a:t>行程定制</a:t>
+            </a:r>
+            <a:endParaRPr lang="en-US" altLang="zh-CN" dirty="0" smtClean="0"/>
+          </a:p>
+          <a:p>
+            <a:pPr lvl="1"/>
+            <a:r>
+              <a:rPr lang="zh-CN" altLang="en-US" dirty="0" smtClean="0"/>
+              <a:t>费用透明</a:t>
+            </a:r>
+            <a:endParaRPr lang="en-US" altLang="zh-CN" dirty="0" smtClean="0"/>
+          </a:p>
+          <a:p>
+            <a:pPr lvl="1"/>
+            <a:r>
+              <a:rPr lang="zh-CN" altLang="en-US" dirty="0" smtClean="0"/>
+              <a:t>全程陪游</a:t>
+            </a:r>
+            <a:endParaRPr lang="en-US" altLang="zh-CN" dirty="0" smtClean="0"/>
+          </a:p>
+          <a:p>
+            <a:pPr lvl="1"/>
+            <a:r>
+              <a:rPr lang="zh-CN" altLang="en-US" dirty="0"/>
+              <a:t>最重要的</a:t>
+            </a:r>
+            <a:r>
+              <a:rPr lang="zh-CN" altLang="en-US" dirty="0" smtClean="0"/>
+              <a:t>是一种面对面的人文关怀，让游客像当地人一样生活</a:t>
+            </a:r>
+            <a:endParaRPr lang="en-US" altLang="zh-CN" dirty="0" smtClean="0"/>
+          </a:p>
+          <a:p>
+            <a:pPr marL="514350" indent="-457200"/>
+            <a:r>
+              <a:rPr lang="zh-CN" altLang="en-US" dirty="0"/>
+              <a:t>游</a:t>
+            </a:r>
+            <a:r>
+              <a:rPr lang="zh-CN" altLang="en-US" dirty="0" smtClean="0"/>
+              <a:t>徒社区</a:t>
+            </a:r>
+            <a:endParaRPr lang="en-US" altLang="zh-CN" dirty="0" smtClean="0"/>
+          </a:p>
+          <a:p>
+            <a:pPr marL="914400" lvl="1" indent="-457200"/>
+            <a:r>
+              <a:rPr lang="zh-CN" altLang="en-US" dirty="0"/>
+              <a:t>各类</a:t>
+            </a:r>
+            <a:r>
+              <a:rPr lang="zh-CN" altLang="en-US" dirty="0" smtClean="0"/>
+              <a:t>问题的沟通，可以勘误，有参与感</a:t>
+            </a:r>
+            <a:endParaRPr lang="en-US" altLang="zh-CN" dirty="0" smtClean="0"/>
+          </a:p>
+          <a:p>
+            <a:pPr marL="914400" lvl="1" indent="-457200"/>
+            <a:r>
+              <a:rPr lang="zh-CN" altLang="en-US" dirty="0" smtClean="0"/>
+              <a:t>足迹、晒一晒，带你装逼带你玩</a:t>
+            </a:r>
+            <a:endParaRPr lang="en-US" altLang="zh-CN" dirty="0" smtClean="0"/>
+          </a:p>
+          <a:p>
+            <a:pPr marL="914400" lvl="1" indent="-457200"/>
+            <a:r>
+              <a:rPr lang="zh-CN" altLang="en-US" dirty="0"/>
+              <a:t>达人圈，扩展自己的</a:t>
+            </a:r>
+            <a:r>
+              <a:rPr lang="zh-CN" altLang="en-US" dirty="0" smtClean="0"/>
+              <a:t>旅游资源</a:t>
+            </a:r>
+          </a:p>
+        </p:txBody>
+      </p:sp>
+    </p:spTree>
+    <p:extLst>
+      <p:ext uri="{BB962C8B-B14F-4D97-AF65-F5344CB8AC3E}">
+        <p14:creationId xmlns:p14="http://schemas.microsoft.com/office/powerpoint/2010/main" val="2419744921"/>
+      </p:ext>
+    </p:extLst>
+  </p:cSld>
+  <p:clrMapOvr>
+    <a:masterClrMapping/>
+  </p:clrMapOvr>
+</p:sld>
+</file>
+
+<file path=ppt/slides/slide23.xml><?xml version="1.0" encoding="utf-8"?>
+<p:sld xmlns:a="http://schemas.openxmlformats.org/drawingml/2006/main" xmlns:r="http://schemas.openxmlformats.org/officeDocument/2006/relationships" xmlns:p="http://schemas.openxmlformats.org/presentationml/2006/main">
+  <p:cSld>
+    <p:spTree>
+      <p:nvGrpSpPr>
+        <p:cNvPr id="1" name=""/>
+        <p:cNvGrpSpPr/>
+        <p:nvPr/>
+      </p:nvGrpSpPr>
+      <p:grpSpPr>
+        <a:xfrm>
+          <a:off x="0" y="0"/>
+          <a:ext cx="0" cy="0"/>
+          <a:chOff x="0" y="0"/>
+          <a:chExt cx="0" cy="0"/>
+        </a:xfrm>
+      </p:grpSpPr>
+      <p:sp>
+        <p:nvSpPr>
+          <p:cNvPr id="2" name="标题 1"/>
+          <p:cNvSpPr>
+            <a:spLocks noGrp="1"/>
+          </p:cNvSpPr>
+          <p:nvPr>
+            <p:ph type="title"/>
+          </p:nvPr>
+        </p:nvSpPr>
+        <p:spPr/>
+        <p:txBody>
+          <a:bodyPr/>
+          <a:lstStyle/>
+          <a:p>
+            <a:r>
+              <a:rPr lang="zh-CN" altLang="en-US" dirty="0" smtClean="0"/>
+              <a:t>达人的来源</a:t>
+            </a:r>
+            <a:endParaRPr lang="zh-CN" altLang="en-US" dirty="0"/>
+          </a:p>
+        </p:txBody>
+      </p:sp>
+      <p:sp>
+        <p:nvSpPr>
+          <p:cNvPr id="3" name="内容占位符 2"/>
+          <p:cNvSpPr>
+            <a:spLocks noGrp="1"/>
+          </p:cNvSpPr>
+          <p:nvPr>
+            <p:ph idx="1"/>
+          </p:nvPr>
+        </p:nvSpPr>
+        <p:spPr/>
+        <p:txBody>
+          <a:bodyPr>
+            <a:normAutofit fontScale="92500"/>
+          </a:bodyPr>
+          <a:lstStyle/>
+          <a:p>
+            <a:r>
+              <a:rPr lang="zh-CN" altLang="en-US" dirty="0" smtClean="0"/>
+              <a:t>合作的传统旅游公司</a:t>
+            </a:r>
+            <a:endParaRPr lang="en-US" altLang="zh-CN" dirty="0" smtClean="0"/>
+          </a:p>
+          <a:p>
+            <a:r>
+              <a:rPr lang="zh-CN" altLang="en-US" dirty="0" smtClean="0"/>
+              <a:t>一些不愿意带游客去购物的高端导游</a:t>
+            </a:r>
+            <a:endParaRPr lang="en-US" altLang="zh-CN" dirty="0" smtClean="0"/>
+          </a:p>
+          <a:p>
+            <a:r>
+              <a:rPr lang="zh-CN" altLang="en-US" dirty="0" smtClean="0"/>
+              <a:t>协会资深成员</a:t>
+            </a:r>
+            <a:endParaRPr lang="en-US" altLang="zh-CN" dirty="0" smtClean="0"/>
+          </a:p>
+          <a:p>
+            <a:r>
+              <a:rPr lang="zh-CN" altLang="en-US" dirty="0"/>
+              <a:t>当地</a:t>
+            </a:r>
+            <a:r>
+              <a:rPr lang="zh-CN" altLang="en-US" dirty="0" smtClean="0"/>
+              <a:t>玩家</a:t>
+            </a:r>
+            <a:endParaRPr lang="en-US" altLang="zh-CN" dirty="0" smtClean="0"/>
+          </a:p>
+          <a:p>
+            <a:r>
+              <a:rPr lang="zh-CN" altLang="en-US" dirty="0" smtClean="0"/>
+              <a:t>拥有当地地主资源的店主（饭店、村民、农家乐</a:t>
+            </a:r>
+            <a:r>
+              <a:rPr lang="zh-CN" altLang="en-US" dirty="0"/>
+              <a:t>等</a:t>
+            </a:r>
+            <a:r>
+              <a:rPr lang="zh-CN" altLang="en-US" dirty="0" smtClean="0"/>
+              <a:t>）</a:t>
+            </a:r>
+            <a:endParaRPr lang="en-US" altLang="zh-CN" dirty="0" smtClean="0"/>
+          </a:p>
+          <a:p>
+            <a:r>
+              <a:rPr lang="zh-CN" altLang="en-US" dirty="0" smtClean="0"/>
+              <a:t>住在景点内的当地人，日常也在拉私活讲解</a:t>
+            </a:r>
+            <a:endParaRPr lang="en-US" altLang="zh-CN" dirty="0" smtClean="0"/>
+          </a:p>
+          <a:p>
+            <a:r>
+              <a:rPr lang="zh-CN" altLang="en-US" dirty="0" smtClean="0"/>
+              <a:t>旅游局、文化局、退休教师的一些当地文化人</a:t>
+            </a:r>
+            <a:endParaRPr lang="zh-CN" altLang="en-US" dirty="0"/>
+          </a:p>
+        </p:txBody>
+      </p:sp>
+    </p:spTree>
+    <p:extLst>
+      <p:ext uri="{BB962C8B-B14F-4D97-AF65-F5344CB8AC3E}">
+        <p14:creationId xmlns:p14="http://schemas.microsoft.com/office/powerpoint/2010/main" val="2345290905"/>
+      </p:ext>
+    </p:extLst>
+  </p:cSld>
+  <p:clrMapOvr>
+    <a:masterClrMapping/>
+  </p:clrMapOvr>
+</p:sld>
+</file>
+
+<file path=ppt/slides/slide24.xml><?xml version="1.0" encoding="utf-8"?>
+<p:sld xmlns:a="http://schemas.openxmlformats.org/drawingml/2006/main" xmlns:r="http://schemas.openxmlformats.org/officeDocument/2006/relationships" xmlns:p="http://schemas.openxmlformats.org/presentationml/2006/main">
+  <p:cSld>
+    <p:spTree>
+      <p:nvGrpSpPr>
+        <p:cNvPr id="1" name=""/>
+        <p:cNvGrpSpPr/>
+        <p:nvPr/>
+      </p:nvGrpSpPr>
+      <p:grpSpPr>
+        <a:xfrm>
+          <a:off x="0" y="0"/>
+          <a:ext cx="0" cy="0"/>
+          <a:chOff x="0" y="0"/>
+          <a:chExt cx="0" cy="0"/>
+        </a:xfrm>
+      </p:grpSpPr>
+      <p:sp>
+        <p:nvSpPr>
+          <p:cNvPr id="2" name="标题 1"/>
+          <p:cNvSpPr>
+            <a:spLocks noGrp="1"/>
+          </p:cNvSpPr>
+          <p:nvPr>
+            <p:ph type="title"/>
+          </p:nvPr>
+        </p:nvSpPr>
+        <p:spPr/>
+        <p:txBody>
+          <a:bodyPr/>
+          <a:lstStyle/>
+          <a:p>
+            <a:r>
+              <a:rPr lang="zh-CN" altLang="en-US" dirty="0" smtClean="0"/>
+              <a:t>热点事件的跟踪</a:t>
+            </a:r>
+            <a:endParaRPr lang="zh-CN" altLang="en-US" dirty="0"/>
+          </a:p>
+        </p:txBody>
+      </p:sp>
+      <p:sp>
+        <p:nvSpPr>
+          <p:cNvPr id="3" name="内容占位符 2"/>
+          <p:cNvSpPr>
+            <a:spLocks noGrp="1"/>
+          </p:cNvSpPr>
+          <p:nvPr>
+            <p:ph idx="1"/>
+          </p:nvPr>
+        </p:nvSpPr>
+        <p:spPr/>
+        <p:txBody>
+          <a:bodyPr>
+            <a:normAutofit lnSpcReduction="10000"/>
+          </a:bodyPr>
+          <a:lstStyle/>
+          <a:p>
+            <a:r>
+              <a:rPr lang="zh-CN" altLang="en-US" dirty="0" smtClean="0"/>
+              <a:t>热播影视剧</a:t>
+            </a:r>
+            <a:endParaRPr lang="en-US" altLang="zh-CN" dirty="0" smtClean="0"/>
+          </a:p>
+          <a:p>
+            <a:r>
+              <a:rPr lang="zh-CN" altLang="en-US" dirty="0"/>
+              <a:t>真人</a:t>
+            </a:r>
+            <a:r>
+              <a:rPr lang="zh-CN" altLang="en-US" dirty="0" smtClean="0"/>
+              <a:t>秀</a:t>
+            </a:r>
+            <a:endParaRPr lang="en-US" altLang="zh-CN" dirty="0" smtClean="0"/>
+          </a:p>
+          <a:p>
+            <a:r>
+              <a:rPr lang="zh-CN" altLang="en-US" dirty="0"/>
+              <a:t>历史</a:t>
+            </a:r>
+            <a:r>
+              <a:rPr lang="zh-CN" altLang="en-US" dirty="0" smtClean="0"/>
+              <a:t>文化名人故事</a:t>
+            </a:r>
+            <a:endParaRPr lang="en-US" altLang="zh-CN" dirty="0" smtClean="0"/>
+          </a:p>
+          <a:p>
+            <a:r>
+              <a:rPr lang="zh-CN" altLang="en-US" dirty="0"/>
+              <a:t>当</a:t>
+            </a:r>
+            <a:r>
+              <a:rPr lang="zh-CN" altLang="en-US" dirty="0" smtClean="0"/>
+              <a:t>季独特的景色</a:t>
+            </a:r>
+            <a:endParaRPr lang="en-US" altLang="zh-CN" dirty="0" smtClean="0"/>
+          </a:p>
+          <a:p>
+            <a:r>
+              <a:rPr lang="zh-CN" altLang="en-US" dirty="0"/>
+              <a:t>食</a:t>
+            </a:r>
+            <a:r>
+              <a:rPr lang="zh-CN" altLang="en-US" dirty="0" smtClean="0"/>
+              <a:t>材的获取和烹饪</a:t>
+            </a:r>
+            <a:endParaRPr lang="en-US" altLang="zh-CN" dirty="0" smtClean="0"/>
+          </a:p>
+          <a:p>
+            <a:r>
+              <a:rPr lang="zh-CN" altLang="en-US" dirty="0"/>
+              <a:t>儿童</a:t>
+            </a:r>
+            <a:r>
+              <a:rPr lang="zh-CN" altLang="en-US" dirty="0" smtClean="0"/>
+              <a:t>科普和亲子体验</a:t>
+            </a:r>
+            <a:endParaRPr lang="en-US" altLang="zh-CN" dirty="0" smtClean="0"/>
+          </a:p>
+          <a:p>
+            <a:r>
+              <a:rPr lang="zh-CN" altLang="en-US" dirty="0" smtClean="0"/>
+              <a:t>协会活动</a:t>
+            </a:r>
+            <a:endParaRPr lang="en-US" altLang="zh-CN" dirty="0" smtClean="0"/>
+          </a:p>
+          <a:p>
+            <a:r>
+              <a:rPr lang="zh-CN" altLang="en-US" dirty="0" smtClean="0"/>
+              <a:t>当地特有节日</a:t>
+            </a:r>
+            <a:endParaRPr lang="zh-CN" altLang="en-US" dirty="0"/>
+          </a:p>
+        </p:txBody>
+      </p:sp>
+    </p:spTree>
+    <p:extLst>
+      <p:ext uri="{BB962C8B-B14F-4D97-AF65-F5344CB8AC3E}">
+        <p14:creationId xmlns:p14="http://schemas.microsoft.com/office/powerpoint/2010/main" val="978799908"/>
+      </p:ext>
+    </p:extLst>
+  </p:cSld>
+  <p:clrMapOvr>
+    <a:masterClrMapping/>
+  </p:clrMapOvr>
+</p:sld>
+</file>
+
+<file path=ppt/slides/slide25.xml><?xml version="1.0" encoding="utf-8"?>
+<p:sld xmlns:a="http://schemas.openxmlformats.org/drawingml/2006/main" xmlns:r="http://schemas.openxmlformats.org/officeDocument/2006/relationships" xmlns:p="http://schemas.openxmlformats.org/presentationml/2006/main">
+  <p:cSld>
+    <p:spTree>
+      <p:nvGrpSpPr>
+        <p:cNvPr id="1" name=""/>
+        <p:cNvGrpSpPr/>
+        <p:nvPr/>
+      </p:nvGrpSpPr>
+      <p:grpSpPr>
+        <a:xfrm>
+          <a:off x="0" y="0"/>
+          <a:ext cx="0" cy="0"/>
+          <a:chOff x="0" y="0"/>
+          <a:chExt cx="0" cy="0"/>
+        </a:xfrm>
+      </p:grpSpPr>
+      <p:sp>
+        <p:nvSpPr>
+          <p:cNvPr id="2" name="标题 1"/>
+          <p:cNvSpPr>
+            <a:spLocks noGrp="1"/>
+          </p:cNvSpPr>
+          <p:nvPr>
+            <p:ph type="title"/>
+          </p:nvPr>
+        </p:nvSpPr>
+        <p:spPr/>
+        <p:txBody>
+          <a:bodyPr/>
+          <a:lstStyle/>
+          <a:p>
+            <a:r>
+              <a:rPr lang="zh-CN" altLang="en-US" dirty="0" smtClean="0"/>
+              <a:t>合作模式探讨</a:t>
+            </a:r>
+            <a:endParaRPr lang="zh-CN" altLang="en-US" dirty="0"/>
+          </a:p>
+        </p:txBody>
+      </p:sp>
+      <p:sp>
+        <p:nvSpPr>
+          <p:cNvPr id="3" name="内容占位符 2"/>
+          <p:cNvSpPr>
+            <a:spLocks noGrp="1"/>
+          </p:cNvSpPr>
+          <p:nvPr>
+            <p:ph idx="1"/>
+          </p:nvPr>
+        </p:nvSpPr>
+        <p:spPr/>
+        <p:txBody>
+          <a:bodyPr>
+            <a:normAutofit fontScale="77500" lnSpcReduction="20000"/>
+          </a:bodyPr>
+          <a:lstStyle/>
+          <a:p>
+            <a:r>
+              <a:rPr lang="zh-CN" altLang="en-US" dirty="0"/>
+              <a:t>达人</a:t>
+            </a:r>
+            <a:r>
+              <a:rPr lang="zh-CN" altLang="en-US" dirty="0" smtClean="0"/>
+              <a:t>：平台代收费，然后按周统一和达人结算，有代收费、服务费、打赏</a:t>
+            </a:r>
+            <a:endParaRPr lang="en-US" altLang="zh-CN" dirty="0" smtClean="0"/>
+          </a:p>
+          <a:p>
+            <a:r>
+              <a:rPr lang="zh-CN" altLang="en-US" dirty="0" smtClean="0"/>
+              <a:t>旅行社：优质导游以个人的方式加入，后台赋予隶属旅行社的属性，统一和旅行社结算</a:t>
+            </a:r>
+            <a:endParaRPr lang="en-US" altLang="zh-CN" dirty="0" smtClean="0"/>
+          </a:p>
+          <a:p>
+            <a:r>
+              <a:rPr lang="zh-CN" altLang="en-US" dirty="0" smtClean="0"/>
+              <a:t>协会、野团：服务通过协会的服务人员以个人方式加入，赋予渠道的属性，按照合作分成的方式</a:t>
+            </a:r>
+            <a:endParaRPr lang="en-US" altLang="zh-CN" dirty="0" smtClean="0"/>
+          </a:p>
+          <a:p>
+            <a:r>
+              <a:rPr lang="zh-CN" altLang="en-US" dirty="0"/>
+              <a:t>达</a:t>
+            </a:r>
+            <a:r>
+              <a:rPr lang="zh-CN" altLang="en-US" dirty="0" smtClean="0"/>
+              <a:t>人和地主之间：达人也是地主（某资源的拥有者）的渠道，平台提供给达人地主的管理界面</a:t>
+            </a:r>
+            <a:endParaRPr lang="en-US" altLang="zh-CN" dirty="0" smtClean="0"/>
+          </a:p>
+          <a:p>
+            <a:r>
+              <a:rPr lang="zh-CN" altLang="en-US" dirty="0" smtClean="0"/>
+              <a:t>媒体、真人秀、影视：采取合作经营营销活动的方式，进行短期的合作，并以渠道的方式体现</a:t>
+            </a:r>
+            <a:endParaRPr lang="en-US" altLang="zh-CN" dirty="0" smtClean="0"/>
+          </a:p>
+          <a:p>
+            <a:r>
+              <a:rPr lang="zh-CN" altLang="en-US" dirty="0" smtClean="0"/>
+              <a:t>目的地：按照广告的方式在首页、二级页面等处投放，进行目的地的推广，并按照目的地的订单情况进行结算</a:t>
+            </a:r>
+            <a:endParaRPr lang="zh-CN" altLang="en-US" dirty="0"/>
+          </a:p>
+        </p:txBody>
+      </p:sp>
+    </p:spTree>
+    <p:extLst>
+      <p:ext uri="{BB962C8B-B14F-4D97-AF65-F5344CB8AC3E}">
+        <p14:creationId xmlns:p14="http://schemas.microsoft.com/office/powerpoint/2010/main" val="759538742"/>
+      </p:ext>
+    </p:extLst>
+  </p:cSld>
+  <p:clrMapOvr>
+    <a:masterClrMapping/>
+  </p:clrMapOvr>
+</p:sld>
+</file>
+
+<file path=ppt/slides/slide26.xml><?xml version="1.0" encoding="utf-8"?>
+<p:sld xmlns:a="http://schemas.openxmlformats.org/drawingml/2006/main" xmlns:r="http://schemas.openxmlformats.org/officeDocument/2006/relationships" xmlns:p="http://schemas.openxmlformats.org/presentationml/2006/main">
+  <p:cSld>
+    <p:spTree>
+      <p:nvGrpSpPr>
+        <p:cNvPr id="1" name=""/>
+        <p:cNvGrpSpPr/>
+        <p:nvPr/>
+      </p:nvGrpSpPr>
+      <p:grpSpPr>
+        <a:xfrm>
+          <a:off x="0" y="0"/>
+          <a:ext cx="0" cy="0"/>
+          <a:chOff x="0" y="0"/>
+          <a:chExt cx="0" cy="0"/>
+        </a:xfrm>
+      </p:grpSpPr>
+      <p:sp>
+        <p:nvSpPr>
+          <p:cNvPr id="2" name="标题 1"/>
+          <p:cNvSpPr>
+            <a:spLocks noGrp="1"/>
+          </p:cNvSpPr>
+          <p:nvPr>
+            <p:ph type="title"/>
+          </p:nvPr>
+        </p:nvSpPr>
+        <p:spPr/>
+        <p:txBody>
+          <a:bodyPr/>
+          <a:lstStyle/>
+          <a:p>
+            <a:r>
+              <a:rPr lang="zh-CN" altLang="en-US" dirty="0" smtClean="0"/>
+              <a:t>各项服务的收费标准</a:t>
+            </a:r>
+            <a:endParaRPr lang="zh-CN" altLang="en-US" dirty="0"/>
+          </a:p>
+        </p:txBody>
+      </p:sp>
+      <p:sp>
+        <p:nvSpPr>
+          <p:cNvPr id="3" name="内容占位符 2"/>
+          <p:cNvSpPr>
+            <a:spLocks noGrp="1"/>
+          </p:cNvSpPr>
+          <p:nvPr>
+            <p:ph idx="1"/>
+          </p:nvPr>
+        </p:nvSpPr>
+        <p:spPr/>
+        <p:txBody>
+          <a:bodyPr>
+            <a:normAutofit fontScale="92500" lnSpcReduction="20000"/>
+          </a:bodyPr>
+          <a:lstStyle/>
+          <a:p>
+            <a:r>
+              <a:rPr lang="zh-CN" altLang="en-US" dirty="0" smtClean="0"/>
+              <a:t>吃（代点餐，陪吃，食材的获取列入玩点）</a:t>
+            </a:r>
+            <a:endParaRPr lang="en-US" altLang="zh-CN" dirty="0" smtClean="0"/>
+          </a:p>
+          <a:p>
+            <a:r>
+              <a:rPr lang="zh-CN" altLang="en-US" dirty="0" smtClean="0"/>
+              <a:t>住（代订，提供住宿）</a:t>
+            </a:r>
+            <a:endParaRPr lang="en-US" altLang="zh-CN" dirty="0" smtClean="0"/>
+          </a:p>
+          <a:p>
+            <a:r>
+              <a:rPr lang="zh-CN" altLang="en-US" dirty="0" smtClean="0"/>
+              <a:t>行（包括代订，包车）</a:t>
+            </a:r>
+            <a:endParaRPr lang="en-US" altLang="zh-CN" dirty="0" smtClean="0"/>
+          </a:p>
+          <a:p>
+            <a:r>
+              <a:rPr lang="zh-CN" altLang="en-US" dirty="0" smtClean="0"/>
+              <a:t>玩（单项的玩点伴游）</a:t>
+            </a:r>
+            <a:endParaRPr lang="en-US" altLang="zh-CN" dirty="0" smtClean="0"/>
+          </a:p>
+          <a:p>
+            <a:r>
+              <a:rPr lang="zh-CN" altLang="en-US" dirty="0" smtClean="0"/>
+              <a:t>购物（代购，配购）</a:t>
+            </a:r>
+            <a:endParaRPr lang="en-US" altLang="zh-CN" dirty="0" smtClean="0"/>
+          </a:p>
+          <a:p>
+            <a:r>
+              <a:rPr lang="zh-CN" altLang="en-US" dirty="0"/>
+              <a:t>陪</a:t>
+            </a:r>
+            <a:r>
+              <a:rPr lang="zh-CN" altLang="en-US" dirty="0" smtClean="0"/>
+              <a:t>游（全程伴游）</a:t>
+            </a:r>
+            <a:endParaRPr lang="en-US" altLang="zh-CN" dirty="0" smtClean="0"/>
+          </a:p>
+          <a:p>
+            <a:r>
+              <a:rPr lang="zh-CN" altLang="en-US" dirty="0" smtClean="0"/>
+              <a:t>问题：</a:t>
+            </a:r>
+            <a:endParaRPr lang="en-US" altLang="zh-CN" dirty="0" smtClean="0"/>
+          </a:p>
+          <a:p>
+            <a:pPr lvl="1"/>
+            <a:r>
+              <a:rPr lang="zh-CN" altLang="en-US" dirty="0"/>
+              <a:t>单</a:t>
+            </a:r>
+            <a:r>
+              <a:rPr lang="zh-CN" altLang="en-US" dirty="0" smtClean="0"/>
+              <a:t>次</a:t>
+            </a:r>
+            <a:endParaRPr lang="en-US" altLang="zh-CN" dirty="0" smtClean="0"/>
+          </a:p>
+          <a:p>
+            <a:pPr lvl="1"/>
+            <a:r>
+              <a:rPr lang="zh-CN" altLang="en-US" dirty="0" smtClean="0"/>
+              <a:t>单日</a:t>
+            </a:r>
+            <a:endParaRPr lang="en-US" altLang="zh-CN" dirty="0" smtClean="0"/>
+          </a:p>
+          <a:p>
+            <a:pPr lvl="1"/>
+            <a:r>
+              <a:rPr lang="zh-CN" altLang="en-US" dirty="0"/>
+              <a:t>打包</a:t>
+            </a:r>
+          </a:p>
+        </p:txBody>
+      </p:sp>
+    </p:spTree>
+    <p:extLst>
+      <p:ext uri="{BB962C8B-B14F-4D97-AF65-F5344CB8AC3E}">
+        <p14:creationId xmlns:p14="http://schemas.microsoft.com/office/powerpoint/2010/main" val="991669739"/>
+      </p:ext>
+    </p:extLst>
+  </p:cSld>
+  <p:clrMapOvr>
+    <a:masterClrMapping/>
+  </p:clrMapOvr>
+</p:sld>
+</file>
+
+<file path=ppt/slides/slide27.xml><?xml version="1.0" encoding="utf-8"?>
+<p:sld xmlns:a="http://schemas.openxmlformats.org/drawingml/2006/main" xmlns:r="http://schemas.openxmlformats.org/officeDocument/2006/relationships" xmlns:p="http://schemas.openxmlformats.org/presentationml/2006/main">
+  <p:cSld>
+    <p:spTree>
+      <p:nvGrpSpPr>
+        <p:cNvPr id="1" name=""/>
+        <p:cNvGrpSpPr/>
+        <p:nvPr/>
+      </p:nvGrpSpPr>
+      <p:grpSpPr>
+        <a:xfrm>
+          <a:off x="0" y="0"/>
+          <a:ext cx="0" cy="0"/>
+          <a:chOff x="0" y="0"/>
+          <a:chExt cx="0" cy="0"/>
+        </a:xfrm>
+      </p:grpSpPr>
+      <p:sp>
+        <p:nvSpPr>
+          <p:cNvPr id="2" name="标题 1"/>
+          <p:cNvSpPr>
+            <a:spLocks noGrp="1"/>
+          </p:cNvSpPr>
+          <p:nvPr>
+            <p:ph type="title"/>
+          </p:nvPr>
+        </p:nvSpPr>
+        <p:spPr/>
+        <p:txBody>
+          <a:bodyPr/>
+          <a:lstStyle/>
+          <a:p>
+            <a:r>
+              <a:rPr lang="zh-CN" altLang="en-US" dirty="0" smtClean="0"/>
+              <a:t>我们的社会效应</a:t>
+            </a:r>
+            <a:endParaRPr lang="zh-CN" altLang="en-US" dirty="0"/>
+          </a:p>
+        </p:txBody>
+      </p:sp>
+      <p:sp>
+        <p:nvSpPr>
+          <p:cNvPr id="3" name="内容占位符 2"/>
+          <p:cNvSpPr>
+            <a:spLocks noGrp="1"/>
+          </p:cNvSpPr>
+          <p:nvPr>
+            <p:ph idx="1"/>
+          </p:nvPr>
+        </p:nvSpPr>
+        <p:spPr/>
+        <p:txBody>
+          <a:bodyPr>
+            <a:normAutofit fontScale="77500" lnSpcReduction="20000"/>
+          </a:bodyPr>
+          <a:lstStyle/>
+          <a:p>
+            <a:r>
+              <a:rPr lang="zh-CN" altLang="en-US" dirty="0" smtClean="0"/>
+              <a:t>中国五千年的历史，但是旅游相关产业在</a:t>
+            </a:r>
+            <a:r>
+              <a:rPr lang="en-US" altLang="zh-CN" dirty="0" smtClean="0"/>
+              <a:t>GDP</a:t>
+            </a:r>
+            <a:r>
+              <a:rPr lang="zh-CN" altLang="en-US" dirty="0" smtClean="0"/>
+              <a:t>中的比例还不如埃及，旅游从一定的程度上是一种文化的推介，我们希望通过平台把中国悠久的文化让大众所知道</a:t>
+            </a:r>
+            <a:endParaRPr lang="en-US" altLang="zh-CN" dirty="0" smtClean="0"/>
+          </a:p>
+          <a:p>
+            <a:r>
+              <a:rPr lang="zh-CN" altLang="en-US" dirty="0" smtClean="0"/>
+              <a:t>目的地的推介，需要达人的言传口授，玩的是情操，达人能把文化、饮食等各元素串在一起，进行综合的推广，特色推介，让当地的文化得到充分的体现</a:t>
+            </a:r>
+            <a:endParaRPr lang="en-US" altLang="zh-CN" dirty="0" smtClean="0"/>
+          </a:p>
+          <a:p>
+            <a:r>
+              <a:rPr lang="zh-CN" altLang="en-US" dirty="0" smtClean="0"/>
+              <a:t>通过良好的达人管理体系，内容经营体系，区隔于一般的旅游线路销售，带领旅游行业走出信任危机</a:t>
+            </a:r>
+            <a:endParaRPr lang="en-US" altLang="zh-CN" dirty="0" smtClean="0"/>
+          </a:p>
+          <a:p>
+            <a:r>
+              <a:rPr lang="zh-CN" altLang="en-US" dirty="0" smtClean="0"/>
+              <a:t>我们为达人创造了一个就业的机会，为达人和游客之间创造一个磋商的平台，我们是旅游界的</a:t>
+            </a:r>
+            <a:r>
+              <a:rPr lang="en-US" altLang="zh-CN" dirty="0" smtClean="0"/>
+              <a:t>UBER</a:t>
+            </a:r>
+            <a:r>
+              <a:rPr lang="zh-CN" altLang="en-US" dirty="0" smtClean="0"/>
+              <a:t>。</a:t>
+            </a:r>
+            <a:endParaRPr lang="en-US" altLang="zh-CN" dirty="0" smtClean="0"/>
+          </a:p>
+          <a:p>
+            <a:r>
+              <a:rPr lang="zh-CN" altLang="en-US" dirty="0"/>
+              <a:t>我们将</a:t>
+            </a:r>
+            <a:r>
+              <a:rPr lang="zh-CN" altLang="en-US" dirty="0" smtClean="0"/>
+              <a:t>会颠覆旅游行业的拼价格模式，回归旅游的服务。</a:t>
+            </a:r>
+            <a:endParaRPr lang="en-US" altLang="zh-CN" dirty="0" smtClean="0"/>
+          </a:p>
+        </p:txBody>
+      </p:sp>
+    </p:spTree>
+    <p:extLst>
+      <p:ext uri="{BB962C8B-B14F-4D97-AF65-F5344CB8AC3E}">
+        <p14:creationId xmlns:p14="http://schemas.microsoft.com/office/powerpoint/2010/main" val="400589042"/>
       </p:ext>
     </p:extLst>
   </p:cSld>
@@ -5683,11 +6465,7 @@
           <a:p>
             <a:r>
               <a:rPr lang="zh-CN" altLang="en-US" dirty="0" smtClean="0"/>
-              <a:t>经济型：反正我很多地方都没去过，有便宜的团我就</a:t>
-            </a:r>
-            <a:r>
-              <a:rPr lang="zh-CN" altLang="en-US" dirty="0" smtClean="0"/>
-              <a:t>去</a:t>
+              <a:t>经济型：反正我很多地方都没去过，有便宜的团我就去</a:t>
             </a:r>
             <a:endParaRPr lang="en-US" altLang="zh-CN" dirty="0" smtClean="0"/>
           </a:p>
@@ -5766,7 +6544,7 @@
         <p:spPr/>
         <p:txBody>
           <a:bodyPr>
-            <a:normAutofit fontScale="92500" lnSpcReduction="20000"/>
+            <a:normAutofit fontScale="85000" lnSpcReduction="20000"/>
           </a:bodyPr>
           <a:lstStyle/>
           <a:p>
@@ -5790,7 +6568,11 @@
           <a:p>
             <a:r>
               <a:rPr lang="zh-CN" altLang="en-US" dirty="0" smtClean="0"/>
-              <a:t>自助游出现，携程只提供到目的地的交通、景点门票和住宿，其他的部分游客自己确定</a:t>
+              <a:t>自助游出现，携程只提供到目的地的交通、景点门票和住宿，其他的部分游客自己</a:t>
+            </a:r>
+            <a:r>
+              <a:rPr lang="zh-CN" altLang="en-US" dirty="0" smtClean="0"/>
+              <a:t>确定，穷游成为热点</a:t>
             </a:r>
             <a:endParaRPr lang="en-US" altLang="zh-CN" dirty="0" smtClean="0"/>
           </a:p>
@@ -5883,7 +6665,9 @@
         </p:nvSpPr>
         <p:spPr/>
         <p:txBody>
-          <a:bodyPr/>
+          <a:bodyPr>
+            <a:normAutofit fontScale="92500" lnSpcReduction="10000"/>
+          </a:bodyPr>
           <a:lstStyle/>
           <a:p>
             <a:r>
@@ -5896,15 +6680,11 @@
             </a:r>
             <a:r>
               <a:rPr lang="zh-CN" altLang="en-US" dirty="0" smtClean="0"/>
-              <a:t>游记等细分市场，也出现了一些新型的</a:t>
-            </a:r>
-            <a:r>
-              <a:rPr lang="en-US" altLang="zh-CN" dirty="0" smtClean="0"/>
-              <a:t>APP</a:t>
-            </a:r>
-            <a:r>
-              <a:rPr lang="zh-CN" altLang="en-US" dirty="0" smtClean="0"/>
-              <a:t>：</a:t>
+              <a:t>游记等细分市场，也出现了一些</a:t>
+            </a:r>
+            <a:r>
+              <a:rPr lang="zh-CN" altLang="en-US" dirty="0" smtClean="0"/>
+              <a:t>新的趋势：</a:t>
             </a:r>
             <a:endParaRPr lang="en-US" altLang="zh-CN" dirty="0" smtClean="0"/>
           </a:p>
@@ -5915,7 +6695,15 @@
             </a:pPr>
             <a:r>
               <a:rPr lang="zh-CN" altLang="en-US" dirty="0" smtClean="0"/>
-              <a:t>让游客跟着游的</a:t>
+              <a:t>随着目的地成为热点，一些</a:t>
+            </a:r>
+            <a:r>
+              <a:rPr lang="zh-CN" altLang="en-US" dirty="0" smtClean="0"/>
+              <a:t>让</a:t>
+            </a:r>
+            <a:r>
+              <a:rPr lang="zh-CN" altLang="en-US" dirty="0" smtClean="0"/>
+              <a:t>游客跟着游的</a:t>
             </a:r>
             <a:r>
               <a:rPr lang="en-US" altLang="zh-CN" dirty="0" smtClean="0"/>
@@ -5923,7 +6711,27 @@
             </a:r>
             <a:r>
               <a:rPr lang="zh-CN" altLang="en-US" dirty="0" smtClean="0"/>
-              <a:t>，例如台湾的脆饼，杭州的收留我（很简单的拉手游戏，没有过程的管理，容易产生矛盾，完全取决于各自的信任，也没有盈利模式）</a:t>
+              <a:t>，</a:t>
+            </a:r>
+            <a:r>
+              <a:rPr lang="zh-CN" altLang="en-US" dirty="0" smtClean="0"/>
+              <a:t>例如脆</a:t>
+            </a:r>
+            <a:r>
+              <a:rPr lang="zh-CN" altLang="en-US" dirty="0" smtClean="0"/>
+              <a:t>饼</a:t>
+            </a:r>
+            <a:r>
+              <a:rPr lang="zh-CN" altLang="en-US" dirty="0" smtClean="0"/>
+              <a:t>，收留我，最会游（</a:t>
+            </a:r>
+            <a:r>
+              <a:rPr lang="zh-CN" altLang="en-US" dirty="0" smtClean="0"/>
+              <a:t>很简单的拉手游戏，没有过程的管理，容易产生矛盾，完全取决于各自的信任，也没有盈利模式</a:t>
+            </a:r>
+            <a:r>
+              <a:rPr lang="zh-CN" altLang="en-US" dirty="0" smtClean="0"/>
+              <a:t>）开始出现，货架式的线路贩卖</a:t>
             </a:r>
             <a:endParaRPr lang="en-US" altLang="zh-CN" dirty="0" smtClean="0"/>
           </a:p>
@@ -5942,7 +6750,26 @@
             </a:r>
             <a:r>
               <a:rPr lang="zh-CN" altLang="en-US" dirty="0" smtClean="0"/>
-              <a:t>，穷游行程助手，游谱（行程的制定还是取决于游客的功课深度，否则还是两眼一抹黑）</a:t>
+              <a:t>，穷游行程助手，游谱（行程的制定还是取决于游客的功课深度</a:t>
+            </a:r>
+            <a:r>
+              <a:rPr lang="zh-CN" altLang="en-US" dirty="0" smtClean="0"/>
+              <a:t>，绝大多数游客没有这个能力）</a:t>
+            </a:r>
+            <a:endParaRPr lang="en-US" altLang="zh-CN" dirty="0" smtClean="0"/>
+          </a:p>
+          <a:p>
+            <a:pPr marL="971550" lvl="1" indent="-514350">
+              <a:buFont typeface="+mj-lt"/>
+              <a:buAutoNum type="alphaLcParenR"/>
+            </a:pPr>
+            <a:r>
+              <a:rPr lang="en-US" altLang="zh-CN" dirty="0" smtClean="0"/>
+              <a:t>OTA</a:t>
+            </a:r>
+            <a:r>
+              <a:rPr lang="zh-CN" altLang="en-US" dirty="0" smtClean="0"/>
+              <a:t>开始开店，蚕食传统旅游市场</a:t>
             </a:r>
             <a:endParaRPr lang="zh-CN" altLang="en-US" dirty="0"/>
           </a:p>
@@ -6102,15 +6929,7 @@
             </a:r>
             <a:r>
               <a:rPr lang="zh-CN" altLang="en-US" dirty="0" smtClean="0"/>
-              <a:t>游</a:t>
-            </a:r>
-            <a:r>
-              <a:rPr lang="zh-CN" altLang="en-US" dirty="0" smtClean="0"/>
-              <a:t>是低价团、老年</a:t>
-            </a:r>
-            <a:r>
-              <a:rPr lang="zh-CN" altLang="en-US" dirty="0" smtClean="0"/>
-              <a:t>团，我要自助游，导游肯定斩我</a:t>
+              <a:t>游是低价团、老年团，我要自助游，导游肯定斩我</a:t>
             </a:r>
             <a:endParaRPr lang="en-US" altLang="zh-CN" dirty="0" smtClean="0"/>
           </a:p>
@@ -6256,15 +7075,7 @@
             <a:pPr lvl="1"/>
             <a:r>
               <a:rPr lang="zh-CN" altLang="en-US" dirty="0" smtClean="0"/>
-              <a:t>能不能有人给我全程讲讲当地的文化、传说故事</a:t>
-            </a:r>
-            <a:r>
-              <a:rPr lang="zh-CN" altLang="en-US" dirty="0" smtClean="0"/>
-              <a:t>，哪里有什么明星去过，什么</a:t>
-            </a:r>
-            <a:r>
-              <a:rPr lang="zh-CN" altLang="en-US" dirty="0" smtClean="0"/>
-              <a:t>东西好吃</a:t>
+              <a:t>能不能有人给我全程讲讲当地的文化、传说故事，哪里有什么明星去过，什么东西好吃</a:t>
             </a:r>
             <a:endParaRPr lang="en-US" altLang="zh-CN" dirty="0" smtClean="0"/>
           </a:p>

--- a/yourtour/documents/business/YourTour BP 3.0-合作.pptx
+++ b/yourtour/documents/business/YourTour BP 3.0-合作.pptx
@@ -5,27 +5,27 @@
     <p:sldMasterId id="2147483648" r:id="rId1"/>
   </p:sldMasterIdLst>
   <p:sldIdLst>
-    <p:sldId id="256" r:id="rId2"/>
-    <p:sldId id="257" r:id="rId3"/>
-    <p:sldId id="258" r:id="rId4"/>
-    <p:sldId id="260" r:id="rId5"/>
-    <p:sldId id="259" r:id="rId6"/>
-    <p:sldId id="261" r:id="rId7"/>
-    <p:sldId id="264" r:id="rId8"/>
-    <p:sldId id="262" r:id="rId9"/>
-    <p:sldId id="263" r:id="rId10"/>
-    <p:sldId id="269" r:id="rId11"/>
-    <p:sldId id="270" r:id="rId12"/>
-    <p:sldId id="278" r:id="rId13"/>
-    <p:sldId id="271" r:id="rId14"/>
-    <p:sldId id="279" r:id="rId15"/>
-    <p:sldId id="281" r:id="rId16"/>
-    <p:sldId id="282" r:id="rId17"/>
-    <p:sldId id="268" r:id="rId18"/>
-    <p:sldId id="266" r:id="rId19"/>
-    <p:sldId id="265" r:id="rId20"/>
-    <p:sldId id="272" r:id="rId21"/>
-    <p:sldId id="275" r:id="rId22"/>
+    <p:sldId id="256" r:id="rId3"/>
+    <p:sldId id="257" r:id="rId4"/>
+    <p:sldId id="258" r:id="rId5"/>
+    <p:sldId id="260" r:id="rId6"/>
+    <p:sldId id="259" r:id="rId7"/>
+    <p:sldId id="261" r:id="rId8"/>
+    <p:sldId id="264" r:id="rId9"/>
+    <p:sldId id="262" r:id="rId10"/>
+    <p:sldId id="263" r:id="rId11"/>
+    <p:sldId id="269" r:id="rId12"/>
+    <p:sldId id="270" r:id="rId13"/>
+    <p:sldId id="278" r:id="rId14"/>
+    <p:sldId id="271" r:id="rId15"/>
+    <p:sldId id="279" r:id="rId16"/>
+    <p:sldId id="281" r:id="rId17"/>
+    <p:sldId id="282" r:id="rId18"/>
+    <p:sldId id="268" r:id="rId19"/>
+    <p:sldId id="266" r:id="rId20"/>
+    <p:sldId id="265" r:id="rId21"/>
+    <p:sldId id="272" r:id="rId22"/>
+    <p:sldId id="275" r:id="rId23"/>
   </p:sldIdLst>
   <p:sldSz cx="9144000" cy="6858000" type="screen4x3"/>
   <p:notesSz cx="6858000" cy="9144000"/>
@@ -308,7 +308,6 @@
           <a:p>
             <a:fld id="{530820CF-B880-4189-942D-D702A7CBA730}" type="datetimeFigureOut">
               <a:rPr lang="zh-CN" altLang="en-US" smtClean="0"/>
-              <a:t>2016/3/24</a:t>
             </a:fld>
             <a:endParaRPr lang="zh-CN" altLang="en-US"/>
           </a:p>
@@ -350,7 +349,6 @@
           <a:p>
             <a:fld id="{0C913308-F349-4B6D-A68A-DD1791B4A57B}" type="slidenum">
               <a:rPr lang="zh-CN" altLang="en-US" smtClean="0"/>
-              <a:t>‹#›</a:t>
             </a:fld>
             <a:endParaRPr lang="zh-CN" altLang="en-US"/>
           </a:p>
@@ -424,6 +422,7 @@
               <a:rPr lang="zh-CN" altLang="en-US" smtClean="0"/>
               <a:t>单击此处编辑母版文本样式</a:t>
             </a:r>
+            <a:endParaRPr lang="zh-CN" altLang="en-US" smtClean="0"/>
           </a:p>
           <a:p>
             <a:pPr lvl="1"/>
@@ -431,6 +430,7 @@
               <a:rPr lang="zh-CN" altLang="en-US" smtClean="0"/>
               <a:t>第二级</a:t>
             </a:r>
+            <a:endParaRPr lang="zh-CN" altLang="en-US" smtClean="0"/>
           </a:p>
           <a:p>
             <a:pPr lvl="2"/>
@@ -438,6 +438,7 @@
               <a:rPr lang="zh-CN" altLang="en-US" smtClean="0"/>
               <a:t>第三级</a:t>
             </a:r>
+            <a:endParaRPr lang="zh-CN" altLang="en-US" smtClean="0"/>
           </a:p>
           <a:p>
             <a:pPr lvl="3"/>
@@ -445,6 +446,7 @@
               <a:rPr lang="zh-CN" altLang="en-US" smtClean="0"/>
               <a:t>第四级</a:t>
             </a:r>
+            <a:endParaRPr lang="zh-CN" altLang="en-US" smtClean="0"/>
           </a:p>
           <a:p>
             <a:pPr lvl="4"/>
@@ -473,7 +475,6 @@
           <a:p>
             <a:fld id="{530820CF-B880-4189-942D-D702A7CBA730}" type="datetimeFigureOut">
               <a:rPr lang="zh-CN" altLang="en-US" smtClean="0"/>
-              <a:t>2016/3/24</a:t>
             </a:fld>
             <a:endParaRPr lang="zh-CN" altLang="en-US"/>
           </a:p>
@@ -515,7 +516,6 @@
           <a:p>
             <a:fld id="{0C913308-F349-4B6D-A68A-DD1791B4A57B}" type="slidenum">
               <a:rPr lang="zh-CN" altLang="en-US" smtClean="0"/>
-              <a:t>‹#›</a:t>
             </a:fld>
             <a:endParaRPr lang="zh-CN" altLang="en-US"/>
           </a:p>
@@ -599,6 +599,7 @@
               <a:rPr lang="zh-CN" altLang="en-US" smtClean="0"/>
               <a:t>单击此处编辑母版文本样式</a:t>
             </a:r>
+            <a:endParaRPr lang="zh-CN" altLang="en-US" smtClean="0"/>
           </a:p>
           <a:p>
             <a:pPr lvl="1"/>
@@ -606,6 +607,7 @@
               <a:rPr lang="zh-CN" altLang="en-US" smtClean="0"/>
               <a:t>第二级</a:t>
             </a:r>
+            <a:endParaRPr lang="zh-CN" altLang="en-US" smtClean="0"/>
           </a:p>
           <a:p>
             <a:pPr lvl="2"/>
@@ -613,6 +615,7 @@
               <a:rPr lang="zh-CN" altLang="en-US" smtClean="0"/>
               <a:t>第三级</a:t>
             </a:r>
+            <a:endParaRPr lang="zh-CN" altLang="en-US" smtClean="0"/>
           </a:p>
           <a:p>
             <a:pPr lvl="3"/>
@@ -620,6 +623,7 @@
               <a:rPr lang="zh-CN" altLang="en-US" smtClean="0"/>
               <a:t>第四级</a:t>
             </a:r>
+            <a:endParaRPr lang="zh-CN" altLang="en-US" smtClean="0"/>
           </a:p>
           <a:p>
             <a:pPr lvl="4"/>
@@ -648,7 +652,6 @@
           <a:p>
             <a:fld id="{530820CF-B880-4189-942D-D702A7CBA730}" type="datetimeFigureOut">
               <a:rPr lang="zh-CN" altLang="en-US" smtClean="0"/>
-              <a:t>2016/3/24</a:t>
             </a:fld>
             <a:endParaRPr lang="zh-CN" altLang="en-US"/>
           </a:p>
@@ -690,7 +693,6 @@
           <a:p>
             <a:fld id="{0C913308-F349-4B6D-A68A-DD1791B4A57B}" type="slidenum">
               <a:rPr lang="zh-CN" altLang="en-US" smtClean="0"/>
-              <a:t>‹#›</a:t>
             </a:fld>
             <a:endParaRPr lang="zh-CN" altLang="en-US"/>
           </a:p>
@@ -764,6 +766,7 @@
               <a:rPr lang="zh-CN" altLang="en-US" smtClean="0"/>
               <a:t>单击此处编辑母版文本样式</a:t>
             </a:r>
+            <a:endParaRPr lang="zh-CN" altLang="en-US" smtClean="0"/>
           </a:p>
           <a:p>
             <a:pPr lvl="1"/>
@@ -771,6 +774,7 @@
               <a:rPr lang="zh-CN" altLang="en-US" smtClean="0"/>
               <a:t>第二级</a:t>
             </a:r>
+            <a:endParaRPr lang="zh-CN" altLang="en-US" smtClean="0"/>
           </a:p>
           <a:p>
             <a:pPr lvl="2"/>
@@ -778,6 +782,7 @@
               <a:rPr lang="zh-CN" altLang="en-US" smtClean="0"/>
               <a:t>第三级</a:t>
             </a:r>
+            <a:endParaRPr lang="zh-CN" altLang="en-US" smtClean="0"/>
           </a:p>
           <a:p>
             <a:pPr lvl="3"/>
@@ -785,6 +790,7 @@
               <a:rPr lang="zh-CN" altLang="en-US" smtClean="0"/>
               <a:t>第四级</a:t>
             </a:r>
+            <a:endParaRPr lang="zh-CN" altLang="en-US" smtClean="0"/>
           </a:p>
           <a:p>
             <a:pPr lvl="4"/>
@@ -813,7 +819,6 @@
           <a:p>
             <a:fld id="{530820CF-B880-4189-942D-D702A7CBA730}" type="datetimeFigureOut">
               <a:rPr lang="zh-CN" altLang="en-US" smtClean="0"/>
-              <a:t>2016/3/24</a:t>
             </a:fld>
             <a:endParaRPr lang="zh-CN" altLang="en-US"/>
           </a:p>
@@ -855,7 +860,6 @@
           <a:p>
             <a:fld id="{0C913308-F349-4B6D-A68A-DD1791B4A57B}" type="slidenum">
               <a:rPr lang="zh-CN" altLang="en-US" smtClean="0"/>
-              <a:t>‹#›</a:t>
             </a:fld>
             <a:endParaRPr lang="zh-CN" altLang="en-US"/>
           </a:p>
@@ -1054,7 +1058,6 @@
           <a:p>
             <a:fld id="{530820CF-B880-4189-942D-D702A7CBA730}" type="datetimeFigureOut">
               <a:rPr lang="zh-CN" altLang="en-US" smtClean="0"/>
-              <a:t>2016/3/24</a:t>
             </a:fld>
             <a:endParaRPr lang="zh-CN" altLang="en-US"/>
           </a:p>
@@ -1096,7 +1099,6 @@
           <a:p>
             <a:fld id="{0C913308-F349-4B6D-A68A-DD1791B4A57B}" type="slidenum">
               <a:rPr lang="zh-CN" altLang="en-US" smtClean="0"/>
-              <a:t>‹#›</a:t>
             </a:fld>
             <a:endParaRPr lang="zh-CN" altLang="en-US"/>
           </a:p>
@@ -1203,6 +1205,7 @@
               <a:rPr lang="zh-CN" altLang="en-US" smtClean="0"/>
               <a:t>单击此处编辑母版文本样式</a:t>
             </a:r>
+            <a:endParaRPr lang="zh-CN" altLang="en-US" smtClean="0"/>
           </a:p>
           <a:p>
             <a:pPr lvl="1"/>
@@ -1210,6 +1213,7 @@
               <a:rPr lang="zh-CN" altLang="en-US" smtClean="0"/>
               <a:t>第二级</a:t>
             </a:r>
+            <a:endParaRPr lang="zh-CN" altLang="en-US" smtClean="0"/>
           </a:p>
           <a:p>
             <a:pPr lvl="2"/>
@@ -1217,6 +1221,7 @@
               <a:rPr lang="zh-CN" altLang="en-US" smtClean="0"/>
               <a:t>第三级</a:t>
             </a:r>
+            <a:endParaRPr lang="zh-CN" altLang="en-US" smtClean="0"/>
           </a:p>
           <a:p>
             <a:pPr lvl="3"/>
@@ -1224,6 +1229,7 @@
               <a:rPr lang="zh-CN" altLang="en-US" smtClean="0"/>
               <a:t>第四级</a:t>
             </a:r>
+            <a:endParaRPr lang="zh-CN" altLang="en-US" smtClean="0"/>
           </a:p>
           <a:p>
             <a:pPr lvl="4"/>
@@ -1288,6 +1294,7 @@
               <a:rPr lang="zh-CN" altLang="en-US" smtClean="0"/>
               <a:t>单击此处编辑母版文本样式</a:t>
             </a:r>
+            <a:endParaRPr lang="zh-CN" altLang="en-US" smtClean="0"/>
           </a:p>
           <a:p>
             <a:pPr lvl="1"/>
@@ -1295,6 +1302,7 @@
               <a:rPr lang="zh-CN" altLang="en-US" smtClean="0"/>
               <a:t>第二级</a:t>
             </a:r>
+            <a:endParaRPr lang="zh-CN" altLang="en-US" smtClean="0"/>
           </a:p>
           <a:p>
             <a:pPr lvl="2"/>
@@ -1302,6 +1310,7 @@
               <a:rPr lang="zh-CN" altLang="en-US" smtClean="0"/>
               <a:t>第三级</a:t>
             </a:r>
+            <a:endParaRPr lang="zh-CN" altLang="en-US" smtClean="0"/>
           </a:p>
           <a:p>
             <a:pPr lvl="3"/>
@@ -1309,6 +1318,7 @@
               <a:rPr lang="zh-CN" altLang="en-US" smtClean="0"/>
               <a:t>第四级</a:t>
             </a:r>
+            <a:endParaRPr lang="zh-CN" altLang="en-US" smtClean="0"/>
           </a:p>
           <a:p>
             <a:pPr lvl="4"/>
@@ -1337,7 +1347,6 @@
           <a:p>
             <a:fld id="{530820CF-B880-4189-942D-D702A7CBA730}" type="datetimeFigureOut">
               <a:rPr lang="zh-CN" altLang="en-US" smtClean="0"/>
-              <a:t>2016/3/24</a:t>
             </a:fld>
             <a:endParaRPr lang="zh-CN" altLang="en-US"/>
           </a:p>
@@ -1379,7 +1388,6 @@
           <a:p>
             <a:fld id="{0C913308-F349-4B6D-A68A-DD1791B4A57B}" type="slidenum">
               <a:rPr lang="zh-CN" altLang="en-US" smtClean="0"/>
-              <a:t>‹#›</a:t>
             </a:fld>
             <a:endParaRPr lang="zh-CN" altLang="en-US"/>
           </a:p>
@@ -1555,6 +1563,7 @@
               <a:rPr lang="zh-CN" altLang="en-US" smtClean="0"/>
               <a:t>单击此处编辑母版文本样式</a:t>
             </a:r>
+            <a:endParaRPr lang="zh-CN" altLang="en-US" smtClean="0"/>
           </a:p>
           <a:p>
             <a:pPr lvl="1"/>
@@ -1562,6 +1571,7 @@
               <a:rPr lang="zh-CN" altLang="en-US" smtClean="0"/>
               <a:t>第二级</a:t>
             </a:r>
+            <a:endParaRPr lang="zh-CN" altLang="en-US" smtClean="0"/>
           </a:p>
           <a:p>
             <a:pPr lvl="2"/>
@@ -1569,6 +1579,7 @@
               <a:rPr lang="zh-CN" altLang="en-US" smtClean="0"/>
               <a:t>第三级</a:t>
             </a:r>
+            <a:endParaRPr lang="zh-CN" altLang="en-US" smtClean="0"/>
           </a:p>
           <a:p>
             <a:pPr lvl="3"/>
@@ -1576,6 +1587,7 @@
               <a:rPr lang="zh-CN" altLang="en-US" smtClean="0"/>
               <a:t>第四级</a:t>
             </a:r>
+            <a:endParaRPr lang="zh-CN" altLang="en-US" smtClean="0"/>
           </a:p>
           <a:p>
             <a:pPr lvl="4"/>
@@ -1705,6 +1717,7 @@
               <a:rPr lang="zh-CN" altLang="en-US" smtClean="0"/>
               <a:t>单击此处编辑母版文本样式</a:t>
             </a:r>
+            <a:endParaRPr lang="zh-CN" altLang="en-US" smtClean="0"/>
           </a:p>
           <a:p>
             <a:pPr lvl="1"/>
@@ -1712,6 +1725,7 @@
               <a:rPr lang="zh-CN" altLang="en-US" smtClean="0"/>
               <a:t>第二级</a:t>
             </a:r>
+            <a:endParaRPr lang="zh-CN" altLang="en-US" smtClean="0"/>
           </a:p>
           <a:p>
             <a:pPr lvl="2"/>
@@ -1719,6 +1733,7 @@
               <a:rPr lang="zh-CN" altLang="en-US" smtClean="0"/>
               <a:t>第三级</a:t>
             </a:r>
+            <a:endParaRPr lang="zh-CN" altLang="en-US" smtClean="0"/>
           </a:p>
           <a:p>
             <a:pPr lvl="3"/>
@@ -1726,6 +1741,7 @@
               <a:rPr lang="zh-CN" altLang="en-US" smtClean="0"/>
               <a:t>第四级</a:t>
             </a:r>
+            <a:endParaRPr lang="zh-CN" altLang="en-US" smtClean="0"/>
           </a:p>
           <a:p>
             <a:pPr lvl="4"/>
@@ -1754,7 +1770,6 @@
           <a:p>
             <a:fld id="{530820CF-B880-4189-942D-D702A7CBA730}" type="datetimeFigureOut">
               <a:rPr lang="zh-CN" altLang="en-US" smtClean="0"/>
-              <a:t>2016/3/24</a:t>
             </a:fld>
             <a:endParaRPr lang="zh-CN" altLang="en-US"/>
           </a:p>
@@ -1796,7 +1811,6 @@
           <a:p>
             <a:fld id="{0C913308-F349-4B6D-A68A-DD1791B4A57B}" type="slidenum">
               <a:rPr lang="zh-CN" altLang="en-US" smtClean="0"/>
-              <a:t>‹#›</a:t>
             </a:fld>
             <a:endParaRPr lang="zh-CN" altLang="en-US"/>
           </a:p>
@@ -1867,7 +1881,6 @@
           <a:p>
             <a:fld id="{530820CF-B880-4189-942D-D702A7CBA730}" type="datetimeFigureOut">
               <a:rPr lang="zh-CN" altLang="en-US" smtClean="0"/>
-              <a:t>2016/3/24</a:t>
             </a:fld>
             <a:endParaRPr lang="zh-CN" altLang="en-US"/>
           </a:p>
@@ -1909,7 +1922,6 @@
           <a:p>
             <a:fld id="{0C913308-F349-4B6D-A68A-DD1791B4A57B}" type="slidenum">
               <a:rPr lang="zh-CN" altLang="en-US" smtClean="0"/>
-              <a:t>‹#›</a:t>
             </a:fld>
             <a:endParaRPr lang="zh-CN" altLang="en-US"/>
           </a:p>
@@ -1957,7 +1969,6 @@
           <a:p>
             <a:fld id="{530820CF-B880-4189-942D-D702A7CBA730}" type="datetimeFigureOut">
               <a:rPr lang="zh-CN" altLang="en-US" smtClean="0"/>
-              <a:t>2016/3/24</a:t>
             </a:fld>
             <a:endParaRPr lang="zh-CN" altLang="en-US"/>
           </a:p>
@@ -1999,7 +2010,6 @@
           <a:p>
             <a:fld id="{0C913308-F349-4B6D-A68A-DD1791B4A57B}" type="slidenum">
               <a:rPr lang="zh-CN" altLang="en-US" smtClean="0"/>
-              <a:t>‹#›</a:t>
             </a:fld>
             <a:endParaRPr lang="zh-CN" altLang="en-US"/>
           </a:p>
@@ -2115,6 +2125,7 @@
               <a:rPr lang="zh-CN" altLang="en-US" smtClean="0"/>
               <a:t>单击此处编辑母版文本样式</a:t>
             </a:r>
+            <a:endParaRPr lang="zh-CN" altLang="en-US" smtClean="0"/>
           </a:p>
           <a:p>
             <a:pPr lvl="1"/>
@@ -2122,6 +2133,7 @@
               <a:rPr lang="zh-CN" altLang="en-US" smtClean="0"/>
               <a:t>第二级</a:t>
             </a:r>
+            <a:endParaRPr lang="zh-CN" altLang="en-US" smtClean="0"/>
           </a:p>
           <a:p>
             <a:pPr lvl="2"/>
@@ -2129,6 +2141,7 @@
               <a:rPr lang="zh-CN" altLang="en-US" smtClean="0"/>
               <a:t>第三级</a:t>
             </a:r>
+            <a:endParaRPr lang="zh-CN" altLang="en-US" smtClean="0"/>
           </a:p>
           <a:p>
             <a:pPr lvl="3"/>
@@ -2136,6 +2149,7 @@
               <a:rPr lang="zh-CN" altLang="en-US" smtClean="0"/>
               <a:t>第四级</a:t>
             </a:r>
+            <a:endParaRPr lang="zh-CN" altLang="en-US" smtClean="0"/>
           </a:p>
           <a:p>
             <a:pPr lvl="4"/>
@@ -2229,7 +2243,6 @@
           <a:p>
             <a:fld id="{530820CF-B880-4189-942D-D702A7CBA730}" type="datetimeFigureOut">
               <a:rPr lang="zh-CN" altLang="en-US" smtClean="0"/>
-              <a:t>2016/3/24</a:t>
             </a:fld>
             <a:endParaRPr lang="zh-CN" altLang="en-US"/>
           </a:p>
@@ -2271,7 +2284,6 @@
           <a:p>
             <a:fld id="{0C913308-F349-4B6D-A68A-DD1791B4A57B}" type="slidenum">
               <a:rPr lang="zh-CN" altLang="en-US" smtClean="0"/>
-              <a:t>‹#›</a:t>
             </a:fld>
             <a:endParaRPr lang="zh-CN" altLang="en-US"/>
           </a:p>
@@ -2477,7 +2489,6 @@
           <a:p>
             <a:fld id="{530820CF-B880-4189-942D-D702A7CBA730}" type="datetimeFigureOut">
               <a:rPr lang="zh-CN" altLang="en-US" smtClean="0"/>
-              <a:t>2016/3/24</a:t>
             </a:fld>
             <a:endParaRPr lang="zh-CN" altLang="en-US"/>
           </a:p>
@@ -2519,7 +2530,6 @@
           <a:p>
             <a:fld id="{0C913308-F349-4B6D-A68A-DD1791B4A57B}" type="slidenum">
               <a:rPr lang="zh-CN" altLang="en-US" smtClean="0"/>
-              <a:t>‹#›</a:t>
             </a:fld>
             <a:endParaRPr lang="zh-CN" altLang="en-US"/>
           </a:p>
@@ -2618,6 +2628,7 @@
               <a:rPr lang="zh-CN" altLang="en-US" smtClean="0"/>
               <a:t>单击此处编辑母版文本样式</a:t>
             </a:r>
+            <a:endParaRPr lang="zh-CN" altLang="en-US" smtClean="0"/>
           </a:p>
           <a:p>
             <a:pPr lvl="1"/>
@@ -2625,6 +2636,7 @@
               <a:rPr lang="zh-CN" altLang="en-US" smtClean="0"/>
               <a:t>第二级</a:t>
             </a:r>
+            <a:endParaRPr lang="zh-CN" altLang="en-US" smtClean="0"/>
           </a:p>
           <a:p>
             <a:pPr lvl="2"/>
@@ -2632,6 +2644,7 @@
               <a:rPr lang="zh-CN" altLang="en-US" smtClean="0"/>
               <a:t>第三级</a:t>
             </a:r>
+            <a:endParaRPr lang="zh-CN" altLang="en-US" smtClean="0"/>
           </a:p>
           <a:p>
             <a:pPr lvl="3"/>
@@ -2639,6 +2652,7 @@
               <a:rPr lang="zh-CN" altLang="en-US" smtClean="0"/>
               <a:t>第四级</a:t>
             </a:r>
+            <a:endParaRPr lang="zh-CN" altLang="en-US" smtClean="0"/>
           </a:p>
           <a:p>
             <a:pPr lvl="4"/>
@@ -2685,7 +2699,6 @@
           <a:p>
             <a:fld id="{530820CF-B880-4189-942D-D702A7CBA730}" type="datetimeFigureOut">
               <a:rPr lang="zh-CN" altLang="en-US" smtClean="0"/>
-              <a:t>2016/3/24</a:t>
             </a:fld>
             <a:endParaRPr lang="zh-CN" altLang="en-US"/>
           </a:p>
@@ -2763,7 +2776,6 @@
           <a:p>
             <a:fld id="{0C913308-F349-4B6D-A68A-DD1791B4A57B}" type="slidenum">
               <a:rPr lang="zh-CN" altLang="en-US" smtClean="0"/>
-              <a:t>‹#›</a:t>
             </a:fld>
             <a:endParaRPr lang="zh-CN" altLang="en-US"/>
           </a:p>
@@ -2807,7 +2819,7 @@
         <a:spcBef>
           <a:spcPct val="20000"/>
         </a:spcBef>
-        <a:buFont typeface="Arial" pitchFamily="34" charset="0"/>
+        <a:buFont typeface="Arial" panose="02080604020202020204" charset="0"/>
         <a:buChar char="•"/>
         <a:defRPr sz="3200" kern="1200">
           <a:solidFill>
@@ -2822,7 +2834,7 @@
         <a:spcBef>
           <a:spcPct val="20000"/>
         </a:spcBef>
-        <a:buFont typeface="Arial" pitchFamily="34" charset="0"/>
+        <a:buFont typeface="Arial" panose="02080604020202020204" charset="0"/>
         <a:buChar char="–"/>
         <a:defRPr sz="2800" kern="1200">
           <a:solidFill>
@@ -2837,7 +2849,7 @@
         <a:spcBef>
           <a:spcPct val="20000"/>
         </a:spcBef>
-        <a:buFont typeface="Arial" pitchFamily="34" charset="0"/>
+        <a:buFont typeface="Arial" panose="02080604020202020204" charset="0"/>
         <a:buChar char="•"/>
         <a:defRPr sz="2400" kern="1200">
           <a:solidFill>
@@ -2852,7 +2864,7 @@
         <a:spcBef>
           <a:spcPct val="20000"/>
         </a:spcBef>
-        <a:buFont typeface="Arial" pitchFamily="34" charset="0"/>
+        <a:buFont typeface="Arial" panose="02080604020202020204" charset="0"/>
         <a:buChar char="–"/>
         <a:defRPr sz="2000" kern="1200">
           <a:solidFill>
@@ -2867,7 +2879,7 @@
         <a:spcBef>
           <a:spcPct val="20000"/>
         </a:spcBef>
-        <a:buFont typeface="Arial" pitchFamily="34" charset="0"/>
+        <a:buFont typeface="Arial" panose="02080604020202020204" charset="0"/>
         <a:buChar char="»"/>
         <a:defRPr sz="2000" kern="1200">
           <a:solidFill>
@@ -2882,7 +2894,7 @@
         <a:spcBef>
           <a:spcPct val="20000"/>
         </a:spcBef>
-        <a:buFont typeface="Arial" pitchFamily="34" charset="0"/>
+        <a:buFont typeface="Arial" panose="02080604020202020204" charset="0"/>
         <a:buChar char="•"/>
         <a:defRPr sz="2000" kern="1200">
           <a:solidFill>
@@ -2897,7 +2909,7 @@
         <a:spcBef>
           <a:spcPct val="20000"/>
         </a:spcBef>
-        <a:buFont typeface="Arial" pitchFamily="34" charset="0"/>
+        <a:buFont typeface="Arial" panose="02080604020202020204" charset="0"/>
         <a:buChar char="•"/>
         <a:defRPr sz="2000" kern="1200">
           <a:solidFill>
@@ -2912,7 +2924,7 @@
         <a:spcBef>
           <a:spcPct val="20000"/>
         </a:spcBef>
-        <a:buFont typeface="Arial" pitchFamily="34" charset="0"/>
+        <a:buFont typeface="Arial" panose="02080604020202020204" charset="0"/>
         <a:buChar char="•"/>
         <a:defRPr sz="2000" kern="1200">
           <a:solidFill>
@@ -2927,7 +2939,7 @@
         <a:spcBef>
           <a:spcPct val="20000"/>
         </a:spcBef>
-        <a:buFont typeface="Arial" pitchFamily="34" charset="0"/>
+        <a:buFont typeface="Arial" panose="02080604020202020204" charset="0"/>
         <a:buChar char="•"/>
         <a:defRPr sz="2000" kern="1200">
           <a:solidFill>
@@ -3102,11 +3114,6 @@
         </p:txBody>
       </p:sp>
     </p:spTree>
-    <p:extLst>
-      <p:ext uri="{BB962C8B-B14F-4D97-AF65-F5344CB8AC3E}">
-        <p14:creationId xmlns:p14="http://schemas.microsoft.com/office/powerpoint/2010/main" val="1777693492"/>
-      </p:ext>
-    </p:extLst>
   </p:cSld>
   <p:clrMapOvr>
     <a:masterClrMapping/>
@@ -3220,11 +3227,6 @@
         </p:txBody>
       </p:sp>
     </p:spTree>
-    <p:extLst>
-      <p:ext uri="{BB962C8B-B14F-4D97-AF65-F5344CB8AC3E}">
-        <p14:creationId xmlns:p14="http://schemas.microsoft.com/office/powerpoint/2010/main" val="792942642"/>
-      </p:ext>
-    </p:extLst>
   </p:cSld>
   <p:clrMapOvr>
     <a:masterClrMapping/>
@@ -3270,11 +3272,7 @@
             </a:r>
             <a:r>
               <a:rPr lang="zh-CN" altLang="en-US" dirty="0" smtClean="0"/>
-              <a:t>市场</a:t>
-            </a:r>
-            <a:r>
-              <a:rPr lang="zh-CN" altLang="en-US" dirty="0" smtClean="0"/>
-              <a:t>的</a:t>
+              <a:t>市场的</a:t>
             </a:r>
             <a:r>
               <a:rPr lang="zh-CN" altLang="en-US" dirty="0"/>
@@ -3320,6 +3318,7 @@
               <a:rPr lang="en-US" altLang="zh-CN" dirty="0" smtClean="0"/>
               <a:t>10%</a:t>
             </a:r>
+            <a:endParaRPr lang="en-US" altLang="zh-CN" dirty="0" smtClean="0"/>
           </a:p>
           <a:p>
             <a:r>
@@ -3385,11 +3384,6 @@
         </p:txBody>
       </p:sp>
     </p:spTree>
-    <p:extLst>
-      <p:ext uri="{BB962C8B-B14F-4D97-AF65-F5344CB8AC3E}">
-        <p14:creationId xmlns:p14="http://schemas.microsoft.com/office/powerpoint/2010/main" val="126388662"/>
-      </p:ext>
-    </p:extLst>
   </p:cSld>
   <p:clrMapOvr>
     <a:masterClrMapping/>
@@ -3501,11 +3495,6 @@
         </p:txBody>
       </p:sp>
     </p:spTree>
-    <p:extLst>
-      <p:ext uri="{BB962C8B-B14F-4D97-AF65-F5344CB8AC3E}">
-        <p14:creationId xmlns:p14="http://schemas.microsoft.com/office/powerpoint/2010/main" val="705033769"/>
-      </p:ext>
-    </p:extLst>
   </p:cSld>
   <p:clrMapOvr>
     <a:masterClrMapping/>
@@ -3776,11 +3765,6 @@
         </p:txBody>
       </p:sp>
     </p:spTree>
-    <p:extLst>
-      <p:ext uri="{BB962C8B-B14F-4D97-AF65-F5344CB8AC3E}">
-        <p14:creationId xmlns:p14="http://schemas.microsoft.com/office/powerpoint/2010/main" val="1642191626"/>
-      </p:ext>
-    </p:extLst>
   </p:cSld>
   <p:clrMapOvr>
     <a:masterClrMapping/>
@@ -4028,11 +4012,6 @@
         </p:txBody>
       </p:sp>
     </p:spTree>
-    <p:extLst>
-      <p:ext uri="{BB962C8B-B14F-4D97-AF65-F5344CB8AC3E}">
-        <p14:creationId xmlns:p14="http://schemas.microsoft.com/office/powerpoint/2010/main" val="3136019531"/>
-      </p:ext>
-    </p:extLst>
   </p:cSld>
   <p:clrMapOvr>
     <a:masterClrMapping/>
@@ -4101,7 +4080,7 @@
         <p:spPr/>
         <p:txBody>
           <a:bodyPr>
-            <a:normAutofit fontScale="85000" lnSpcReduction="20000"/>
+            <a:normAutofit fontScale="75000" lnSpcReduction="20000"/>
           </a:bodyPr>
           <a:lstStyle/>
           <a:p>
@@ -4121,9 +4100,13 @@
           <a:p>
             <a:r>
               <a:rPr lang="zh-CN" altLang="en-US" dirty="0" smtClean="0"/>
-              <a:t>以可定制（有限）让游客随心所以</a:t>
-            </a:r>
-            <a:endParaRPr lang="en-US" altLang="zh-CN" dirty="0" smtClean="0"/>
+              <a:t>以可定制（有限）让游客随心所</a:t>
+            </a:r>
+            <a:r>
+              <a:rPr lang="x-none" altLang="zh-CN" dirty="0" smtClean="0"/>
+              <a:t>欲</a:t>
+            </a:r>
+            <a:endParaRPr lang="x-none" altLang="zh-CN" dirty="0" smtClean="0"/>
           </a:p>
           <a:p>
             <a:r>
@@ -4153,11 +4136,6 @@
         </p:txBody>
       </p:sp>
     </p:spTree>
-    <p:extLst>
-      <p:ext uri="{BB962C8B-B14F-4D97-AF65-F5344CB8AC3E}">
-        <p14:creationId xmlns:p14="http://schemas.microsoft.com/office/powerpoint/2010/main" val="2473250974"/>
-      </p:ext>
-    </p:extLst>
   </p:cSld>
   <p:clrMapOvr>
     <a:masterClrMapping/>
@@ -4245,7 +4223,15 @@
           <a:p>
             <a:r>
               <a:rPr lang="zh-CN" altLang="en-US" dirty="0" smtClean="0"/>
-              <a:t>达人不以回扣为盈利手段，养成游客支付旅游服务费的习惯</a:t>
+              <a:t>达人不以回扣为盈利手段，</a:t>
+            </a:r>
+            <a:r>
+              <a:rPr lang="x-none" altLang="zh-CN" dirty="0" smtClean="0"/>
+              <a:t>培养</a:t>
+            </a:r>
+            <a:r>
+              <a:rPr lang="zh-CN" altLang="en-US" dirty="0" smtClean="0"/>
+              <a:t>游客支付旅游服务费的习惯</a:t>
             </a:r>
             <a:endParaRPr lang="en-US" altLang="zh-CN" dirty="0" smtClean="0"/>
           </a:p>
@@ -4263,11 +4249,6 @@
         </p:txBody>
       </p:sp>
     </p:spTree>
-    <p:extLst>
-      <p:ext uri="{BB962C8B-B14F-4D97-AF65-F5344CB8AC3E}">
-        <p14:creationId xmlns:p14="http://schemas.microsoft.com/office/powerpoint/2010/main" val="2550276877"/>
-      </p:ext>
-    </p:extLst>
   </p:cSld>
   <p:clrMapOvr>
     <a:masterClrMapping/>
@@ -4356,11 +4337,6 @@
         </p:txBody>
       </p:sp>
     </p:spTree>
-    <p:extLst>
-      <p:ext uri="{BB962C8B-B14F-4D97-AF65-F5344CB8AC3E}">
-        <p14:creationId xmlns:p14="http://schemas.microsoft.com/office/powerpoint/2010/main" val="3653845960"/>
-      </p:ext>
-    </p:extLst>
   </p:cSld>
   <p:clrMapOvr>
     <a:masterClrMapping/>
@@ -4450,11 +4426,7 @@
           <a:p>
             <a:r>
               <a:rPr lang="zh-CN" altLang="en-US" dirty="0" smtClean="0"/>
-              <a:t>达人服务是个闭环的过程，服务</a:t>
-            </a:r>
-            <a:r>
-              <a:rPr lang="zh-CN" altLang="en-US" dirty="0" smtClean="0"/>
-              <a:t>制定</a:t>
+              <a:t>达人服务是个闭环的过程，服务制定</a:t>
             </a:r>
             <a:r>
               <a:rPr lang="en-US" altLang="zh-CN" dirty="0" smtClean="0"/>
@@ -4527,11 +4499,7 @@
             </a:r>
             <a:r>
               <a:rPr lang="zh-CN" altLang="en-US" dirty="0" smtClean="0"/>
-              <a:t>人、美女达人、当地大叔、逗孩子</a:t>
-            </a:r>
-            <a:r>
-              <a:rPr lang="zh-CN" altLang="en-US" dirty="0" smtClean="0"/>
-              <a:t>乐、摄影爱好者、垂钓高手。。。。。</a:t>
+              <a:t>人、美女达人、当地大叔、逗孩子乐、摄影爱好者、垂钓高手。。。。。</a:t>
             </a:r>
             <a:endParaRPr lang="en-US" altLang="zh-CN" dirty="0"/>
           </a:p>
@@ -4549,11 +4517,6 @@
         </p:txBody>
       </p:sp>
     </p:spTree>
-    <p:extLst>
-      <p:ext uri="{BB962C8B-B14F-4D97-AF65-F5344CB8AC3E}">
-        <p14:creationId xmlns:p14="http://schemas.microsoft.com/office/powerpoint/2010/main" val="3560296070"/>
-      </p:ext>
-    </p:extLst>
   </p:cSld>
   <p:clrMapOvr>
     <a:masterClrMapping/>
@@ -4651,11 +4614,7 @@
           <a:p>
             <a:r>
               <a:rPr lang="zh-CN" altLang="en-US" dirty="0" smtClean="0"/>
-              <a:t>游徒预收费（预售一笔旅游基金，每日费用日日清</a:t>
-            </a:r>
-            <a:r>
-              <a:rPr lang="zh-CN" altLang="en-US" dirty="0" smtClean="0"/>
-              <a:t>）</a:t>
+              <a:t>游徒预收费（预售一笔旅游基金，每日费用日日清）</a:t>
             </a:r>
             <a:endParaRPr lang="en-US" altLang="zh-CN" dirty="0" smtClean="0"/>
           </a:p>
@@ -4680,11 +4639,7 @@
           <a:p>
             <a:r>
               <a:rPr lang="zh-CN" altLang="en-US" dirty="0" smtClean="0"/>
-              <a:t>旅游金融，提供短期旅游</a:t>
-            </a:r>
-            <a:r>
-              <a:rPr lang="zh-CN" altLang="en-US" dirty="0" smtClean="0"/>
-              <a:t>贷款</a:t>
+              <a:t>旅游金融，提供短期旅游贷款</a:t>
             </a:r>
             <a:endParaRPr lang="en-US" altLang="zh-CN" dirty="0" smtClean="0"/>
           </a:p>
@@ -4709,11 +4664,6 @@
         </p:txBody>
       </p:sp>
     </p:spTree>
-    <p:extLst>
-      <p:ext uri="{BB962C8B-B14F-4D97-AF65-F5344CB8AC3E}">
-        <p14:creationId xmlns:p14="http://schemas.microsoft.com/office/powerpoint/2010/main" val="1083630717"/>
-      </p:ext>
-    </p:extLst>
   </p:cSld>
   <p:clrMapOvr>
     <a:masterClrMapping/>
@@ -4780,19 +4730,7 @@
           <a:p>
             <a:r>
               <a:rPr lang="zh-CN" altLang="en-US" dirty="0" smtClean="0"/>
-              <a:t>我们行进在旅游的途中，寻找自己内心深处那份不一样的东西，情感寄托的圣地</a:t>
-            </a:r>
-            <a:r>
-              <a:rPr lang="zh-CN" altLang="en-US" dirty="0" smtClean="0"/>
-              <a:t>。是</a:t>
-            </a:r>
-            <a:r>
-              <a:rPr lang="zh-CN" altLang="en-US" dirty="0" smtClean="0"/>
-              <a:t>文艺</a:t>
-            </a:r>
-            <a:r>
-              <a:rPr lang="zh-CN" altLang="en-US" dirty="0" smtClean="0"/>
-              <a:t>，</a:t>
+              <a:t>我们行进在旅游的途中，寻找自己内心深处那份不一样的东西，情感寄托的圣地。是文艺，</a:t>
             </a:r>
             <a:r>
               <a:rPr lang="zh-CN" altLang="en-US" dirty="0"/>
@@ -4800,31 +4738,7 @@
             </a:r>
             <a:r>
               <a:rPr lang="zh-CN" altLang="en-US" dirty="0" smtClean="0"/>
-              <a:t>是</a:t>
-            </a:r>
-            <a:r>
-              <a:rPr lang="zh-CN" altLang="en-US" dirty="0" smtClean="0"/>
-              <a:t>孤独</a:t>
-            </a:r>
-            <a:r>
-              <a:rPr lang="zh-CN" altLang="en-US" dirty="0" smtClean="0"/>
-              <a:t>，或许只是</a:t>
-            </a:r>
-            <a:r>
-              <a:rPr lang="zh-CN" altLang="en-US" dirty="0" smtClean="0"/>
-              <a:t>装</a:t>
-            </a:r>
-            <a:r>
-              <a:rPr lang="zh-CN" altLang="en-US" dirty="0" smtClean="0"/>
-              <a:t>逼，也许只是</a:t>
-            </a:r>
-            <a:r>
-              <a:rPr lang="zh-CN" altLang="en-US" dirty="0" smtClean="0"/>
-              <a:t>在陌生的地方的那种肆无忌惮</a:t>
-            </a:r>
-            <a:r>
-              <a:rPr lang="zh-CN" altLang="en-US" dirty="0" smtClean="0"/>
-              <a:t>！</a:t>
+              <a:t>是孤独，或许只是装逼，也许只是在陌生的地方的那种肆无忌惮！</a:t>
             </a:r>
             <a:endParaRPr lang="en-US" altLang="zh-CN" dirty="0" smtClean="0"/>
           </a:p>
@@ -4842,11 +4756,7 @@
           <a:p>
             <a:r>
               <a:rPr lang="zh-CN" altLang="en-US" dirty="0" smtClean="0"/>
-              <a:t>在基督教的教义中</a:t>
-            </a:r>
-            <a:r>
-              <a:rPr lang="zh-CN" altLang="en-US" dirty="0" smtClean="0"/>
-              <a:t>，</a:t>
+              <a:t>在基督教的教义中，</a:t>
             </a:r>
             <a:r>
               <a:rPr lang="zh-CN" altLang="en-US" dirty="0"/>
@@ -4854,11 +4764,7 @@
             </a:r>
             <a:r>
               <a:rPr lang="zh-CN" altLang="en-US" dirty="0" smtClean="0"/>
-              <a:t>徒</a:t>
-            </a:r>
-            <a:r>
-              <a:rPr lang="zh-CN" altLang="en-US" dirty="0" smtClean="0"/>
-              <a:t>可以通过对圣地</a:t>
+              <a:t>徒可以通过对圣地</a:t>
             </a:r>
             <a:r>
               <a:rPr lang="en-US" altLang="zh-CN" dirty="0" smtClean="0"/>
@@ -4873,15 +4779,7 @@
           <a:p>
             <a:r>
               <a:rPr lang="zh-CN" altLang="en-US" dirty="0" smtClean="0"/>
-              <a:t>旅游是</a:t>
-            </a:r>
-            <a:r>
-              <a:rPr lang="zh-CN" altLang="en-US" dirty="0" smtClean="0"/>
-              <a:t>一种解脱，一种忏悔，将你从平日芸芸众生般的生活中解脱出来，忏悔你过去在世俗中所浪费的青春，追寻自我，找到你心中的圣地</a:t>
-            </a:r>
-            <a:r>
-              <a:rPr lang="zh-CN" altLang="en-US" dirty="0" smtClean="0"/>
-              <a:t>。</a:t>
+              <a:t>旅游是一种解脱，一种忏悔，将你从平日芸芸众生般的生活中解脱出来，忏悔你过去在世俗中所浪费的青春，追寻自我，找到你心中的圣地。</a:t>
             </a:r>
             <a:endParaRPr lang="en-US" altLang="zh-CN" dirty="0" smtClean="0"/>
           </a:p>
@@ -4919,11 +4817,6 @@
         </p:txBody>
       </p:sp>
     </p:spTree>
-    <p:extLst>
-      <p:ext uri="{BB962C8B-B14F-4D97-AF65-F5344CB8AC3E}">
-        <p14:creationId xmlns:p14="http://schemas.microsoft.com/office/powerpoint/2010/main" val="1223483370"/>
-      </p:ext>
-    </p:extLst>
   </p:cSld>
   <p:clrMapOvr>
     <a:masterClrMapping/>
@@ -5046,11 +4939,7 @@
             <a:pPr lvl="1"/>
             <a:r>
               <a:rPr lang="zh-CN" altLang="en-US" dirty="0" smtClean="0"/>
-              <a:t>社戏、音乐节、庙会、赶集，体验原</a:t>
-            </a:r>
-            <a:r>
-              <a:rPr lang="zh-CN" altLang="en-US" dirty="0" smtClean="0"/>
-              <a:t>生态</a:t>
+              <a:t>社戏、音乐节、庙会、赶集，体验原生态</a:t>
             </a:r>
             <a:endParaRPr lang="en-US" altLang="zh-CN" dirty="0" smtClean="0"/>
           </a:p>
@@ -5183,11 +5072,6 @@
         </p:txBody>
       </p:sp>
     </p:spTree>
-    <p:extLst>
-      <p:ext uri="{BB962C8B-B14F-4D97-AF65-F5344CB8AC3E}">
-        <p14:creationId xmlns:p14="http://schemas.microsoft.com/office/powerpoint/2010/main" val="2419744921"/>
-      </p:ext>
-    </p:extLst>
   </p:cSld>
   <p:clrMapOvr>
     <a:masterClrMapping/>
@@ -5248,7 +5132,7 @@
         <p:spPr/>
         <p:txBody>
           <a:bodyPr>
-            <a:normAutofit fontScale="85000" lnSpcReduction="10000"/>
+            <a:normAutofit fontScale="75000" lnSpcReduction="10000"/>
           </a:bodyPr>
           <a:lstStyle/>
           <a:p>
@@ -5269,11 +5153,15 @@
           <a:p>
             <a:r>
               <a:rPr lang="zh-CN" altLang="en-US" dirty="0" smtClean="0"/>
-              <a:t>目的地的推介，需要达人的言传口授，玩的是情操，达人能把文化、饮食等各元素串在一起，进行综合的推广，特色推介，让当地的文化得到充分的</a:t>
-            </a:r>
-            <a:r>
-              <a:rPr lang="zh-CN" altLang="en-US" dirty="0" smtClean="0"/>
-              <a:t>体现</a:t>
+              <a:t>目的地的推介，需要达人的言传口授，玩的是情操，</a:t>
+            </a:r>
+            <a:r>
+              <a:rPr lang="x-none" altLang="zh-CN" dirty="0" smtClean="0"/>
+              <a:t>享的是逼格，</a:t>
+            </a:r>
+            <a:r>
+              <a:rPr lang="zh-CN" altLang="en-US" dirty="0" smtClean="0"/>
+              <a:t>达人能把文化、饮食等各元素串在一起，进行综合的推广，特色推介，让当地的文化得到充分的体现</a:t>
             </a:r>
             <a:endParaRPr lang="en-US" altLang="zh-CN" dirty="0" smtClean="0"/>
           </a:p>
@@ -5302,11 +5190,6 @@
         </p:txBody>
       </p:sp>
     </p:spTree>
-    <p:extLst>
-      <p:ext uri="{BB962C8B-B14F-4D97-AF65-F5344CB8AC3E}">
-        <p14:creationId xmlns:p14="http://schemas.microsoft.com/office/powerpoint/2010/main" val="4058753682"/>
-      </p:ext>
-    </p:extLst>
   </p:cSld>
   <p:clrMapOvr>
     <a:masterClrMapping/>
@@ -5422,11 +5305,6 @@
         </p:txBody>
       </p:sp>
     </p:spTree>
-    <p:extLst>
-      <p:ext uri="{BB962C8B-B14F-4D97-AF65-F5344CB8AC3E}">
-        <p14:creationId xmlns:p14="http://schemas.microsoft.com/office/powerpoint/2010/main" val="97872044"/>
-      </p:ext>
-    </p:extLst>
   </p:cSld>
   <p:clrMapOvr>
     <a:masterClrMapping/>
@@ -5594,11 +5472,6 @@
         </p:txBody>
       </p:sp>
     </p:spTree>
-    <p:extLst>
-      <p:ext uri="{BB962C8B-B14F-4D97-AF65-F5344CB8AC3E}">
-        <p14:creationId xmlns:p14="http://schemas.microsoft.com/office/powerpoint/2010/main" val="481038219"/>
-      </p:ext>
-    </p:extLst>
   </p:cSld>
   <p:clrMapOvr>
     <a:masterClrMapping/>
@@ -5683,11 +5556,7 @@
           <a:p>
             <a:r>
               <a:rPr lang="zh-CN" altLang="en-US" dirty="0" smtClean="0"/>
-              <a:t>经济型：反正我很多地方都没去过，有便宜的团我就</a:t>
-            </a:r>
-            <a:r>
-              <a:rPr lang="zh-CN" altLang="en-US" dirty="0" smtClean="0"/>
-              <a:t>去</a:t>
+              <a:t>经济型：反正我很多地方都没去过，有便宜的团我就去</a:t>
             </a:r>
             <a:endParaRPr lang="en-US" altLang="zh-CN" dirty="0" smtClean="0"/>
           </a:p>
@@ -5701,11 +5570,6 @@
         </p:txBody>
       </p:sp>
     </p:spTree>
-    <p:extLst>
-      <p:ext uri="{BB962C8B-B14F-4D97-AF65-F5344CB8AC3E}">
-        <p14:creationId xmlns:p14="http://schemas.microsoft.com/office/powerpoint/2010/main" val="2143631508"/>
-      </p:ext>
-    </p:extLst>
   </p:cSld>
   <p:clrMapOvr>
     <a:masterClrMapping/>
@@ -5819,11 +5683,6 @@
         </p:txBody>
       </p:sp>
     </p:spTree>
-    <p:extLst>
-      <p:ext uri="{BB962C8B-B14F-4D97-AF65-F5344CB8AC3E}">
-        <p14:creationId xmlns:p14="http://schemas.microsoft.com/office/powerpoint/2010/main" val="943608751"/>
-      </p:ext>
-    </p:extLst>
   </p:cSld>
   <p:clrMapOvr>
     <a:masterClrMapping/>
@@ -5949,11 +5808,6 @@
         </p:txBody>
       </p:sp>
     </p:spTree>
-    <p:extLst>
-      <p:ext uri="{BB962C8B-B14F-4D97-AF65-F5344CB8AC3E}">
-        <p14:creationId xmlns:p14="http://schemas.microsoft.com/office/powerpoint/2010/main" val="856086382"/>
-      </p:ext>
-    </p:extLst>
   </p:cSld>
   <p:clrMapOvr>
     <a:masterClrMapping/>
@@ -6082,8 +5936,12 @@
           <a:p>
             <a:pPr lvl="1"/>
             <a:r>
-              <a:rPr lang="zh-CN" altLang="en-US" dirty="0" smtClean="0"/>
-              <a:t>老师被导游赶着跑</a:t>
+              <a:rPr lang="x-none" altLang="zh-CN" dirty="0" smtClean="0"/>
+              <a:t>老是</a:t>
+            </a:r>
+            <a:r>
+              <a:rPr lang="zh-CN" altLang="en-US" dirty="0" smtClean="0"/>
+              <a:t>被导游赶着跑</a:t>
             </a:r>
             <a:endParaRPr lang="en-US" altLang="zh-CN" dirty="0" smtClean="0"/>
           </a:p>
@@ -6102,15 +5960,7 @@
             </a:r>
             <a:r>
               <a:rPr lang="zh-CN" altLang="en-US" dirty="0" smtClean="0"/>
-              <a:t>游</a:t>
-            </a:r>
-            <a:r>
-              <a:rPr lang="zh-CN" altLang="en-US" dirty="0" smtClean="0"/>
-              <a:t>是低价团、老年</a:t>
-            </a:r>
-            <a:r>
-              <a:rPr lang="zh-CN" altLang="en-US" dirty="0" smtClean="0"/>
-              <a:t>团，我要自助游，导游肯定斩我</a:t>
+              <a:t>游是低价团、老年团，我要自助游，导游肯定斩我</a:t>
             </a:r>
             <a:endParaRPr lang="en-US" altLang="zh-CN" dirty="0" smtClean="0"/>
           </a:p>
@@ -6133,11 +5983,6 @@
         </p:txBody>
       </p:sp>
     </p:spTree>
-    <p:extLst>
-      <p:ext uri="{BB962C8B-B14F-4D97-AF65-F5344CB8AC3E}">
-        <p14:creationId xmlns:p14="http://schemas.microsoft.com/office/powerpoint/2010/main" val="2686279929"/>
-      </p:ext>
-    </p:extLst>
   </p:cSld>
   <p:clrMapOvr>
     <a:masterClrMapping/>
@@ -6256,15 +6101,7 @@
             <a:pPr lvl="1"/>
             <a:r>
               <a:rPr lang="zh-CN" altLang="en-US" dirty="0" smtClean="0"/>
-              <a:t>能不能有人给我全程讲讲当地的文化、传说故事</a:t>
-            </a:r>
-            <a:r>
-              <a:rPr lang="zh-CN" altLang="en-US" dirty="0" smtClean="0"/>
-              <a:t>，哪里有什么明星去过，什么</a:t>
-            </a:r>
-            <a:r>
-              <a:rPr lang="zh-CN" altLang="en-US" dirty="0" smtClean="0"/>
-              <a:t>东西好吃</a:t>
+              <a:t>能不能有人给我全程讲讲当地的文化、传说故事，哪里有什么明星去过，什么东西好吃</a:t>
             </a:r>
             <a:endParaRPr lang="en-US" altLang="zh-CN" dirty="0" smtClean="0"/>
           </a:p>
@@ -6282,11 +6119,6 @@
         </p:txBody>
       </p:sp>
     </p:spTree>
-    <p:extLst>
-      <p:ext uri="{BB962C8B-B14F-4D97-AF65-F5344CB8AC3E}">
-        <p14:creationId xmlns:p14="http://schemas.microsoft.com/office/powerpoint/2010/main" val="422544032"/>
-      </p:ext>
-    </p:extLst>
   </p:cSld>
   <p:clrMapOvr>
     <a:masterClrMapping/>
@@ -6574,5 +6406,10 @@
   </a:themeElements>
   <a:objectDefaults/>
   <a:extraClrSchemeLst/>
+  <a:extLst>
+    <a:ext uri="{05A4C25C-085E-4340-85A3-A5531E510DB2}">
+      <thm15:themeFamily xmlns:thm15="http://schemas.microsoft.com/office/thememl/2012/main" name="Office Theme" id="{62F939B6-93AF-4DB8-9C6B-D6C7DFDC589F}" vid="{4A3C46E8-61CC-4603-A589-7422A47A8E4A}"/>
+    </a:ext>
+  </a:extLst>
 </a:theme>
 </file>